--- a/presentation_bak.pptx
+++ b/presentation_bak.pptx
@@ -6,31 +6,32 @@
     <p:sldMasterId id="2147483661" r:id="rId3"/>
     <p:sldMasterId id="2147483674" r:id="rId4"/>
     <p:sldMasterId id="2147483687" r:id="rId5"/>
+    <p:sldMasterId id="2147483700" r:id="rId6"/>
   </p:sldMasterIdLst>
   <p:sldIdLst>
-    <p:sldId id="256" r:id="rId6"/>
-    <p:sldId id="257" r:id="rId7"/>
-    <p:sldId id="258" r:id="rId8"/>
-    <p:sldId id="259" r:id="rId9"/>
-    <p:sldId id="260" r:id="rId10"/>
-    <p:sldId id="261" r:id="rId11"/>
-    <p:sldId id="262" r:id="rId12"/>
-    <p:sldId id="263" r:id="rId13"/>
-    <p:sldId id="264" r:id="rId14"/>
-    <p:sldId id="265" r:id="rId15"/>
-    <p:sldId id="266" r:id="rId16"/>
-    <p:sldId id="267" r:id="rId17"/>
-    <p:sldId id="268" r:id="rId18"/>
-    <p:sldId id="269" r:id="rId19"/>
-    <p:sldId id="270" r:id="rId20"/>
-    <p:sldId id="271" r:id="rId21"/>
-    <p:sldId id="272" r:id="rId22"/>
-    <p:sldId id="273" r:id="rId23"/>
-    <p:sldId id="274" r:id="rId24"/>
-    <p:sldId id="275" r:id="rId25"/>
-    <p:sldId id="276" r:id="rId26"/>
-    <p:sldId id="277" r:id="rId27"/>
-    <p:sldId id="278" r:id="rId28"/>
+    <p:sldId id="256" r:id="rId7"/>
+    <p:sldId id="257" r:id="rId8"/>
+    <p:sldId id="258" r:id="rId9"/>
+    <p:sldId id="259" r:id="rId10"/>
+    <p:sldId id="260" r:id="rId11"/>
+    <p:sldId id="261" r:id="rId12"/>
+    <p:sldId id="262" r:id="rId13"/>
+    <p:sldId id="263" r:id="rId14"/>
+    <p:sldId id="264" r:id="rId15"/>
+    <p:sldId id="265" r:id="rId16"/>
+    <p:sldId id="266" r:id="rId17"/>
+    <p:sldId id="267" r:id="rId18"/>
+    <p:sldId id="268" r:id="rId19"/>
+    <p:sldId id="269" r:id="rId20"/>
+    <p:sldId id="270" r:id="rId21"/>
+    <p:sldId id="271" r:id="rId22"/>
+    <p:sldId id="272" r:id="rId23"/>
+    <p:sldId id="273" r:id="rId24"/>
+    <p:sldId id="274" r:id="rId25"/>
+    <p:sldId id="275" r:id="rId26"/>
+    <p:sldId id="276" r:id="rId27"/>
+    <p:sldId id="277" r:id="rId28"/>
+    <p:sldId id="278" r:id="rId29"/>
   </p:sldIdLst>
   <p:sldSz cx="9144000" cy="6858000"/>
   <p:notesSz cx="7559675" cy="10691812"/>
@@ -3498,7 +3499,7 @@
       </p:grpSpPr>
       <p:sp>
         <p:nvSpPr>
-          <p:cNvPr id="140" name="PlaceHolder 1"/>
+          <p:cNvPr id="144" name="PlaceHolder 1"/>
           <p:cNvSpPr>
             <a:spLocks noGrp="1"/>
           </p:cNvSpPr>
@@ -3529,7 +3530,7 @@
       </p:sp>
       <p:sp>
         <p:nvSpPr>
-          <p:cNvPr id="141" name="PlaceHolder 2"/>
+          <p:cNvPr id="145" name="PlaceHolder 2"/>
           <p:cNvSpPr>
             <a:spLocks noGrp="1"/>
           </p:cNvSpPr>
@@ -3582,7 +3583,7 @@
       </p:grpSpPr>
       <p:sp>
         <p:nvSpPr>
-          <p:cNvPr id="142" name="PlaceHolder 1"/>
+          <p:cNvPr id="146" name="PlaceHolder 1"/>
           <p:cNvSpPr>
             <a:spLocks noGrp="1"/>
           </p:cNvSpPr>
@@ -3613,7 +3614,7 @@
       </p:sp>
       <p:sp>
         <p:nvSpPr>
-          <p:cNvPr id="143" name="PlaceHolder 2"/>
+          <p:cNvPr id="147" name="PlaceHolder 2"/>
           <p:cNvSpPr>
             <a:spLocks noGrp="1"/>
           </p:cNvSpPr>
@@ -3778,7 +3779,7 @@
       </p:grpSpPr>
       <p:sp>
         <p:nvSpPr>
-          <p:cNvPr id="144" name="PlaceHolder 1"/>
+          <p:cNvPr id="148" name="PlaceHolder 1"/>
           <p:cNvSpPr>
             <a:spLocks noGrp="1"/>
           </p:cNvSpPr>
@@ -3809,7 +3810,7 @@
       </p:sp>
       <p:sp>
         <p:nvSpPr>
-          <p:cNvPr id="145" name="PlaceHolder 2"/>
+          <p:cNvPr id="149" name="PlaceHolder 2"/>
           <p:cNvSpPr>
             <a:spLocks noGrp="1"/>
           </p:cNvSpPr>
@@ -3839,7 +3840,7 @@
       </p:sp>
       <p:sp>
         <p:nvSpPr>
-          <p:cNvPr id="146" name="PlaceHolder 3"/>
+          <p:cNvPr id="150" name="PlaceHolder 3"/>
           <p:cNvSpPr>
             <a:spLocks noGrp="1"/>
           </p:cNvSpPr>
@@ -3891,7 +3892,7 @@
       </p:grpSpPr>
       <p:sp>
         <p:nvSpPr>
-          <p:cNvPr id="147" name="PlaceHolder 1"/>
+          <p:cNvPr id="151" name="PlaceHolder 1"/>
           <p:cNvSpPr>
             <a:spLocks noGrp="1"/>
           </p:cNvSpPr>
@@ -3944,7 +3945,7 @@
       </p:grpSpPr>
       <p:sp>
         <p:nvSpPr>
-          <p:cNvPr id="148" name="PlaceHolder 1"/>
+          <p:cNvPr id="152" name="PlaceHolder 1"/>
           <p:cNvSpPr>
             <a:spLocks noGrp="1"/>
           </p:cNvSpPr>
@@ -3997,7 +3998,7 @@
       </p:grpSpPr>
       <p:sp>
         <p:nvSpPr>
-          <p:cNvPr id="149" name="PlaceHolder 1"/>
+          <p:cNvPr id="153" name="PlaceHolder 1"/>
           <p:cNvSpPr>
             <a:spLocks noGrp="1"/>
           </p:cNvSpPr>
@@ -4028,7 +4029,7 @@
       </p:sp>
       <p:sp>
         <p:nvSpPr>
-          <p:cNvPr id="150" name="PlaceHolder 2"/>
+          <p:cNvPr id="154" name="PlaceHolder 2"/>
           <p:cNvSpPr>
             <a:spLocks noGrp="1"/>
           </p:cNvSpPr>
@@ -4058,7 +4059,7 @@
       </p:sp>
       <p:sp>
         <p:nvSpPr>
-          <p:cNvPr id="151" name="PlaceHolder 3"/>
+          <p:cNvPr id="155" name="PlaceHolder 3"/>
           <p:cNvSpPr>
             <a:spLocks noGrp="1"/>
           </p:cNvSpPr>
@@ -4088,7 +4089,7 @@
       </p:sp>
       <p:sp>
         <p:nvSpPr>
-          <p:cNvPr id="152" name="PlaceHolder 4"/>
+          <p:cNvPr id="156" name="PlaceHolder 4"/>
           <p:cNvSpPr>
             <a:spLocks noGrp="1"/>
           </p:cNvSpPr>
@@ -4140,7 +4141,7 @@
       </p:grpSpPr>
       <p:sp>
         <p:nvSpPr>
-          <p:cNvPr id="153" name="PlaceHolder 1"/>
+          <p:cNvPr id="157" name="PlaceHolder 1"/>
           <p:cNvSpPr>
             <a:spLocks noGrp="1"/>
           </p:cNvSpPr>
@@ -4171,7 +4172,7 @@
       </p:sp>
       <p:sp>
         <p:nvSpPr>
-          <p:cNvPr id="154" name="PlaceHolder 2"/>
+          <p:cNvPr id="158" name="PlaceHolder 2"/>
           <p:cNvSpPr>
             <a:spLocks noGrp="1"/>
           </p:cNvSpPr>
@@ -4201,7 +4202,7 @@
       </p:sp>
       <p:sp>
         <p:nvSpPr>
-          <p:cNvPr id="155" name="PlaceHolder 3"/>
+          <p:cNvPr id="159" name="PlaceHolder 3"/>
           <p:cNvSpPr>
             <a:spLocks noGrp="1"/>
           </p:cNvSpPr>
@@ -4231,7 +4232,7 @@
       </p:sp>
       <p:sp>
         <p:nvSpPr>
-          <p:cNvPr id="156" name="PlaceHolder 4"/>
+          <p:cNvPr id="160" name="PlaceHolder 4"/>
           <p:cNvSpPr>
             <a:spLocks noGrp="1"/>
           </p:cNvSpPr>
@@ -4283,7 +4284,7 @@
       </p:grpSpPr>
       <p:sp>
         <p:nvSpPr>
-          <p:cNvPr id="157" name="PlaceHolder 1"/>
+          <p:cNvPr id="161" name="PlaceHolder 1"/>
           <p:cNvSpPr>
             <a:spLocks noGrp="1"/>
           </p:cNvSpPr>
@@ -4314,7 +4315,7 @@
       </p:sp>
       <p:sp>
         <p:nvSpPr>
-          <p:cNvPr id="158" name="PlaceHolder 2"/>
+          <p:cNvPr id="162" name="PlaceHolder 2"/>
           <p:cNvSpPr>
             <a:spLocks noGrp="1"/>
           </p:cNvSpPr>
@@ -4344,7 +4345,7 @@
       </p:sp>
       <p:sp>
         <p:nvSpPr>
-          <p:cNvPr id="159" name="PlaceHolder 3"/>
+          <p:cNvPr id="163" name="PlaceHolder 3"/>
           <p:cNvSpPr>
             <a:spLocks noGrp="1"/>
           </p:cNvSpPr>
@@ -4374,7 +4375,7 @@
       </p:sp>
       <p:sp>
         <p:nvSpPr>
-          <p:cNvPr id="160" name="PlaceHolder 4"/>
+          <p:cNvPr id="164" name="PlaceHolder 4"/>
           <p:cNvSpPr>
             <a:spLocks noGrp="1"/>
           </p:cNvSpPr>
@@ -4426,7 +4427,7 @@
       </p:grpSpPr>
       <p:sp>
         <p:nvSpPr>
-          <p:cNvPr id="161" name="PlaceHolder 1"/>
+          <p:cNvPr id="165" name="PlaceHolder 1"/>
           <p:cNvSpPr>
             <a:spLocks noGrp="1"/>
           </p:cNvSpPr>
@@ -4457,7 +4458,7 @@
       </p:sp>
       <p:sp>
         <p:nvSpPr>
-          <p:cNvPr id="162" name="PlaceHolder 2"/>
+          <p:cNvPr id="166" name="PlaceHolder 2"/>
           <p:cNvSpPr>
             <a:spLocks noGrp="1"/>
           </p:cNvSpPr>
@@ -4487,7 +4488,7 @@
       </p:sp>
       <p:sp>
         <p:nvSpPr>
-          <p:cNvPr id="163" name="PlaceHolder 3"/>
+          <p:cNvPr id="167" name="PlaceHolder 3"/>
           <p:cNvSpPr>
             <a:spLocks noGrp="1"/>
           </p:cNvSpPr>
@@ -4539,7 +4540,7 @@
       </p:grpSpPr>
       <p:sp>
         <p:nvSpPr>
-          <p:cNvPr id="164" name="PlaceHolder 1"/>
+          <p:cNvPr id="168" name="PlaceHolder 1"/>
           <p:cNvSpPr>
             <a:spLocks noGrp="1"/>
           </p:cNvSpPr>
@@ -4570,7 +4571,7 @@
       </p:sp>
       <p:sp>
         <p:nvSpPr>
-          <p:cNvPr id="165" name="PlaceHolder 2"/>
+          <p:cNvPr id="169" name="PlaceHolder 2"/>
           <p:cNvSpPr>
             <a:spLocks noGrp="1"/>
           </p:cNvSpPr>
@@ -4600,7 +4601,7 @@
       </p:sp>
       <p:sp>
         <p:nvSpPr>
-          <p:cNvPr id="166" name="PlaceHolder 3"/>
+          <p:cNvPr id="170" name="PlaceHolder 3"/>
           <p:cNvSpPr>
             <a:spLocks noGrp="1"/>
           </p:cNvSpPr>
@@ -4630,7 +4631,7 @@
       </p:sp>
       <p:sp>
         <p:nvSpPr>
-          <p:cNvPr id="167" name="PlaceHolder 4"/>
+          <p:cNvPr id="171" name="PlaceHolder 4"/>
           <p:cNvSpPr>
             <a:spLocks noGrp="1"/>
           </p:cNvSpPr>
@@ -4660,7 +4661,7 @@
       </p:sp>
       <p:sp>
         <p:nvSpPr>
-          <p:cNvPr id="168" name="PlaceHolder 5"/>
+          <p:cNvPr id="172" name="PlaceHolder 5"/>
           <p:cNvSpPr>
             <a:spLocks noGrp="1"/>
           </p:cNvSpPr>
@@ -4712,7 +4713,7 @@
       </p:grpSpPr>
       <p:sp>
         <p:nvSpPr>
-          <p:cNvPr id="169" name="PlaceHolder 1"/>
+          <p:cNvPr id="173" name="PlaceHolder 1"/>
           <p:cNvSpPr>
             <a:spLocks noGrp="1"/>
           </p:cNvSpPr>
@@ -4743,7 +4744,7 @@
       </p:sp>
       <p:sp>
         <p:nvSpPr>
-          <p:cNvPr id="170" name="PlaceHolder 2"/>
+          <p:cNvPr id="174" name="PlaceHolder 2"/>
           <p:cNvSpPr>
             <a:spLocks noGrp="1"/>
           </p:cNvSpPr>
@@ -4773,7 +4774,7 @@
       </p:sp>
       <p:sp>
         <p:nvSpPr>
-          <p:cNvPr id="171" name="PlaceHolder 3"/>
+          <p:cNvPr id="175" name="PlaceHolder 3"/>
           <p:cNvSpPr>
             <a:spLocks noGrp="1"/>
           </p:cNvSpPr>
@@ -4803,7 +4804,7 @@
       </p:sp>
       <p:sp>
         <p:nvSpPr>
-          <p:cNvPr id="172" name="PlaceHolder 4"/>
+          <p:cNvPr id="176" name="PlaceHolder 4"/>
           <p:cNvSpPr>
             <a:spLocks noGrp="1"/>
           </p:cNvSpPr>
@@ -4833,7 +4834,7 @@
       </p:sp>
       <p:sp>
         <p:nvSpPr>
-          <p:cNvPr id="173" name="PlaceHolder 5"/>
+          <p:cNvPr id="177" name="PlaceHolder 5"/>
           <p:cNvSpPr>
             <a:spLocks noGrp="1"/>
           </p:cNvSpPr>
@@ -4863,7 +4864,7 @@
       </p:sp>
       <p:sp>
         <p:nvSpPr>
-          <p:cNvPr id="174" name="PlaceHolder 6"/>
+          <p:cNvPr id="178" name="PlaceHolder 6"/>
           <p:cNvSpPr>
             <a:spLocks noGrp="1"/>
           </p:cNvSpPr>
@@ -4893,7 +4894,7 @@
       </p:sp>
       <p:sp>
         <p:nvSpPr>
-          <p:cNvPr id="175" name="PlaceHolder 7"/>
+          <p:cNvPr id="179" name="PlaceHolder 7"/>
           <p:cNvSpPr>
             <a:spLocks noGrp="1"/>
           </p:cNvSpPr>
@@ -4921,6 +4922,28 @@
           </a:p>
         </p:txBody>
       </p:sp>
+    </p:spTree>
+  </p:cSld>
+</p:sldLayout>
+</file>
+
+<file path=ppt/slideLayouts/slideLayout49.xml><?xml version="1.0" encoding="utf-8"?>
+<p:sldLayout xmlns:a="http://schemas.openxmlformats.org/drawingml/2006/main" xmlns:p="http://schemas.openxmlformats.org/presentationml/2006/main" xmlns:r="http://schemas.openxmlformats.org/officeDocument/2006/relationships" xmlns:p14="http://schemas.microsoft.com/office/powerpoint/2010/main" xmlns:p15="http://schemas.microsoft.com/office/powerpoint/2012/main" xmlns:mc="http://schemas.openxmlformats.org/markup-compatibility/2006" type="blank" preserve="1">
+  <p:cSld name="Blank Slide">
+    <p:spTree>
+      <p:nvGrpSpPr>
+        <p:cNvPr id="1" name=""/>
+        <p:cNvGrpSpPr/>
+        <p:nvPr/>
+      </p:nvGrpSpPr>
+      <p:grpSpPr>
+        <a:xfrm>
+          <a:off x="0" y="0"/>
+          <a:ext cx="0" cy="0"/>
+          <a:chOff x="0" y="0"/>
+          <a:chExt cx="0" cy="0"/>
+        </a:xfrm>
+      </p:grpSpPr>
     </p:spTree>
   </p:cSld>
 </p:sldLayout>
@@ -4979,6 +5002,1107 @@
 </p:sldLayout>
 </file>
 
+<file path=ppt/slideLayouts/slideLayout50.xml><?xml version="1.0" encoding="utf-8"?>
+<p:sldLayout xmlns:a="http://schemas.openxmlformats.org/drawingml/2006/main" xmlns:p="http://schemas.openxmlformats.org/presentationml/2006/main" xmlns:r="http://schemas.openxmlformats.org/officeDocument/2006/relationships" xmlns:p14="http://schemas.microsoft.com/office/powerpoint/2010/main" xmlns:p15="http://schemas.microsoft.com/office/powerpoint/2012/main" xmlns:mc="http://schemas.openxmlformats.org/markup-compatibility/2006" type="tx" preserve="1">
+  <p:cSld name="Title Slide">
+    <p:spTree>
+      <p:nvGrpSpPr>
+        <p:cNvPr id="1" name=""/>
+        <p:cNvGrpSpPr/>
+        <p:nvPr/>
+      </p:nvGrpSpPr>
+      <p:grpSpPr>
+        <a:xfrm>
+          <a:off x="0" y="0"/>
+          <a:ext cx="0" cy="0"/>
+          <a:chOff x="0" y="0"/>
+          <a:chExt cx="0" cy="0"/>
+        </a:xfrm>
+      </p:grpSpPr>
+      <p:sp>
+        <p:nvSpPr>
+          <p:cNvPr id="186" name="PlaceHolder 1"/>
+          <p:cNvSpPr>
+            <a:spLocks noGrp="1"/>
+          </p:cNvSpPr>
+          <p:nvPr>
+            <p:ph type="title"/>
+          </p:nvPr>
+        </p:nvSpPr>
+        <p:spPr>
+          <a:xfrm>
+            <a:off x="457200" y="273600"/>
+            <a:ext cx="8229240" cy="1144800"/>
+          </a:xfrm>
+          <a:prstGeom prst="rect">
+            <a:avLst/>
+          </a:prstGeom>
+        </p:spPr>
+        <p:txBody>
+          <a:bodyPr lIns="0" rIns="0" tIns="0" bIns="0" anchor="ctr">
+            <a:noAutofit/>
+          </a:bodyPr>
+          <a:p>
+            <a:pPr algn="ctr"/>
+            <a:endParaRPr b="0" lang="en-US" sz="4400" spc="-1" strike="noStrike">
+              <a:latin typeface="Arial"/>
+            </a:endParaRPr>
+          </a:p>
+        </p:txBody>
+      </p:sp>
+      <p:sp>
+        <p:nvSpPr>
+          <p:cNvPr id="187" name="PlaceHolder 2"/>
+          <p:cNvSpPr>
+            <a:spLocks noGrp="1"/>
+          </p:cNvSpPr>
+          <p:nvPr>
+            <p:ph type="subTitle"/>
+          </p:nvPr>
+        </p:nvSpPr>
+        <p:spPr>
+          <a:xfrm>
+            <a:off x="457200" y="1604520"/>
+            <a:ext cx="8229240" cy="3977280"/>
+          </a:xfrm>
+          <a:prstGeom prst="rect">
+            <a:avLst/>
+          </a:prstGeom>
+        </p:spPr>
+        <p:txBody>
+          <a:bodyPr lIns="0" rIns="0" tIns="0" bIns="0" anchor="ctr">
+            <a:noAutofit/>
+          </a:bodyPr>
+          <a:p>
+            <a:pPr algn="ctr"/>
+            <a:endParaRPr b="0" lang="en-US" sz="3200" spc="-1" strike="noStrike">
+              <a:latin typeface="Arial"/>
+            </a:endParaRPr>
+          </a:p>
+        </p:txBody>
+      </p:sp>
+    </p:spTree>
+  </p:cSld>
+</p:sldLayout>
+</file>
+
+<file path=ppt/slideLayouts/slideLayout51.xml><?xml version="1.0" encoding="utf-8"?>
+<p:sldLayout xmlns:a="http://schemas.openxmlformats.org/drawingml/2006/main" xmlns:p="http://schemas.openxmlformats.org/presentationml/2006/main" xmlns:r="http://schemas.openxmlformats.org/officeDocument/2006/relationships" xmlns:p14="http://schemas.microsoft.com/office/powerpoint/2010/main" xmlns:p15="http://schemas.microsoft.com/office/powerpoint/2012/main" xmlns:mc="http://schemas.openxmlformats.org/markup-compatibility/2006" type="obj" preserve="1">
+  <p:cSld name="Title, Content">
+    <p:spTree>
+      <p:nvGrpSpPr>
+        <p:cNvPr id="1" name=""/>
+        <p:cNvGrpSpPr/>
+        <p:nvPr/>
+      </p:nvGrpSpPr>
+      <p:grpSpPr>
+        <a:xfrm>
+          <a:off x="0" y="0"/>
+          <a:ext cx="0" cy="0"/>
+          <a:chOff x="0" y="0"/>
+          <a:chExt cx="0" cy="0"/>
+        </a:xfrm>
+      </p:grpSpPr>
+      <p:sp>
+        <p:nvSpPr>
+          <p:cNvPr id="188" name="PlaceHolder 1"/>
+          <p:cNvSpPr>
+            <a:spLocks noGrp="1"/>
+          </p:cNvSpPr>
+          <p:nvPr>
+            <p:ph type="title"/>
+          </p:nvPr>
+        </p:nvSpPr>
+        <p:spPr>
+          <a:xfrm>
+            <a:off x="457200" y="273600"/>
+            <a:ext cx="8229240" cy="1144800"/>
+          </a:xfrm>
+          <a:prstGeom prst="rect">
+            <a:avLst/>
+          </a:prstGeom>
+        </p:spPr>
+        <p:txBody>
+          <a:bodyPr lIns="0" rIns="0" tIns="0" bIns="0" anchor="ctr">
+            <a:noAutofit/>
+          </a:bodyPr>
+          <a:p>
+            <a:pPr algn="ctr"/>
+            <a:endParaRPr b="0" lang="en-US" sz="4400" spc="-1" strike="noStrike">
+              <a:latin typeface="Arial"/>
+            </a:endParaRPr>
+          </a:p>
+        </p:txBody>
+      </p:sp>
+      <p:sp>
+        <p:nvSpPr>
+          <p:cNvPr id="189" name="PlaceHolder 2"/>
+          <p:cNvSpPr>
+            <a:spLocks noGrp="1"/>
+          </p:cNvSpPr>
+          <p:nvPr>
+            <p:ph type="body"/>
+          </p:nvPr>
+        </p:nvSpPr>
+        <p:spPr>
+          <a:xfrm>
+            <a:off x="457200" y="1604520"/>
+            <a:ext cx="8229240" cy="3977280"/>
+          </a:xfrm>
+          <a:prstGeom prst="rect">
+            <a:avLst/>
+          </a:prstGeom>
+        </p:spPr>
+        <p:txBody>
+          <a:bodyPr lIns="0" rIns="0" tIns="0" bIns="0">
+            <a:normAutofit/>
+          </a:bodyPr>
+          <a:p>
+            <a:endParaRPr b="0" lang="en-US" sz="3200" spc="-1" strike="noStrike">
+              <a:latin typeface="Arial"/>
+            </a:endParaRPr>
+          </a:p>
+        </p:txBody>
+      </p:sp>
+    </p:spTree>
+  </p:cSld>
+</p:sldLayout>
+</file>
+
+<file path=ppt/slideLayouts/slideLayout52.xml><?xml version="1.0" encoding="utf-8"?>
+<p:sldLayout xmlns:a="http://schemas.openxmlformats.org/drawingml/2006/main" xmlns:p="http://schemas.openxmlformats.org/presentationml/2006/main" xmlns:r="http://schemas.openxmlformats.org/officeDocument/2006/relationships" xmlns:p14="http://schemas.microsoft.com/office/powerpoint/2010/main" xmlns:p15="http://schemas.microsoft.com/office/powerpoint/2012/main" xmlns:mc="http://schemas.openxmlformats.org/markup-compatibility/2006" type="twoObj" preserve="1">
+  <p:cSld name="Title, 2 Content">
+    <p:spTree>
+      <p:nvGrpSpPr>
+        <p:cNvPr id="1" name=""/>
+        <p:cNvGrpSpPr/>
+        <p:nvPr/>
+      </p:nvGrpSpPr>
+      <p:grpSpPr>
+        <a:xfrm>
+          <a:off x="0" y="0"/>
+          <a:ext cx="0" cy="0"/>
+          <a:chOff x="0" y="0"/>
+          <a:chExt cx="0" cy="0"/>
+        </a:xfrm>
+      </p:grpSpPr>
+      <p:sp>
+        <p:nvSpPr>
+          <p:cNvPr id="190" name="PlaceHolder 1"/>
+          <p:cNvSpPr>
+            <a:spLocks noGrp="1"/>
+          </p:cNvSpPr>
+          <p:nvPr>
+            <p:ph type="title"/>
+          </p:nvPr>
+        </p:nvSpPr>
+        <p:spPr>
+          <a:xfrm>
+            <a:off x="457200" y="273600"/>
+            <a:ext cx="8229240" cy="1144800"/>
+          </a:xfrm>
+          <a:prstGeom prst="rect">
+            <a:avLst/>
+          </a:prstGeom>
+        </p:spPr>
+        <p:txBody>
+          <a:bodyPr lIns="0" rIns="0" tIns="0" bIns="0" anchor="ctr">
+            <a:noAutofit/>
+          </a:bodyPr>
+          <a:p>
+            <a:pPr algn="ctr"/>
+            <a:endParaRPr b="0" lang="en-US" sz="4400" spc="-1" strike="noStrike">
+              <a:latin typeface="Arial"/>
+            </a:endParaRPr>
+          </a:p>
+        </p:txBody>
+      </p:sp>
+      <p:sp>
+        <p:nvSpPr>
+          <p:cNvPr id="191" name="PlaceHolder 2"/>
+          <p:cNvSpPr>
+            <a:spLocks noGrp="1"/>
+          </p:cNvSpPr>
+          <p:nvPr>
+            <p:ph type="body"/>
+          </p:nvPr>
+        </p:nvSpPr>
+        <p:spPr>
+          <a:xfrm>
+            <a:off x="457200" y="1604520"/>
+            <a:ext cx="4015800" cy="3977280"/>
+          </a:xfrm>
+          <a:prstGeom prst="rect">
+            <a:avLst/>
+          </a:prstGeom>
+        </p:spPr>
+        <p:txBody>
+          <a:bodyPr lIns="0" rIns="0" tIns="0" bIns="0">
+            <a:normAutofit/>
+          </a:bodyPr>
+          <a:p>
+            <a:endParaRPr b="0" lang="en-US" sz="3200" spc="-1" strike="noStrike">
+              <a:latin typeface="Arial"/>
+            </a:endParaRPr>
+          </a:p>
+        </p:txBody>
+      </p:sp>
+      <p:sp>
+        <p:nvSpPr>
+          <p:cNvPr id="192" name="PlaceHolder 3"/>
+          <p:cNvSpPr>
+            <a:spLocks noGrp="1"/>
+          </p:cNvSpPr>
+          <p:nvPr>
+            <p:ph type="body"/>
+          </p:nvPr>
+        </p:nvSpPr>
+        <p:spPr>
+          <a:xfrm>
+            <a:off x="4674240" y="1604520"/>
+            <a:ext cx="4015800" cy="3977280"/>
+          </a:xfrm>
+          <a:prstGeom prst="rect">
+            <a:avLst/>
+          </a:prstGeom>
+        </p:spPr>
+        <p:txBody>
+          <a:bodyPr lIns="0" rIns="0" tIns="0" bIns="0">
+            <a:normAutofit/>
+          </a:bodyPr>
+          <a:p>
+            <a:endParaRPr b="0" lang="en-US" sz="3200" spc="-1" strike="noStrike">
+              <a:latin typeface="Arial"/>
+            </a:endParaRPr>
+          </a:p>
+        </p:txBody>
+      </p:sp>
+    </p:spTree>
+  </p:cSld>
+</p:sldLayout>
+</file>
+
+<file path=ppt/slideLayouts/slideLayout53.xml><?xml version="1.0" encoding="utf-8"?>
+<p:sldLayout xmlns:a="http://schemas.openxmlformats.org/drawingml/2006/main" xmlns:p="http://schemas.openxmlformats.org/presentationml/2006/main" xmlns:r="http://schemas.openxmlformats.org/officeDocument/2006/relationships" xmlns:p14="http://schemas.microsoft.com/office/powerpoint/2010/main" xmlns:p15="http://schemas.microsoft.com/office/powerpoint/2012/main" xmlns:mc="http://schemas.openxmlformats.org/markup-compatibility/2006" type="titleOnly" preserve="1">
+  <p:cSld name="Title Only">
+    <p:spTree>
+      <p:nvGrpSpPr>
+        <p:cNvPr id="1" name=""/>
+        <p:cNvGrpSpPr/>
+        <p:nvPr/>
+      </p:nvGrpSpPr>
+      <p:grpSpPr>
+        <a:xfrm>
+          <a:off x="0" y="0"/>
+          <a:ext cx="0" cy="0"/>
+          <a:chOff x="0" y="0"/>
+          <a:chExt cx="0" cy="0"/>
+        </a:xfrm>
+      </p:grpSpPr>
+      <p:sp>
+        <p:nvSpPr>
+          <p:cNvPr id="193" name="PlaceHolder 1"/>
+          <p:cNvSpPr>
+            <a:spLocks noGrp="1"/>
+          </p:cNvSpPr>
+          <p:nvPr>
+            <p:ph type="title"/>
+          </p:nvPr>
+        </p:nvSpPr>
+        <p:spPr>
+          <a:xfrm>
+            <a:off x="457200" y="273600"/>
+            <a:ext cx="8229240" cy="1144800"/>
+          </a:xfrm>
+          <a:prstGeom prst="rect">
+            <a:avLst/>
+          </a:prstGeom>
+        </p:spPr>
+        <p:txBody>
+          <a:bodyPr lIns="0" rIns="0" tIns="0" bIns="0" anchor="ctr">
+            <a:noAutofit/>
+          </a:bodyPr>
+          <a:p>
+            <a:pPr algn="ctr"/>
+            <a:endParaRPr b="0" lang="en-US" sz="4400" spc="-1" strike="noStrike">
+              <a:latin typeface="Arial"/>
+            </a:endParaRPr>
+          </a:p>
+        </p:txBody>
+      </p:sp>
+    </p:spTree>
+  </p:cSld>
+</p:sldLayout>
+</file>
+
+<file path=ppt/slideLayouts/slideLayout54.xml><?xml version="1.0" encoding="utf-8"?>
+<p:sldLayout xmlns:a="http://schemas.openxmlformats.org/drawingml/2006/main" xmlns:p="http://schemas.openxmlformats.org/presentationml/2006/main" xmlns:r="http://schemas.openxmlformats.org/officeDocument/2006/relationships" xmlns:p14="http://schemas.microsoft.com/office/powerpoint/2010/main" xmlns:p15="http://schemas.microsoft.com/office/powerpoint/2012/main" xmlns:mc="http://schemas.openxmlformats.org/markup-compatibility/2006" type="objOnly" preserve="1">
+  <p:cSld name="Centered Text">
+    <p:spTree>
+      <p:nvGrpSpPr>
+        <p:cNvPr id="1" name=""/>
+        <p:cNvGrpSpPr/>
+        <p:nvPr/>
+      </p:nvGrpSpPr>
+      <p:grpSpPr>
+        <a:xfrm>
+          <a:off x="0" y="0"/>
+          <a:ext cx="0" cy="0"/>
+          <a:chOff x="0" y="0"/>
+          <a:chExt cx="0" cy="0"/>
+        </a:xfrm>
+      </p:grpSpPr>
+      <p:sp>
+        <p:nvSpPr>
+          <p:cNvPr id="194" name="PlaceHolder 1"/>
+          <p:cNvSpPr>
+            <a:spLocks noGrp="1"/>
+          </p:cNvSpPr>
+          <p:nvPr>
+            <p:ph type="subTitle"/>
+          </p:nvPr>
+        </p:nvSpPr>
+        <p:spPr>
+          <a:xfrm>
+            <a:off x="457200" y="273600"/>
+            <a:ext cx="8229240" cy="5307840"/>
+          </a:xfrm>
+          <a:prstGeom prst="rect">
+            <a:avLst/>
+          </a:prstGeom>
+        </p:spPr>
+        <p:txBody>
+          <a:bodyPr lIns="0" rIns="0" tIns="0" bIns="0" anchor="ctr">
+            <a:noAutofit/>
+          </a:bodyPr>
+          <a:p>
+            <a:pPr algn="ctr"/>
+            <a:endParaRPr b="0" lang="en-US" sz="3200" spc="-1" strike="noStrike">
+              <a:latin typeface="Arial"/>
+            </a:endParaRPr>
+          </a:p>
+        </p:txBody>
+      </p:sp>
+    </p:spTree>
+  </p:cSld>
+</p:sldLayout>
+</file>
+
+<file path=ppt/slideLayouts/slideLayout55.xml><?xml version="1.0" encoding="utf-8"?>
+<p:sldLayout xmlns:a="http://schemas.openxmlformats.org/drawingml/2006/main" xmlns:p="http://schemas.openxmlformats.org/presentationml/2006/main" xmlns:r="http://schemas.openxmlformats.org/officeDocument/2006/relationships" xmlns:p14="http://schemas.microsoft.com/office/powerpoint/2010/main" xmlns:p15="http://schemas.microsoft.com/office/powerpoint/2012/main" xmlns:mc="http://schemas.openxmlformats.org/markup-compatibility/2006" type="twoObjAndObj" preserve="1">
+  <p:cSld name="Title, 2 Content and Content">
+    <p:spTree>
+      <p:nvGrpSpPr>
+        <p:cNvPr id="1" name=""/>
+        <p:cNvGrpSpPr/>
+        <p:nvPr/>
+      </p:nvGrpSpPr>
+      <p:grpSpPr>
+        <a:xfrm>
+          <a:off x="0" y="0"/>
+          <a:ext cx="0" cy="0"/>
+          <a:chOff x="0" y="0"/>
+          <a:chExt cx="0" cy="0"/>
+        </a:xfrm>
+      </p:grpSpPr>
+      <p:sp>
+        <p:nvSpPr>
+          <p:cNvPr id="195" name="PlaceHolder 1"/>
+          <p:cNvSpPr>
+            <a:spLocks noGrp="1"/>
+          </p:cNvSpPr>
+          <p:nvPr>
+            <p:ph type="title"/>
+          </p:nvPr>
+        </p:nvSpPr>
+        <p:spPr>
+          <a:xfrm>
+            <a:off x="457200" y="273600"/>
+            <a:ext cx="8229240" cy="1144800"/>
+          </a:xfrm>
+          <a:prstGeom prst="rect">
+            <a:avLst/>
+          </a:prstGeom>
+        </p:spPr>
+        <p:txBody>
+          <a:bodyPr lIns="0" rIns="0" tIns="0" bIns="0" anchor="ctr">
+            <a:noAutofit/>
+          </a:bodyPr>
+          <a:p>
+            <a:pPr algn="ctr"/>
+            <a:endParaRPr b="0" lang="en-US" sz="4400" spc="-1" strike="noStrike">
+              <a:latin typeface="Arial"/>
+            </a:endParaRPr>
+          </a:p>
+        </p:txBody>
+      </p:sp>
+      <p:sp>
+        <p:nvSpPr>
+          <p:cNvPr id="196" name="PlaceHolder 2"/>
+          <p:cNvSpPr>
+            <a:spLocks noGrp="1"/>
+          </p:cNvSpPr>
+          <p:nvPr>
+            <p:ph type="body"/>
+          </p:nvPr>
+        </p:nvSpPr>
+        <p:spPr>
+          <a:xfrm>
+            <a:off x="457200" y="1604520"/>
+            <a:ext cx="4015800" cy="1896840"/>
+          </a:xfrm>
+          <a:prstGeom prst="rect">
+            <a:avLst/>
+          </a:prstGeom>
+        </p:spPr>
+        <p:txBody>
+          <a:bodyPr lIns="0" rIns="0" tIns="0" bIns="0">
+            <a:normAutofit/>
+          </a:bodyPr>
+          <a:p>
+            <a:endParaRPr b="0" lang="en-US" sz="3200" spc="-1" strike="noStrike">
+              <a:latin typeface="Arial"/>
+            </a:endParaRPr>
+          </a:p>
+        </p:txBody>
+      </p:sp>
+      <p:sp>
+        <p:nvSpPr>
+          <p:cNvPr id="197" name="PlaceHolder 3"/>
+          <p:cNvSpPr>
+            <a:spLocks noGrp="1"/>
+          </p:cNvSpPr>
+          <p:nvPr>
+            <p:ph type="body"/>
+          </p:nvPr>
+        </p:nvSpPr>
+        <p:spPr>
+          <a:xfrm>
+            <a:off x="4674240" y="1604520"/>
+            <a:ext cx="4015800" cy="3977280"/>
+          </a:xfrm>
+          <a:prstGeom prst="rect">
+            <a:avLst/>
+          </a:prstGeom>
+        </p:spPr>
+        <p:txBody>
+          <a:bodyPr lIns="0" rIns="0" tIns="0" bIns="0">
+            <a:normAutofit/>
+          </a:bodyPr>
+          <a:p>
+            <a:endParaRPr b="0" lang="en-US" sz="3200" spc="-1" strike="noStrike">
+              <a:latin typeface="Arial"/>
+            </a:endParaRPr>
+          </a:p>
+        </p:txBody>
+      </p:sp>
+      <p:sp>
+        <p:nvSpPr>
+          <p:cNvPr id="198" name="PlaceHolder 4"/>
+          <p:cNvSpPr>
+            <a:spLocks noGrp="1"/>
+          </p:cNvSpPr>
+          <p:nvPr>
+            <p:ph type="body"/>
+          </p:nvPr>
+        </p:nvSpPr>
+        <p:spPr>
+          <a:xfrm>
+            <a:off x="457200" y="3682080"/>
+            <a:ext cx="4015800" cy="1896840"/>
+          </a:xfrm>
+          <a:prstGeom prst="rect">
+            <a:avLst/>
+          </a:prstGeom>
+        </p:spPr>
+        <p:txBody>
+          <a:bodyPr lIns="0" rIns="0" tIns="0" bIns="0">
+            <a:normAutofit/>
+          </a:bodyPr>
+          <a:p>
+            <a:endParaRPr b="0" lang="en-US" sz="3200" spc="-1" strike="noStrike">
+              <a:latin typeface="Arial"/>
+            </a:endParaRPr>
+          </a:p>
+        </p:txBody>
+      </p:sp>
+    </p:spTree>
+  </p:cSld>
+</p:sldLayout>
+</file>
+
+<file path=ppt/slideLayouts/slideLayout56.xml><?xml version="1.0" encoding="utf-8"?>
+<p:sldLayout xmlns:a="http://schemas.openxmlformats.org/drawingml/2006/main" xmlns:p="http://schemas.openxmlformats.org/presentationml/2006/main" xmlns:r="http://schemas.openxmlformats.org/officeDocument/2006/relationships" xmlns:p14="http://schemas.microsoft.com/office/powerpoint/2010/main" xmlns:p15="http://schemas.microsoft.com/office/powerpoint/2012/main" xmlns:mc="http://schemas.openxmlformats.org/markup-compatibility/2006" type="objAndTwoObj" preserve="1">
+  <p:cSld name="Title Content and 2 Content">
+    <p:spTree>
+      <p:nvGrpSpPr>
+        <p:cNvPr id="1" name=""/>
+        <p:cNvGrpSpPr/>
+        <p:nvPr/>
+      </p:nvGrpSpPr>
+      <p:grpSpPr>
+        <a:xfrm>
+          <a:off x="0" y="0"/>
+          <a:ext cx="0" cy="0"/>
+          <a:chOff x="0" y="0"/>
+          <a:chExt cx="0" cy="0"/>
+        </a:xfrm>
+      </p:grpSpPr>
+      <p:sp>
+        <p:nvSpPr>
+          <p:cNvPr id="199" name="PlaceHolder 1"/>
+          <p:cNvSpPr>
+            <a:spLocks noGrp="1"/>
+          </p:cNvSpPr>
+          <p:nvPr>
+            <p:ph type="title"/>
+          </p:nvPr>
+        </p:nvSpPr>
+        <p:spPr>
+          <a:xfrm>
+            <a:off x="457200" y="273600"/>
+            <a:ext cx="8229240" cy="1144800"/>
+          </a:xfrm>
+          <a:prstGeom prst="rect">
+            <a:avLst/>
+          </a:prstGeom>
+        </p:spPr>
+        <p:txBody>
+          <a:bodyPr lIns="0" rIns="0" tIns="0" bIns="0" anchor="ctr">
+            <a:noAutofit/>
+          </a:bodyPr>
+          <a:p>
+            <a:pPr algn="ctr"/>
+            <a:endParaRPr b="0" lang="en-US" sz="4400" spc="-1" strike="noStrike">
+              <a:latin typeface="Arial"/>
+            </a:endParaRPr>
+          </a:p>
+        </p:txBody>
+      </p:sp>
+      <p:sp>
+        <p:nvSpPr>
+          <p:cNvPr id="200" name="PlaceHolder 2"/>
+          <p:cNvSpPr>
+            <a:spLocks noGrp="1"/>
+          </p:cNvSpPr>
+          <p:nvPr>
+            <p:ph type="body"/>
+          </p:nvPr>
+        </p:nvSpPr>
+        <p:spPr>
+          <a:xfrm>
+            <a:off x="457200" y="1604520"/>
+            <a:ext cx="4015800" cy="3977280"/>
+          </a:xfrm>
+          <a:prstGeom prst="rect">
+            <a:avLst/>
+          </a:prstGeom>
+        </p:spPr>
+        <p:txBody>
+          <a:bodyPr lIns="0" rIns="0" tIns="0" bIns="0">
+            <a:normAutofit/>
+          </a:bodyPr>
+          <a:p>
+            <a:endParaRPr b="0" lang="en-US" sz="3200" spc="-1" strike="noStrike">
+              <a:latin typeface="Arial"/>
+            </a:endParaRPr>
+          </a:p>
+        </p:txBody>
+      </p:sp>
+      <p:sp>
+        <p:nvSpPr>
+          <p:cNvPr id="201" name="PlaceHolder 3"/>
+          <p:cNvSpPr>
+            <a:spLocks noGrp="1"/>
+          </p:cNvSpPr>
+          <p:nvPr>
+            <p:ph type="body"/>
+          </p:nvPr>
+        </p:nvSpPr>
+        <p:spPr>
+          <a:xfrm>
+            <a:off x="4674240" y="1604520"/>
+            <a:ext cx="4015800" cy="1896840"/>
+          </a:xfrm>
+          <a:prstGeom prst="rect">
+            <a:avLst/>
+          </a:prstGeom>
+        </p:spPr>
+        <p:txBody>
+          <a:bodyPr lIns="0" rIns="0" tIns="0" bIns="0">
+            <a:normAutofit/>
+          </a:bodyPr>
+          <a:p>
+            <a:endParaRPr b="0" lang="en-US" sz="3200" spc="-1" strike="noStrike">
+              <a:latin typeface="Arial"/>
+            </a:endParaRPr>
+          </a:p>
+        </p:txBody>
+      </p:sp>
+      <p:sp>
+        <p:nvSpPr>
+          <p:cNvPr id="202" name="PlaceHolder 4"/>
+          <p:cNvSpPr>
+            <a:spLocks noGrp="1"/>
+          </p:cNvSpPr>
+          <p:nvPr>
+            <p:ph type="body"/>
+          </p:nvPr>
+        </p:nvSpPr>
+        <p:spPr>
+          <a:xfrm>
+            <a:off x="4674240" y="3682080"/>
+            <a:ext cx="4015800" cy="1896840"/>
+          </a:xfrm>
+          <a:prstGeom prst="rect">
+            <a:avLst/>
+          </a:prstGeom>
+        </p:spPr>
+        <p:txBody>
+          <a:bodyPr lIns="0" rIns="0" tIns="0" bIns="0">
+            <a:normAutofit/>
+          </a:bodyPr>
+          <a:p>
+            <a:endParaRPr b="0" lang="en-US" sz="3200" spc="-1" strike="noStrike">
+              <a:latin typeface="Arial"/>
+            </a:endParaRPr>
+          </a:p>
+        </p:txBody>
+      </p:sp>
+    </p:spTree>
+  </p:cSld>
+</p:sldLayout>
+</file>
+
+<file path=ppt/slideLayouts/slideLayout57.xml><?xml version="1.0" encoding="utf-8"?>
+<p:sldLayout xmlns:a="http://schemas.openxmlformats.org/drawingml/2006/main" xmlns:p="http://schemas.openxmlformats.org/presentationml/2006/main" xmlns:r="http://schemas.openxmlformats.org/officeDocument/2006/relationships" xmlns:p14="http://schemas.microsoft.com/office/powerpoint/2010/main" xmlns:p15="http://schemas.microsoft.com/office/powerpoint/2012/main" xmlns:mc="http://schemas.openxmlformats.org/markup-compatibility/2006" type="twoObjOverTx" preserve="1">
+  <p:cSld name="Title, 2 Content over Content">
+    <p:spTree>
+      <p:nvGrpSpPr>
+        <p:cNvPr id="1" name=""/>
+        <p:cNvGrpSpPr/>
+        <p:nvPr/>
+      </p:nvGrpSpPr>
+      <p:grpSpPr>
+        <a:xfrm>
+          <a:off x="0" y="0"/>
+          <a:ext cx="0" cy="0"/>
+          <a:chOff x="0" y="0"/>
+          <a:chExt cx="0" cy="0"/>
+        </a:xfrm>
+      </p:grpSpPr>
+      <p:sp>
+        <p:nvSpPr>
+          <p:cNvPr id="203" name="PlaceHolder 1"/>
+          <p:cNvSpPr>
+            <a:spLocks noGrp="1"/>
+          </p:cNvSpPr>
+          <p:nvPr>
+            <p:ph type="title"/>
+          </p:nvPr>
+        </p:nvSpPr>
+        <p:spPr>
+          <a:xfrm>
+            <a:off x="457200" y="273600"/>
+            <a:ext cx="8229240" cy="1144800"/>
+          </a:xfrm>
+          <a:prstGeom prst="rect">
+            <a:avLst/>
+          </a:prstGeom>
+        </p:spPr>
+        <p:txBody>
+          <a:bodyPr lIns="0" rIns="0" tIns="0" bIns="0" anchor="ctr">
+            <a:noAutofit/>
+          </a:bodyPr>
+          <a:p>
+            <a:pPr algn="ctr"/>
+            <a:endParaRPr b="0" lang="en-US" sz="4400" spc="-1" strike="noStrike">
+              <a:latin typeface="Arial"/>
+            </a:endParaRPr>
+          </a:p>
+        </p:txBody>
+      </p:sp>
+      <p:sp>
+        <p:nvSpPr>
+          <p:cNvPr id="204" name="PlaceHolder 2"/>
+          <p:cNvSpPr>
+            <a:spLocks noGrp="1"/>
+          </p:cNvSpPr>
+          <p:nvPr>
+            <p:ph type="body"/>
+          </p:nvPr>
+        </p:nvSpPr>
+        <p:spPr>
+          <a:xfrm>
+            <a:off x="457200" y="1604520"/>
+            <a:ext cx="4015800" cy="1896840"/>
+          </a:xfrm>
+          <a:prstGeom prst="rect">
+            <a:avLst/>
+          </a:prstGeom>
+        </p:spPr>
+        <p:txBody>
+          <a:bodyPr lIns="0" rIns="0" tIns="0" bIns="0">
+            <a:normAutofit/>
+          </a:bodyPr>
+          <a:p>
+            <a:endParaRPr b="0" lang="en-US" sz="3200" spc="-1" strike="noStrike">
+              <a:latin typeface="Arial"/>
+            </a:endParaRPr>
+          </a:p>
+        </p:txBody>
+      </p:sp>
+      <p:sp>
+        <p:nvSpPr>
+          <p:cNvPr id="205" name="PlaceHolder 3"/>
+          <p:cNvSpPr>
+            <a:spLocks noGrp="1"/>
+          </p:cNvSpPr>
+          <p:nvPr>
+            <p:ph type="body"/>
+          </p:nvPr>
+        </p:nvSpPr>
+        <p:spPr>
+          <a:xfrm>
+            <a:off x="4674240" y="1604520"/>
+            <a:ext cx="4015800" cy="1896840"/>
+          </a:xfrm>
+          <a:prstGeom prst="rect">
+            <a:avLst/>
+          </a:prstGeom>
+        </p:spPr>
+        <p:txBody>
+          <a:bodyPr lIns="0" rIns="0" tIns="0" bIns="0">
+            <a:normAutofit/>
+          </a:bodyPr>
+          <a:p>
+            <a:endParaRPr b="0" lang="en-US" sz="3200" spc="-1" strike="noStrike">
+              <a:latin typeface="Arial"/>
+            </a:endParaRPr>
+          </a:p>
+        </p:txBody>
+      </p:sp>
+      <p:sp>
+        <p:nvSpPr>
+          <p:cNvPr id="206" name="PlaceHolder 4"/>
+          <p:cNvSpPr>
+            <a:spLocks noGrp="1"/>
+          </p:cNvSpPr>
+          <p:nvPr>
+            <p:ph type="body"/>
+          </p:nvPr>
+        </p:nvSpPr>
+        <p:spPr>
+          <a:xfrm>
+            <a:off x="457200" y="3682080"/>
+            <a:ext cx="8229240" cy="1896840"/>
+          </a:xfrm>
+          <a:prstGeom prst="rect">
+            <a:avLst/>
+          </a:prstGeom>
+        </p:spPr>
+        <p:txBody>
+          <a:bodyPr lIns="0" rIns="0" tIns="0" bIns="0">
+            <a:normAutofit/>
+          </a:bodyPr>
+          <a:p>
+            <a:endParaRPr b="0" lang="en-US" sz="3200" spc="-1" strike="noStrike">
+              <a:latin typeface="Arial"/>
+            </a:endParaRPr>
+          </a:p>
+        </p:txBody>
+      </p:sp>
+    </p:spTree>
+  </p:cSld>
+</p:sldLayout>
+</file>
+
+<file path=ppt/slideLayouts/slideLayout58.xml><?xml version="1.0" encoding="utf-8"?>
+<p:sldLayout xmlns:a="http://schemas.openxmlformats.org/drawingml/2006/main" xmlns:p="http://schemas.openxmlformats.org/presentationml/2006/main" xmlns:r="http://schemas.openxmlformats.org/officeDocument/2006/relationships" xmlns:p14="http://schemas.microsoft.com/office/powerpoint/2010/main" xmlns:p15="http://schemas.microsoft.com/office/powerpoint/2012/main" xmlns:mc="http://schemas.openxmlformats.org/markup-compatibility/2006" type="objOverTx" preserve="1">
+  <p:cSld name="Title, Content over Content">
+    <p:spTree>
+      <p:nvGrpSpPr>
+        <p:cNvPr id="1" name=""/>
+        <p:cNvGrpSpPr/>
+        <p:nvPr/>
+      </p:nvGrpSpPr>
+      <p:grpSpPr>
+        <a:xfrm>
+          <a:off x="0" y="0"/>
+          <a:ext cx="0" cy="0"/>
+          <a:chOff x="0" y="0"/>
+          <a:chExt cx="0" cy="0"/>
+        </a:xfrm>
+      </p:grpSpPr>
+      <p:sp>
+        <p:nvSpPr>
+          <p:cNvPr id="207" name="PlaceHolder 1"/>
+          <p:cNvSpPr>
+            <a:spLocks noGrp="1"/>
+          </p:cNvSpPr>
+          <p:nvPr>
+            <p:ph type="title"/>
+          </p:nvPr>
+        </p:nvSpPr>
+        <p:spPr>
+          <a:xfrm>
+            <a:off x="457200" y="273600"/>
+            <a:ext cx="8229240" cy="1144800"/>
+          </a:xfrm>
+          <a:prstGeom prst="rect">
+            <a:avLst/>
+          </a:prstGeom>
+        </p:spPr>
+        <p:txBody>
+          <a:bodyPr lIns="0" rIns="0" tIns="0" bIns="0" anchor="ctr">
+            <a:noAutofit/>
+          </a:bodyPr>
+          <a:p>
+            <a:pPr algn="ctr"/>
+            <a:endParaRPr b="0" lang="en-US" sz="4400" spc="-1" strike="noStrike">
+              <a:latin typeface="Arial"/>
+            </a:endParaRPr>
+          </a:p>
+        </p:txBody>
+      </p:sp>
+      <p:sp>
+        <p:nvSpPr>
+          <p:cNvPr id="208" name="PlaceHolder 2"/>
+          <p:cNvSpPr>
+            <a:spLocks noGrp="1"/>
+          </p:cNvSpPr>
+          <p:nvPr>
+            <p:ph type="body"/>
+          </p:nvPr>
+        </p:nvSpPr>
+        <p:spPr>
+          <a:xfrm>
+            <a:off x="457200" y="1604520"/>
+            <a:ext cx="8229240" cy="1896840"/>
+          </a:xfrm>
+          <a:prstGeom prst="rect">
+            <a:avLst/>
+          </a:prstGeom>
+        </p:spPr>
+        <p:txBody>
+          <a:bodyPr lIns="0" rIns="0" tIns="0" bIns="0">
+            <a:normAutofit/>
+          </a:bodyPr>
+          <a:p>
+            <a:endParaRPr b="0" lang="en-US" sz="3200" spc="-1" strike="noStrike">
+              <a:latin typeface="Arial"/>
+            </a:endParaRPr>
+          </a:p>
+        </p:txBody>
+      </p:sp>
+      <p:sp>
+        <p:nvSpPr>
+          <p:cNvPr id="209" name="PlaceHolder 3"/>
+          <p:cNvSpPr>
+            <a:spLocks noGrp="1"/>
+          </p:cNvSpPr>
+          <p:nvPr>
+            <p:ph type="body"/>
+          </p:nvPr>
+        </p:nvSpPr>
+        <p:spPr>
+          <a:xfrm>
+            <a:off x="457200" y="3682080"/>
+            <a:ext cx="8229240" cy="1896840"/>
+          </a:xfrm>
+          <a:prstGeom prst="rect">
+            <a:avLst/>
+          </a:prstGeom>
+        </p:spPr>
+        <p:txBody>
+          <a:bodyPr lIns="0" rIns="0" tIns="0" bIns="0">
+            <a:normAutofit/>
+          </a:bodyPr>
+          <a:p>
+            <a:endParaRPr b="0" lang="en-US" sz="3200" spc="-1" strike="noStrike">
+              <a:latin typeface="Arial"/>
+            </a:endParaRPr>
+          </a:p>
+        </p:txBody>
+      </p:sp>
+    </p:spTree>
+  </p:cSld>
+</p:sldLayout>
+</file>
+
+<file path=ppt/slideLayouts/slideLayout59.xml><?xml version="1.0" encoding="utf-8"?>
+<p:sldLayout xmlns:a="http://schemas.openxmlformats.org/drawingml/2006/main" xmlns:p="http://schemas.openxmlformats.org/presentationml/2006/main" xmlns:r="http://schemas.openxmlformats.org/officeDocument/2006/relationships" xmlns:p14="http://schemas.microsoft.com/office/powerpoint/2010/main" xmlns:p15="http://schemas.microsoft.com/office/powerpoint/2012/main" xmlns:mc="http://schemas.openxmlformats.org/markup-compatibility/2006" type="fourObj" preserve="1">
+  <p:cSld name="Title, 4 Content">
+    <p:spTree>
+      <p:nvGrpSpPr>
+        <p:cNvPr id="1" name=""/>
+        <p:cNvGrpSpPr/>
+        <p:nvPr/>
+      </p:nvGrpSpPr>
+      <p:grpSpPr>
+        <a:xfrm>
+          <a:off x="0" y="0"/>
+          <a:ext cx="0" cy="0"/>
+          <a:chOff x="0" y="0"/>
+          <a:chExt cx="0" cy="0"/>
+        </a:xfrm>
+      </p:grpSpPr>
+      <p:sp>
+        <p:nvSpPr>
+          <p:cNvPr id="210" name="PlaceHolder 1"/>
+          <p:cNvSpPr>
+            <a:spLocks noGrp="1"/>
+          </p:cNvSpPr>
+          <p:nvPr>
+            <p:ph type="title"/>
+          </p:nvPr>
+        </p:nvSpPr>
+        <p:spPr>
+          <a:xfrm>
+            <a:off x="457200" y="273600"/>
+            <a:ext cx="8229240" cy="1144800"/>
+          </a:xfrm>
+          <a:prstGeom prst="rect">
+            <a:avLst/>
+          </a:prstGeom>
+        </p:spPr>
+        <p:txBody>
+          <a:bodyPr lIns="0" rIns="0" tIns="0" bIns="0" anchor="ctr">
+            <a:noAutofit/>
+          </a:bodyPr>
+          <a:p>
+            <a:pPr algn="ctr"/>
+            <a:endParaRPr b="0" lang="en-US" sz="4400" spc="-1" strike="noStrike">
+              <a:latin typeface="Arial"/>
+            </a:endParaRPr>
+          </a:p>
+        </p:txBody>
+      </p:sp>
+      <p:sp>
+        <p:nvSpPr>
+          <p:cNvPr id="211" name="PlaceHolder 2"/>
+          <p:cNvSpPr>
+            <a:spLocks noGrp="1"/>
+          </p:cNvSpPr>
+          <p:nvPr>
+            <p:ph type="body"/>
+          </p:nvPr>
+        </p:nvSpPr>
+        <p:spPr>
+          <a:xfrm>
+            <a:off x="457200" y="1604520"/>
+            <a:ext cx="4015800" cy="1896840"/>
+          </a:xfrm>
+          <a:prstGeom prst="rect">
+            <a:avLst/>
+          </a:prstGeom>
+        </p:spPr>
+        <p:txBody>
+          <a:bodyPr lIns="0" rIns="0" tIns="0" bIns="0">
+            <a:normAutofit/>
+          </a:bodyPr>
+          <a:p>
+            <a:endParaRPr b="0" lang="en-US" sz="3200" spc="-1" strike="noStrike">
+              <a:latin typeface="Arial"/>
+            </a:endParaRPr>
+          </a:p>
+        </p:txBody>
+      </p:sp>
+      <p:sp>
+        <p:nvSpPr>
+          <p:cNvPr id="212" name="PlaceHolder 3"/>
+          <p:cNvSpPr>
+            <a:spLocks noGrp="1"/>
+          </p:cNvSpPr>
+          <p:nvPr>
+            <p:ph type="body"/>
+          </p:nvPr>
+        </p:nvSpPr>
+        <p:spPr>
+          <a:xfrm>
+            <a:off x="4674240" y="1604520"/>
+            <a:ext cx="4015800" cy="1896840"/>
+          </a:xfrm>
+          <a:prstGeom prst="rect">
+            <a:avLst/>
+          </a:prstGeom>
+        </p:spPr>
+        <p:txBody>
+          <a:bodyPr lIns="0" rIns="0" tIns="0" bIns="0">
+            <a:normAutofit/>
+          </a:bodyPr>
+          <a:p>
+            <a:endParaRPr b="0" lang="en-US" sz="3200" spc="-1" strike="noStrike">
+              <a:latin typeface="Arial"/>
+            </a:endParaRPr>
+          </a:p>
+        </p:txBody>
+      </p:sp>
+      <p:sp>
+        <p:nvSpPr>
+          <p:cNvPr id="213" name="PlaceHolder 4"/>
+          <p:cNvSpPr>
+            <a:spLocks noGrp="1"/>
+          </p:cNvSpPr>
+          <p:nvPr>
+            <p:ph type="body"/>
+          </p:nvPr>
+        </p:nvSpPr>
+        <p:spPr>
+          <a:xfrm>
+            <a:off x="457200" y="3682080"/>
+            <a:ext cx="4015800" cy="1896840"/>
+          </a:xfrm>
+          <a:prstGeom prst="rect">
+            <a:avLst/>
+          </a:prstGeom>
+        </p:spPr>
+        <p:txBody>
+          <a:bodyPr lIns="0" rIns="0" tIns="0" bIns="0">
+            <a:normAutofit/>
+          </a:bodyPr>
+          <a:p>
+            <a:endParaRPr b="0" lang="en-US" sz="3200" spc="-1" strike="noStrike">
+              <a:latin typeface="Arial"/>
+            </a:endParaRPr>
+          </a:p>
+        </p:txBody>
+      </p:sp>
+      <p:sp>
+        <p:nvSpPr>
+          <p:cNvPr id="214" name="PlaceHolder 5"/>
+          <p:cNvSpPr>
+            <a:spLocks noGrp="1"/>
+          </p:cNvSpPr>
+          <p:nvPr>
+            <p:ph type="body"/>
+          </p:nvPr>
+        </p:nvSpPr>
+        <p:spPr>
+          <a:xfrm>
+            <a:off x="4674240" y="3682080"/>
+            <a:ext cx="4015800" cy="1896840"/>
+          </a:xfrm>
+          <a:prstGeom prst="rect">
+            <a:avLst/>
+          </a:prstGeom>
+        </p:spPr>
+        <p:txBody>
+          <a:bodyPr lIns="0" rIns="0" tIns="0" bIns="0">
+            <a:normAutofit/>
+          </a:bodyPr>
+          <a:p>
+            <a:endParaRPr b="0" lang="en-US" sz="3200" spc="-1" strike="noStrike">
+              <a:latin typeface="Arial"/>
+            </a:endParaRPr>
+          </a:p>
+        </p:txBody>
+      </p:sp>
+    </p:spTree>
+  </p:cSld>
+</p:sldLayout>
+</file>
+
 <file path=ppt/slideLayouts/slideLayout6.xml><?xml version="1.0" encoding="utf-8"?>
 <p:sldLayout xmlns:a="http://schemas.openxmlformats.org/drawingml/2006/main" xmlns:p="http://schemas.openxmlformats.org/presentationml/2006/main" xmlns:r="http://schemas.openxmlformats.org/officeDocument/2006/relationships" xmlns:p14="http://schemas.microsoft.com/office/powerpoint/2010/main" xmlns:p15="http://schemas.microsoft.com/office/powerpoint/2012/main" xmlns:mc="http://schemas.openxmlformats.org/markup-compatibility/2006" type="objOnly" preserve="1">
   <p:cSld name="Centered Text">
@@ -5021,6 +6145,239 @@
           </a:bodyPr>
           <a:p>
             <a:pPr algn="ctr"/>
+            <a:endParaRPr b="0" lang="en-US" sz="3200" spc="-1" strike="noStrike">
+              <a:latin typeface="Arial"/>
+            </a:endParaRPr>
+          </a:p>
+        </p:txBody>
+      </p:sp>
+    </p:spTree>
+  </p:cSld>
+</p:sldLayout>
+</file>
+
+<file path=ppt/slideLayouts/slideLayout60.xml><?xml version="1.0" encoding="utf-8"?>
+<p:sldLayout xmlns:a="http://schemas.openxmlformats.org/drawingml/2006/main" xmlns:p="http://schemas.openxmlformats.org/presentationml/2006/main" xmlns:r="http://schemas.openxmlformats.org/officeDocument/2006/relationships" xmlns:p14="http://schemas.microsoft.com/office/powerpoint/2010/main" xmlns:p15="http://schemas.microsoft.com/office/powerpoint/2012/main" xmlns:mc="http://schemas.openxmlformats.org/markup-compatibility/2006" type="blank" preserve="1">
+  <p:cSld name="Title, 6 Content">
+    <p:spTree>
+      <p:nvGrpSpPr>
+        <p:cNvPr id="1" name=""/>
+        <p:cNvGrpSpPr/>
+        <p:nvPr/>
+      </p:nvGrpSpPr>
+      <p:grpSpPr>
+        <a:xfrm>
+          <a:off x="0" y="0"/>
+          <a:ext cx="0" cy="0"/>
+          <a:chOff x="0" y="0"/>
+          <a:chExt cx="0" cy="0"/>
+        </a:xfrm>
+      </p:grpSpPr>
+      <p:sp>
+        <p:nvSpPr>
+          <p:cNvPr id="215" name="PlaceHolder 1"/>
+          <p:cNvSpPr>
+            <a:spLocks noGrp="1"/>
+          </p:cNvSpPr>
+          <p:nvPr>
+            <p:ph type="title"/>
+          </p:nvPr>
+        </p:nvSpPr>
+        <p:spPr>
+          <a:xfrm>
+            <a:off x="457200" y="273600"/>
+            <a:ext cx="8229240" cy="1144800"/>
+          </a:xfrm>
+          <a:prstGeom prst="rect">
+            <a:avLst/>
+          </a:prstGeom>
+        </p:spPr>
+        <p:txBody>
+          <a:bodyPr lIns="0" rIns="0" tIns="0" bIns="0" anchor="ctr">
+            <a:noAutofit/>
+          </a:bodyPr>
+          <a:p>
+            <a:pPr algn="ctr"/>
+            <a:endParaRPr b="0" lang="en-US" sz="4400" spc="-1" strike="noStrike">
+              <a:latin typeface="Arial"/>
+            </a:endParaRPr>
+          </a:p>
+        </p:txBody>
+      </p:sp>
+      <p:sp>
+        <p:nvSpPr>
+          <p:cNvPr id="216" name="PlaceHolder 2"/>
+          <p:cNvSpPr>
+            <a:spLocks noGrp="1"/>
+          </p:cNvSpPr>
+          <p:nvPr>
+            <p:ph type="body"/>
+          </p:nvPr>
+        </p:nvSpPr>
+        <p:spPr>
+          <a:xfrm>
+            <a:off x="457200" y="1604520"/>
+            <a:ext cx="2649600" cy="1896840"/>
+          </a:xfrm>
+          <a:prstGeom prst="rect">
+            <a:avLst/>
+          </a:prstGeom>
+        </p:spPr>
+        <p:txBody>
+          <a:bodyPr lIns="0" rIns="0" tIns="0" bIns="0">
+            <a:normAutofit/>
+          </a:bodyPr>
+          <a:p>
+            <a:endParaRPr b="0" lang="en-US" sz="3200" spc="-1" strike="noStrike">
+              <a:latin typeface="Arial"/>
+            </a:endParaRPr>
+          </a:p>
+        </p:txBody>
+      </p:sp>
+      <p:sp>
+        <p:nvSpPr>
+          <p:cNvPr id="217" name="PlaceHolder 3"/>
+          <p:cNvSpPr>
+            <a:spLocks noGrp="1"/>
+          </p:cNvSpPr>
+          <p:nvPr>
+            <p:ph type="body"/>
+          </p:nvPr>
+        </p:nvSpPr>
+        <p:spPr>
+          <a:xfrm>
+            <a:off x="3239640" y="1604520"/>
+            <a:ext cx="2649600" cy="1896840"/>
+          </a:xfrm>
+          <a:prstGeom prst="rect">
+            <a:avLst/>
+          </a:prstGeom>
+        </p:spPr>
+        <p:txBody>
+          <a:bodyPr lIns="0" rIns="0" tIns="0" bIns="0">
+            <a:normAutofit/>
+          </a:bodyPr>
+          <a:p>
+            <a:endParaRPr b="0" lang="en-US" sz="3200" spc="-1" strike="noStrike">
+              <a:latin typeface="Arial"/>
+            </a:endParaRPr>
+          </a:p>
+        </p:txBody>
+      </p:sp>
+      <p:sp>
+        <p:nvSpPr>
+          <p:cNvPr id="218" name="PlaceHolder 4"/>
+          <p:cNvSpPr>
+            <a:spLocks noGrp="1"/>
+          </p:cNvSpPr>
+          <p:nvPr>
+            <p:ph type="body"/>
+          </p:nvPr>
+        </p:nvSpPr>
+        <p:spPr>
+          <a:xfrm>
+            <a:off x="6022080" y="1604520"/>
+            <a:ext cx="2649600" cy="1896840"/>
+          </a:xfrm>
+          <a:prstGeom prst="rect">
+            <a:avLst/>
+          </a:prstGeom>
+        </p:spPr>
+        <p:txBody>
+          <a:bodyPr lIns="0" rIns="0" tIns="0" bIns="0">
+            <a:normAutofit/>
+          </a:bodyPr>
+          <a:p>
+            <a:endParaRPr b="0" lang="en-US" sz="3200" spc="-1" strike="noStrike">
+              <a:latin typeface="Arial"/>
+            </a:endParaRPr>
+          </a:p>
+        </p:txBody>
+      </p:sp>
+      <p:sp>
+        <p:nvSpPr>
+          <p:cNvPr id="219" name="PlaceHolder 5"/>
+          <p:cNvSpPr>
+            <a:spLocks noGrp="1"/>
+          </p:cNvSpPr>
+          <p:nvPr>
+            <p:ph type="body"/>
+          </p:nvPr>
+        </p:nvSpPr>
+        <p:spPr>
+          <a:xfrm>
+            <a:off x="457200" y="3682080"/>
+            <a:ext cx="2649600" cy="1896840"/>
+          </a:xfrm>
+          <a:prstGeom prst="rect">
+            <a:avLst/>
+          </a:prstGeom>
+        </p:spPr>
+        <p:txBody>
+          <a:bodyPr lIns="0" rIns="0" tIns="0" bIns="0">
+            <a:normAutofit/>
+          </a:bodyPr>
+          <a:p>
+            <a:endParaRPr b="0" lang="en-US" sz="3200" spc="-1" strike="noStrike">
+              <a:latin typeface="Arial"/>
+            </a:endParaRPr>
+          </a:p>
+        </p:txBody>
+      </p:sp>
+      <p:sp>
+        <p:nvSpPr>
+          <p:cNvPr id="220" name="PlaceHolder 6"/>
+          <p:cNvSpPr>
+            <a:spLocks noGrp="1"/>
+          </p:cNvSpPr>
+          <p:nvPr>
+            <p:ph type="body"/>
+          </p:nvPr>
+        </p:nvSpPr>
+        <p:spPr>
+          <a:xfrm>
+            <a:off x="3239640" y="3682080"/>
+            <a:ext cx="2649600" cy="1896840"/>
+          </a:xfrm>
+          <a:prstGeom prst="rect">
+            <a:avLst/>
+          </a:prstGeom>
+        </p:spPr>
+        <p:txBody>
+          <a:bodyPr lIns="0" rIns="0" tIns="0" bIns="0">
+            <a:normAutofit/>
+          </a:bodyPr>
+          <a:p>
+            <a:endParaRPr b="0" lang="en-US" sz="3200" spc="-1" strike="noStrike">
+              <a:latin typeface="Arial"/>
+            </a:endParaRPr>
+          </a:p>
+        </p:txBody>
+      </p:sp>
+      <p:sp>
+        <p:nvSpPr>
+          <p:cNvPr id="221" name="PlaceHolder 7"/>
+          <p:cNvSpPr>
+            <a:spLocks noGrp="1"/>
+          </p:cNvSpPr>
+          <p:nvPr>
+            <p:ph type="body"/>
+          </p:nvPr>
+        </p:nvSpPr>
+        <p:spPr>
+          <a:xfrm>
+            <a:off x="6022080" y="3682080"/>
+            <a:ext cx="2649600" cy="1896840"/>
+          </a:xfrm>
+          <a:prstGeom prst="rect">
+            <a:avLst/>
+          </a:prstGeom>
+        </p:spPr>
+        <p:txBody>
+          <a:bodyPr lIns="0" rIns="0" tIns="0" bIns="0">
+            <a:normAutofit/>
+          </a:bodyPr>
+          <a:p>
             <a:endParaRPr b="0" lang="en-US" sz="3200" spc="-1" strike="noStrike">
               <a:latin typeface="Arial"/>
             </a:endParaRPr>
@@ -5494,7 +6851,7 @@
         <p:spPr>
           <a:xfrm>
             <a:off x="-3414960" y="2793960"/>
-            <a:ext cx="183600" cy="368280"/>
+            <a:ext cx="183240" cy="367920"/>
           </a:xfrm>
           <a:prstGeom prst="rect">
             <a:avLst/>
@@ -5520,7 +6877,7 @@
         <p:spPr>
           <a:xfrm>
             <a:off x="11373480" y="6886080"/>
-            <a:ext cx="183600" cy="368280"/>
+            <a:ext cx="183240" cy="367920"/>
           </a:xfrm>
           <a:prstGeom prst="rect">
             <a:avLst/>
@@ -5546,7 +6903,7 @@
         <p:spPr>
           <a:xfrm>
             <a:off x="8204040" y="6455160"/>
-            <a:ext cx="481680" cy="363960"/>
+            <a:ext cx="481320" cy="363600"/>
           </a:xfrm>
           <a:prstGeom prst="rect">
             <a:avLst/>
@@ -5572,7 +6929,7 @@
                 <a:spcPct val="100000"/>
               </a:lnSpc>
             </a:pPr>
-            <a:fld id="{CA33858F-B3B1-416C-B100-CB78571F3CDD}" type="slidenum">
+            <a:fld id="{09A58C98-868C-4B23-AE7B-99C64496244C}" type="slidenum">
               <a:rPr b="0" lang="en-US" sz="1200" spc="-1" strike="noStrike">
                 <a:solidFill>
                   <a:srgbClr val="a6a6a6"/>
@@ -5601,7 +6958,7 @@
         <p:spPr>
           <a:xfrm>
             <a:off x="0" y="0"/>
-            <a:ext cx="9142920" cy="6856920"/>
+            <a:ext cx="9142560" cy="6856560"/>
           </a:xfrm>
           <a:prstGeom prst="rect">
             <a:avLst/>
@@ -5640,13 +6997,13 @@
               <a:rPr b="0" lang="en-US" sz="4400" spc="-1" strike="noStrike">
                 <a:latin typeface="Arial"/>
               </a:rPr>
-              <a:t>Click </a:t>
+              <a:t>Clic</a:t>
             </a:r>
             <a:r>
               <a:rPr b="0" lang="en-US" sz="4400" spc="-1" strike="noStrike">
                 <a:latin typeface="Arial"/>
               </a:rPr>
-              <a:t>to </a:t>
+              <a:t>k to </a:t>
             </a:r>
             <a:r>
               <a:rPr b="0" lang="en-US" sz="4400" spc="-1" strike="noStrike">
@@ -5676,13 +7033,13 @@
               <a:rPr b="0" lang="en-US" sz="4400" spc="-1" strike="noStrike">
                 <a:latin typeface="Arial"/>
               </a:rPr>
-              <a:t>forma</a:t>
+              <a:t>form</a:t>
             </a:r>
             <a:r>
               <a:rPr b="0" lang="en-US" sz="4400" spc="-1" strike="noStrike">
                 <a:latin typeface="Arial"/>
               </a:rPr>
-              <a:t>t</a:t>
+              <a:t>at</a:t>
             </a:r>
             <a:endParaRPr b="0" lang="en-US" sz="4400" spc="-1" strike="noStrike">
               <a:latin typeface="Arial"/>
@@ -5922,7 +7279,7 @@
         <p:spPr>
           <a:xfrm>
             <a:off x="-3414960" y="2793960"/>
-            <a:ext cx="183600" cy="368280"/>
+            <a:ext cx="183240" cy="367920"/>
           </a:xfrm>
           <a:prstGeom prst="rect">
             <a:avLst/>
@@ -5948,7 +7305,7 @@
         <p:spPr>
           <a:xfrm>
             <a:off x="11373480" y="6886080"/>
-            <a:ext cx="183600" cy="368280"/>
+            <a:ext cx="183240" cy="367920"/>
           </a:xfrm>
           <a:prstGeom prst="rect">
             <a:avLst/>
@@ -5974,7 +7331,7 @@
         <p:spPr>
           <a:xfrm>
             <a:off x="8204040" y="6455160"/>
-            <a:ext cx="481680" cy="363960"/>
+            <a:ext cx="481320" cy="363600"/>
           </a:xfrm>
           <a:prstGeom prst="rect">
             <a:avLst/>
@@ -6000,7 +7357,7 @@
                 <a:spcPct val="100000"/>
               </a:lnSpc>
             </a:pPr>
-            <a:fld id="{C6C44558-0C4C-4D27-9A20-4AC79DA74626}" type="slidenum">
+            <a:fld id="{FBE74C41-F20E-452A-A411-0C428928D914}" type="slidenum">
               <a:rPr b="0" lang="en-US" sz="1200" spc="-1" strike="noStrike">
                 <a:solidFill>
                   <a:srgbClr val="a6a6a6"/>
@@ -6029,7 +7386,7 @@
         <p:spPr>
           <a:xfrm>
             <a:off x="0" y="0"/>
-            <a:ext cx="9142920" cy="6856920"/>
+            <a:ext cx="9142560" cy="6856560"/>
           </a:xfrm>
           <a:prstGeom prst="rect">
             <a:avLst/>
@@ -6048,7 +7405,7 @@
         <p:spPr>
           <a:xfrm>
             <a:off x="9967320" y="1611720"/>
-            <a:ext cx="183600" cy="368280"/>
+            <a:ext cx="183240" cy="367920"/>
           </a:xfrm>
           <a:prstGeom prst="rect">
             <a:avLst/>
@@ -6074,7 +7431,7 @@
         <p:spPr>
           <a:xfrm>
             <a:off x="9967320" y="1611720"/>
-            <a:ext cx="183600" cy="368280"/>
+            <a:ext cx="183240" cy="367920"/>
           </a:xfrm>
           <a:prstGeom prst="rect">
             <a:avLst/>
@@ -6100,7 +7457,7 @@
         <p:spPr>
           <a:xfrm>
             <a:off x="9967320" y="1611720"/>
-            <a:ext cx="183600" cy="368280"/>
+            <a:ext cx="183240" cy="367920"/>
           </a:xfrm>
           <a:prstGeom prst="rect">
             <a:avLst/>
@@ -6126,7 +7483,7 @@
         <p:spPr>
           <a:xfrm>
             <a:off x="8204040" y="6455160"/>
-            <a:ext cx="481680" cy="363960"/>
+            <a:ext cx="481320" cy="363600"/>
           </a:xfrm>
           <a:prstGeom prst="rect">
             <a:avLst/>
@@ -6152,7 +7509,7 @@
                 <a:spcPct val="100000"/>
               </a:lnSpc>
             </a:pPr>
-            <a:fld id="{168214A5-9925-40DE-9451-C99BD21FDB8E}" type="slidenum">
+            <a:fld id="{128F9C3C-D407-4A2A-9B52-527E96A9F0EE}" type="slidenum">
               <a:rPr b="0" lang="en-US" sz="1200" spc="-1" strike="noStrike">
                 <a:solidFill>
                   <a:srgbClr val="a6a6a6"/>
@@ -6181,7 +7538,7 @@
         <p:spPr>
           <a:xfrm>
             <a:off x="457200" y="273600"/>
-            <a:ext cx="8228880" cy="1144440"/>
+            <a:ext cx="8229240" cy="1144800"/>
           </a:xfrm>
           <a:prstGeom prst="rect">
             <a:avLst/>
@@ -6194,24 +7551,54 @@
           <a:p>
             <a:pPr algn="ctr"/>
             <a:r>
-              <a:rPr b="0" lang="en-US" sz="1800" spc="-1" strike="noStrike">
+              <a:rPr b="0" lang="en-US" sz="4400" spc="-1" strike="noStrike">
                 <a:latin typeface="Arial"/>
               </a:rPr>
-              <a:t>Click to edit </a:t>
+              <a:t>Clic</a:t>
             </a:r>
             <a:r>
-              <a:rPr b="0" lang="en-US" sz="1800" spc="-1" strike="noStrike">
+              <a:rPr b="0" lang="en-US" sz="4400" spc="-1" strike="noStrike">
                 <a:latin typeface="Arial"/>
               </a:rPr>
-              <a:t>the title text </a:t>
+              <a:t>k to </a:t>
             </a:r>
             <a:r>
-              <a:rPr b="0" lang="en-US" sz="1800" spc="-1" strike="noStrike">
+              <a:rPr b="0" lang="en-US" sz="4400" spc="-1" strike="noStrike">
                 <a:latin typeface="Arial"/>
               </a:rPr>
-              <a:t>format</a:t>
+              <a:t>edit </a:t>
             </a:r>
-            <a:endParaRPr b="0" lang="en-US" sz="1800" spc="-1" strike="noStrike">
+            <a:r>
+              <a:rPr b="0" lang="en-US" sz="4400" spc="-1" strike="noStrike">
+                <a:latin typeface="Arial"/>
+              </a:rPr>
+              <a:t>the </a:t>
+            </a:r>
+            <a:r>
+              <a:rPr b="0" lang="en-US" sz="4400" spc="-1" strike="noStrike">
+                <a:latin typeface="Arial"/>
+              </a:rPr>
+              <a:t>title </a:t>
+            </a:r>
+            <a:r>
+              <a:rPr b="0" lang="en-US" sz="4400" spc="-1" strike="noStrike">
+                <a:latin typeface="Arial"/>
+              </a:rPr>
+              <a:t>text </a:t>
+            </a:r>
+            <a:r>
+              <a:rPr b="0" lang="en-US" sz="4400" spc="-1" strike="noStrike">
+                <a:latin typeface="Arial"/>
+              </a:rPr>
+              <a:t>form</a:t>
+            </a:r>
+            <a:r>
+              <a:rPr b="0" lang="en-US" sz="4400" spc="-1" strike="noStrike">
+                <a:latin typeface="Arial"/>
+              </a:rPr>
+              <a:t>at</a:t>
+            </a:r>
+            <a:endParaRPr b="0" lang="en-US" sz="4400" spc="-1" strike="noStrike">
               <a:latin typeface="Arial"/>
             </a:endParaRPr>
           </a:p>
@@ -6230,7 +7617,7 @@
         <p:spPr>
           <a:xfrm>
             <a:off x="457200" y="1604520"/>
-            <a:ext cx="8228880" cy="3976920"/>
+            <a:ext cx="8229240" cy="3977280"/>
           </a:xfrm>
           <a:prstGeom prst="rect">
             <a:avLst/>
@@ -6241,7 +7628,7 @@
             <a:normAutofit/>
           </a:bodyPr>
           <a:p>
-            <a:pPr marL="432000" indent="-324000" algn="ctr">
+            <a:pPr marL="432000" indent="-324000">
               <a:spcBef>
                 <a:spcPts val="1417"/>
               </a:spcBef>
@@ -6253,17 +7640,17 @@
               <a:buChar char=""/>
             </a:pPr>
             <a:r>
-              <a:rPr b="0" lang="en-US" sz="1800" spc="-1" strike="noStrike">
+              <a:rPr b="0" lang="en-US" sz="3200" spc="-1" strike="noStrike">
                 <a:latin typeface="Arial"/>
               </a:rPr>
               <a:t>Click to edit the outline text format</a:t>
             </a:r>
-            <a:endParaRPr b="0" lang="en-US" sz="1800" spc="-1" strike="noStrike">
-              <a:latin typeface="Arial"/>
-            </a:endParaRPr>
-          </a:p>
-          <a:p>
-            <a:pPr lvl="1" marL="864000" indent="-324000" algn="ctr">
+            <a:endParaRPr b="0" lang="en-US" sz="3200" spc="-1" strike="noStrike">
+              <a:latin typeface="Arial"/>
+            </a:endParaRPr>
+          </a:p>
+          <a:p>
+            <a:pPr lvl="1" marL="864000" indent="-324000">
               <a:spcBef>
                 <a:spcPts val="1134"/>
               </a:spcBef>
@@ -6275,17 +7662,17 @@
               <a:buChar char=""/>
             </a:pPr>
             <a:r>
-              <a:rPr b="0" lang="en-US" sz="1800" spc="-1" strike="noStrike">
+              <a:rPr b="0" lang="en-US" sz="2800" spc="-1" strike="noStrike">
                 <a:latin typeface="Arial"/>
               </a:rPr>
               <a:t>Second Outline Level</a:t>
             </a:r>
-            <a:endParaRPr b="0" lang="en-US" sz="1800" spc="-1" strike="noStrike">
-              <a:latin typeface="Arial"/>
-            </a:endParaRPr>
-          </a:p>
-          <a:p>
-            <a:pPr lvl="2" marL="1296000" indent="-288000" algn="ctr">
+            <a:endParaRPr b="0" lang="en-US" sz="2800" spc="-1" strike="noStrike">
+              <a:latin typeface="Arial"/>
+            </a:endParaRPr>
+          </a:p>
+          <a:p>
+            <a:pPr lvl="2" marL="1296000" indent="-288000">
               <a:spcBef>
                 <a:spcPts val="850"/>
               </a:spcBef>
@@ -6297,17 +7684,17 @@
               <a:buChar char=""/>
             </a:pPr>
             <a:r>
-              <a:rPr b="0" lang="en-US" sz="1800" spc="-1" strike="noStrike">
+              <a:rPr b="0" lang="en-US" sz="2400" spc="-1" strike="noStrike">
                 <a:latin typeface="Arial"/>
               </a:rPr>
               <a:t>Third Outline Level</a:t>
             </a:r>
-            <a:endParaRPr b="0" lang="en-US" sz="1800" spc="-1" strike="noStrike">
-              <a:latin typeface="Arial"/>
-            </a:endParaRPr>
-          </a:p>
-          <a:p>
-            <a:pPr lvl="3" marL="1728000" indent="-216000" algn="ctr">
+            <a:endParaRPr b="0" lang="en-US" sz="2400" spc="-1" strike="noStrike">
+              <a:latin typeface="Arial"/>
+            </a:endParaRPr>
+          </a:p>
+          <a:p>
+            <a:pPr lvl="3" marL="1728000" indent="-216000">
               <a:spcBef>
                 <a:spcPts val="567"/>
               </a:spcBef>
@@ -6319,17 +7706,17 @@
               <a:buChar char=""/>
             </a:pPr>
             <a:r>
-              <a:rPr b="0" lang="en-US" sz="1800" spc="-1" strike="noStrike">
+              <a:rPr b="0" lang="en-US" sz="2000" spc="-1" strike="noStrike">
                 <a:latin typeface="Arial"/>
               </a:rPr>
               <a:t>Fourth Outline Level</a:t>
             </a:r>
-            <a:endParaRPr b="0" lang="en-US" sz="1800" spc="-1" strike="noStrike">
-              <a:latin typeface="Arial"/>
-            </a:endParaRPr>
-          </a:p>
-          <a:p>
-            <a:pPr lvl="4" marL="2160000" indent="-216000" algn="ctr">
+            <a:endParaRPr b="0" lang="en-US" sz="2000" spc="-1" strike="noStrike">
+              <a:latin typeface="Arial"/>
+            </a:endParaRPr>
+          </a:p>
+          <a:p>
+            <a:pPr lvl="4" marL="2160000" indent="-216000">
               <a:spcBef>
                 <a:spcPts val="283"/>
               </a:spcBef>
@@ -6341,17 +7728,17 @@
               <a:buChar char=""/>
             </a:pPr>
             <a:r>
-              <a:rPr b="0" lang="en-US" sz="1800" spc="-1" strike="noStrike">
+              <a:rPr b="0" lang="en-US" sz="2000" spc="-1" strike="noStrike">
                 <a:latin typeface="Arial"/>
               </a:rPr>
               <a:t>Fifth Outline Level</a:t>
             </a:r>
-            <a:endParaRPr b="0" lang="en-US" sz="1800" spc="-1" strike="noStrike">
-              <a:latin typeface="Arial"/>
-            </a:endParaRPr>
-          </a:p>
-          <a:p>
-            <a:pPr lvl="5" marL="2592000" indent="-216000" algn="ctr">
+            <a:endParaRPr b="0" lang="en-US" sz="2000" spc="-1" strike="noStrike">
+              <a:latin typeface="Arial"/>
+            </a:endParaRPr>
+          </a:p>
+          <a:p>
+            <a:pPr lvl="5" marL="2592000" indent="-216000">
               <a:spcBef>
                 <a:spcPts val="283"/>
               </a:spcBef>
@@ -6363,17 +7750,17 @@
               <a:buChar char=""/>
             </a:pPr>
             <a:r>
-              <a:rPr b="0" lang="en-US" sz="1800" spc="-1" strike="noStrike">
+              <a:rPr b="0" lang="en-US" sz="2000" spc="-1" strike="noStrike">
                 <a:latin typeface="Arial"/>
               </a:rPr>
               <a:t>Sixth Outline Level</a:t>
             </a:r>
-            <a:endParaRPr b="0" lang="en-US" sz="1800" spc="-1" strike="noStrike">
-              <a:latin typeface="Arial"/>
-            </a:endParaRPr>
-          </a:p>
-          <a:p>
-            <a:pPr lvl="6" marL="3024000" indent="-216000" algn="ctr">
+            <a:endParaRPr b="0" lang="en-US" sz="2000" spc="-1" strike="noStrike">
+              <a:latin typeface="Arial"/>
+            </a:endParaRPr>
+          </a:p>
+          <a:p>
+            <a:pPr lvl="6" marL="3024000" indent="-216000">
               <a:spcBef>
                 <a:spcPts val="283"/>
               </a:spcBef>
@@ -6385,12 +7772,12 @@
               <a:buChar char=""/>
             </a:pPr>
             <a:r>
-              <a:rPr b="0" lang="en-US" sz="1800" spc="-1" strike="noStrike">
+              <a:rPr b="0" lang="en-US" sz="2000" spc="-1" strike="noStrike">
                 <a:latin typeface="Arial"/>
               </a:rPr>
               <a:t>Seventh Outline Level</a:t>
             </a:r>
-            <a:endParaRPr b="0" lang="en-US" sz="1800" spc="-1" strike="noStrike">
+            <a:endParaRPr b="0" lang="en-US" sz="2000" spc="-1" strike="noStrike">
               <a:latin typeface="Arial"/>
             </a:endParaRPr>
           </a:p>
@@ -6449,7 +7836,7 @@
         <p:spPr>
           <a:xfrm>
             <a:off x="-3414960" y="2793960"/>
-            <a:ext cx="183600" cy="368280"/>
+            <a:ext cx="183240" cy="367920"/>
           </a:xfrm>
           <a:prstGeom prst="rect">
             <a:avLst/>
@@ -6475,7 +7862,7 @@
         <p:spPr>
           <a:xfrm>
             <a:off x="11373480" y="6886080"/>
-            <a:ext cx="183600" cy="368280"/>
+            <a:ext cx="183240" cy="367920"/>
           </a:xfrm>
           <a:prstGeom prst="rect">
             <a:avLst/>
@@ -6501,7 +7888,7 @@
         <p:spPr>
           <a:xfrm>
             <a:off x="8204040" y="6455160"/>
-            <a:ext cx="481680" cy="363960"/>
+            <a:ext cx="481320" cy="363600"/>
           </a:xfrm>
           <a:prstGeom prst="rect">
             <a:avLst/>
@@ -6527,7 +7914,7 @@
                 <a:spcPct val="100000"/>
               </a:lnSpc>
             </a:pPr>
-            <a:fld id="{0C4762E1-6E7A-4F59-A68B-60F5190BAAD2}" type="slidenum">
+            <a:fld id="{457D650C-22F2-4A24-BA5D-2039BC21534C}" type="slidenum">
               <a:rPr b="0" lang="en-US" sz="1200" spc="-1" strike="noStrike">
                 <a:solidFill>
                   <a:srgbClr val="a6a6a6"/>
@@ -6556,7 +7943,7 @@
         <p:spPr>
           <a:xfrm>
             <a:off x="0" y="0"/>
-            <a:ext cx="9142920" cy="6856920"/>
+            <a:ext cx="9142560" cy="6856560"/>
           </a:xfrm>
           <a:prstGeom prst="rect">
             <a:avLst/>
@@ -6575,7 +7962,7 @@
         <p:spPr>
           <a:xfrm>
             <a:off x="9967320" y="1611720"/>
-            <a:ext cx="183600" cy="368280"/>
+            <a:ext cx="183240" cy="367920"/>
           </a:xfrm>
           <a:prstGeom prst="rect">
             <a:avLst/>
@@ -6601,7 +7988,7 @@
         <p:spPr>
           <a:xfrm>
             <a:off x="9967320" y="1611720"/>
-            <a:ext cx="183600" cy="368280"/>
+            <a:ext cx="183240" cy="367920"/>
           </a:xfrm>
           <a:prstGeom prst="rect">
             <a:avLst/>
@@ -6627,7 +8014,7 @@
         <p:spPr>
           <a:xfrm>
             <a:off x="9967320" y="1611720"/>
-            <a:ext cx="183600" cy="368280"/>
+            <a:ext cx="183240" cy="367920"/>
           </a:xfrm>
           <a:prstGeom prst="rect">
             <a:avLst/>
@@ -6653,7 +8040,7 @@
         <p:spPr>
           <a:xfrm>
             <a:off x="8204040" y="6455160"/>
-            <a:ext cx="481680" cy="363960"/>
+            <a:ext cx="481320" cy="363600"/>
           </a:xfrm>
           <a:prstGeom prst="rect">
             <a:avLst/>
@@ -6679,7 +8066,7 @@
                 <a:spcPct val="100000"/>
               </a:lnSpc>
             </a:pPr>
-            <a:fld id="{B6A6F6C5-C160-4B1C-B01C-28007715B9F7}" type="slidenum">
+            <a:fld id="{D0AF92A5-6E9B-43FC-ADF6-9C3A4951623A}" type="slidenum">
               <a:rPr b="0" lang="en-US" sz="1200" spc="-1" strike="noStrike">
                 <a:solidFill>
                   <a:srgbClr val="a6a6a6"/>
@@ -6724,25 +8111,49 @@
               <a:rPr b="0" lang="en-US" sz="4400" spc="-1" strike="noStrike">
                 <a:latin typeface="Arial"/>
               </a:rPr>
-              <a:t>Click to </a:t>
+              <a:t>Clic</a:t>
             </a:r>
             <a:r>
               <a:rPr b="0" lang="en-US" sz="4400" spc="-1" strike="noStrike">
                 <a:latin typeface="Arial"/>
               </a:rPr>
-              <a:t>edit the </a:t>
+              <a:t>k to </a:t>
             </a:r>
             <a:r>
               <a:rPr b="0" lang="en-US" sz="4400" spc="-1" strike="noStrike">
                 <a:latin typeface="Arial"/>
               </a:rPr>
-              <a:t>title text </a:t>
+              <a:t>edit </a:t>
             </a:r>
             <a:r>
               <a:rPr b="0" lang="en-US" sz="4400" spc="-1" strike="noStrike">
                 <a:latin typeface="Arial"/>
               </a:rPr>
-              <a:t>format</a:t>
+              <a:t>the </a:t>
+            </a:r>
+            <a:r>
+              <a:rPr b="0" lang="en-US" sz="4400" spc="-1" strike="noStrike">
+                <a:latin typeface="Arial"/>
+              </a:rPr>
+              <a:t>title </a:t>
+            </a:r>
+            <a:r>
+              <a:rPr b="0" lang="en-US" sz="4400" spc="-1" strike="noStrike">
+                <a:latin typeface="Arial"/>
+              </a:rPr>
+              <a:t>text </a:t>
+            </a:r>
+            <a:r>
+              <a:rPr b="0" lang="en-US" sz="4400" spc="-1" strike="noStrike">
+                <a:latin typeface="Arial"/>
+              </a:rPr>
+              <a:t>form</a:t>
+            </a:r>
+            <a:r>
+              <a:rPr b="0" lang="en-US" sz="4400" spc="-1" strike="noStrike">
+                <a:latin typeface="Arial"/>
+              </a:rPr>
+              <a:t>at</a:t>
             </a:r>
             <a:endParaRPr b="0" lang="en-US" sz="4400" spc="-1" strike="noStrike">
               <a:latin typeface="Arial"/>
@@ -6982,7 +8393,7 @@
         <p:spPr>
           <a:xfrm>
             <a:off x="-3414960" y="2793960"/>
-            <a:ext cx="183600" cy="368280"/>
+            <a:ext cx="183240" cy="367920"/>
           </a:xfrm>
           <a:prstGeom prst="rect">
             <a:avLst/>
@@ -7008,7 +8419,7 @@
         <p:spPr>
           <a:xfrm>
             <a:off x="11373480" y="6886080"/>
-            <a:ext cx="183600" cy="368280"/>
+            <a:ext cx="183240" cy="367920"/>
           </a:xfrm>
           <a:prstGeom prst="rect">
             <a:avLst/>
@@ -7034,7 +8445,7 @@
         <p:spPr>
           <a:xfrm>
             <a:off x="8204040" y="6455160"/>
-            <a:ext cx="481680" cy="363960"/>
+            <a:ext cx="481320" cy="363600"/>
           </a:xfrm>
           <a:prstGeom prst="rect">
             <a:avLst/>
@@ -7060,7 +8471,7 @@
                 <a:spcPct val="100000"/>
               </a:lnSpc>
             </a:pPr>
-            <a:fld id="{7C8D7F0E-20E3-487E-AAAE-75C5327097B4}" type="slidenum">
+            <a:fld id="{8341018C-A0F2-4D78-8DC2-B23ED151BF4B}" type="slidenum">
               <a:rPr b="0" lang="en-US" sz="1200" spc="-1" strike="noStrike">
                 <a:solidFill>
                   <a:srgbClr val="a6a6a6"/>
@@ -7078,7 +8489,7 @@
       </p:sp>
       <p:pic>
         <p:nvPicPr>
-          <p:cNvPr id="137" name="Picture 1" descr=""/>
+          <p:cNvPr id="137" name="Picture 3" descr="RTU_PPT_4x3_06-05.jpg"/>
           <p:cNvPicPr/>
           <p:nvPr/>
         </p:nvPicPr>
@@ -7089,7 +8500,7 @@
         <p:spPr>
           <a:xfrm>
             <a:off x="0" y="0"/>
-            <a:ext cx="9142920" cy="6856920"/>
+            <a:ext cx="9142560" cy="6856560"/>
           </a:xfrm>
           <a:prstGeom prst="rect">
             <a:avLst/>
@@ -7101,7 +8512,136 @@
       </p:pic>
       <p:sp>
         <p:nvSpPr>
-          <p:cNvPr id="138" name="PlaceHolder 4"/>
+          <p:cNvPr id="138" name="CustomShape 4"/>
+          <p:cNvSpPr/>
+          <p:nvPr/>
+        </p:nvSpPr>
+        <p:spPr>
+          <a:xfrm>
+            <a:off x="9967320" y="1611720"/>
+            <a:ext cx="183240" cy="367920"/>
+          </a:xfrm>
+          <a:prstGeom prst="rect">
+            <a:avLst/>
+          </a:prstGeom>
+          <a:noFill/>
+          <a:ln>
+            <a:noFill/>
+          </a:ln>
+        </p:spPr>
+        <p:style>
+          <a:lnRef idx="0"/>
+          <a:fillRef idx="0"/>
+          <a:effectRef idx="0"/>
+          <a:fontRef idx="minor"/>
+        </p:style>
+      </p:sp>
+      <p:sp>
+        <p:nvSpPr>
+          <p:cNvPr id="139" name="CustomShape 5"/>
+          <p:cNvSpPr/>
+          <p:nvPr/>
+        </p:nvSpPr>
+        <p:spPr>
+          <a:xfrm>
+            <a:off x="9967320" y="1611720"/>
+            <a:ext cx="183240" cy="367920"/>
+          </a:xfrm>
+          <a:prstGeom prst="rect">
+            <a:avLst/>
+          </a:prstGeom>
+          <a:noFill/>
+          <a:ln>
+            <a:noFill/>
+          </a:ln>
+        </p:spPr>
+        <p:style>
+          <a:lnRef idx="0"/>
+          <a:fillRef idx="0"/>
+          <a:effectRef idx="0"/>
+          <a:fontRef idx="minor"/>
+        </p:style>
+      </p:sp>
+      <p:sp>
+        <p:nvSpPr>
+          <p:cNvPr id="140" name="CustomShape 6"/>
+          <p:cNvSpPr/>
+          <p:nvPr/>
+        </p:nvSpPr>
+        <p:spPr>
+          <a:xfrm>
+            <a:off x="9967320" y="1611720"/>
+            <a:ext cx="183240" cy="367920"/>
+          </a:xfrm>
+          <a:prstGeom prst="rect">
+            <a:avLst/>
+          </a:prstGeom>
+          <a:noFill/>
+          <a:ln>
+            <a:noFill/>
+          </a:ln>
+        </p:spPr>
+        <p:style>
+          <a:lnRef idx="0"/>
+          <a:fillRef idx="0"/>
+          <a:effectRef idx="0"/>
+          <a:fontRef idx="minor"/>
+        </p:style>
+      </p:sp>
+      <p:sp>
+        <p:nvSpPr>
+          <p:cNvPr id="141" name="CustomShape 7"/>
+          <p:cNvSpPr/>
+          <p:nvPr/>
+        </p:nvSpPr>
+        <p:spPr>
+          <a:xfrm>
+            <a:off x="8204040" y="6455160"/>
+            <a:ext cx="481320" cy="363600"/>
+          </a:xfrm>
+          <a:prstGeom prst="rect">
+            <a:avLst/>
+          </a:prstGeom>
+          <a:noFill/>
+          <a:ln>
+            <a:noFill/>
+          </a:ln>
+        </p:spPr>
+        <p:style>
+          <a:lnRef idx="0"/>
+          <a:fillRef idx="0"/>
+          <a:effectRef idx="0"/>
+          <a:fontRef idx="minor"/>
+        </p:style>
+        <p:txBody>
+          <a:bodyPr lIns="90000" rIns="90000" tIns="45000" bIns="45000">
+            <a:noAutofit/>
+          </a:bodyPr>
+          <a:p>
+            <a:pPr>
+              <a:lnSpc>
+                <a:spcPct val="100000"/>
+              </a:lnSpc>
+            </a:pPr>
+            <a:fld id="{D730D361-CA70-492B-8778-5161174D4E2E}" type="slidenum">
+              <a:rPr b="0" lang="en-US" sz="1200" spc="-1" strike="noStrike">
+                <a:solidFill>
+                  <a:srgbClr val="a6a6a6"/>
+                </a:solidFill>
+                <a:latin typeface="Arial"/>
+                <a:ea typeface="DejaVu Sans"/>
+              </a:rPr>
+              <a:t>&lt;number&gt;</a:t>
+            </a:fld>
+            <a:endParaRPr b="0" lang="en-US" sz="1200" spc="-1" strike="noStrike">
+              <a:latin typeface="Arial"/>
+            </a:endParaRPr>
+          </a:p>
+        </p:txBody>
+      </p:sp>
+      <p:sp>
+        <p:nvSpPr>
+          <p:cNvPr id="142" name="PlaceHolder 8"/>
           <p:cNvSpPr>
             <a:spLocks noGrp="1"/>
           </p:cNvSpPr>
@@ -7112,6 +8652,404 @@
         <p:spPr>
           <a:xfrm>
             <a:off x="457200" y="273600"/>
+            <a:ext cx="8228880" cy="1144440"/>
+          </a:xfrm>
+          <a:prstGeom prst="rect">
+            <a:avLst/>
+          </a:prstGeom>
+        </p:spPr>
+        <p:txBody>
+          <a:bodyPr lIns="0" rIns="0" tIns="0" bIns="0" anchor="ctr">
+            <a:noAutofit/>
+          </a:bodyPr>
+          <a:p>
+            <a:pPr algn="ctr"/>
+            <a:r>
+              <a:rPr b="0" lang="en-US" sz="1800" spc="-1" strike="noStrike">
+                <a:latin typeface="Arial"/>
+              </a:rPr>
+              <a:t>Click to edit </a:t>
+            </a:r>
+            <a:r>
+              <a:rPr b="0" lang="en-US" sz="1800" spc="-1" strike="noStrike">
+                <a:latin typeface="Arial"/>
+              </a:rPr>
+              <a:t>the title text </a:t>
+            </a:r>
+            <a:r>
+              <a:rPr b="0" lang="en-US" sz="1800" spc="-1" strike="noStrike">
+                <a:latin typeface="Arial"/>
+              </a:rPr>
+              <a:t>format</a:t>
+            </a:r>
+            <a:endParaRPr b="0" lang="en-US" sz="1800" spc="-1" strike="noStrike">
+              <a:latin typeface="Arial"/>
+            </a:endParaRPr>
+          </a:p>
+        </p:txBody>
+      </p:sp>
+      <p:sp>
+        <p:nvSpPr>
+          <p:cNvPr id="143" name="PlaceHolder 9"/>
+          <p:cNvSpPr>
+            <a:spLocks noGrp="1"/>
+          </p:cNvSpPr>
+          <p:nvPr>
+            <p:ph type="body"/>
+          </p:nvPr>
+        </p:nvSpPr>
+        <p:spPr>
+          <a:xfrm>
+            <a:off x="457200" y="1604520"/>
+            <a:ext cx="8228880" cy="3976920"/>
+          </a:xfrm>
+          <a:prstGeom prst="rect">
+            <a:avLst/>
+          </a:prstGeom>
+        </p:spPr>
+        <p:txBody>
+          <a:bodyPr lIns="0" rIns="0" tIns="0" bIns="0">
+            <a:normAutofit/>
+          </a:bodyPr>
+          <a:p>
+            <a:pPr marL="432000" indent="-324000" algn="ctr">
+              <a:spcBef>
+                <a:spcPts val="1417"/>
+              </a:spcBef>
+              <a:buClr>
+                <a:srgbClr val="000000"/>
+              </a:buClr>
+              <a:buSzPct val="45000"/>
+              <a:buFont typeface="Wingdings" charset="2"/>
+              <a:buChar char=""/>
+            </a:pPr>
+            <a:r>
+              <a:rPr b="0" lang="en-US" sz="1800" spc="-1" strike="noStrike">
+                <a:latin typeface="Arial"/>
+              </a:rPr>
+              <a:t>Click to edit the outline text format</a:t>
+            </a:r>
+            <a:endParaRPr b="0" lang="en-US" sz="1800" spc="-1" strike="noStrike">
+              <a:latin typeface="Arial"/>
+            </a:endParaRPr>
+          </a:p>
+          <a:p>
+            <a:pPr lvl="1" marL="864000" indent="-324000" algn="ctr">
+              <a:spcBef>
+                <a:spcPts val="1134"/>
+              </a:spcBef>
+              <a:buClr>
+                <a:srgbClr val="000000"/>
+              </a:buClr>
+              <a:buSzPct val="75000"/>
+              <a:buFont typeface="Symbol" charset="2"/>
+              <a:buChar char=""/>
+            </a:pPr>
+            <a:r>
+              <a:rPr b="0" lang="en-US" sz="1800" spc="-1" strike="noStrike">
+                <a:latin typeface="Arial"/>
+              </a:rPr>
+              <a:t>Second Outline Level</a:t>
+            </a:r>
+            <a:endParaRPr b="0" lang="en-US" sz="1800" spc="-1" strike="noStrike">
+              <a:latin typeface="Arial"/>
+            </a:endParaRPr>
+          </a:p>
+          <a:p>
+            <a:pPr lvl="2" marL="1296000" indent="-288000" algn="ctr">
+              <a:spcBef>
+                <a:spcPts val="850"/>
+              </a:spcBef>
+              <a:buClr>
+                <a:srgbClr val="000000"/>
+              </a:buClr>
+              <a:buSzPct val="45000"/>
+              <a:buFont typeface="Wingdings" charset="2"/>
+              <a:buChar char=""/>
+            </a:pPr>
+            <a:r>
+              <a:rPr b="0" lang="en-US" sz="1800" spc="-1" strike="noStrike">
+                <a:latin typeface="Arial"/>
+              </a:rPr>
+              <a:t>Third Outline Level</a:t>
+            </a:r>
+            <a:endParaRPr b="0" lang="en-US" sz="1800" spc="-1" strike="noStrike">
+              <a:latin typeface="Arial"/>
+            </a:endParaRPr>
+          </a:p>
+          <a:p>
+            <a:pPr lvl="3" marL="1728000" indent="-216000" algn="ctr">
+              <a:spcBef>
+                <a:spcPts val="567"/>
+              </a:spcBef>
+              <a:buClr>
+                <a:srgbClr val="000000"/>
+              </a:buClr>
+              <a:buSzPct val="75000"/>
+              <a:buFont typeface="Symbol" charset="2"/>
+              <a:buChar char=""/>
+            </a:pPr>
+            <a:r>
+              <a:rPr b="0" lang="en-US" sz="1800" spc="-1" strike="noStrike">
+                <a:latin typeface="Arial"/>
+              </a:rPr>
+              <a:t>Fourth Outline Level</a:t>
+            </a:r>
+            <a:endParaRPr b="0" lang="en-US" sz="1800" spc="-1" strike="noStrike">
+              <a:latin typeface="Arial"/>
+            </a:endParaRPr>
+          </a:p>
+          <a:p>
+            <a:pPr lvl="4" marL="2160000" indent="-216000" algn="ctr">
+              <a:spcBef>
+                <a:spcPts val="283"/>
+              </a:spcBef>
+              <a:buClr>
+                <a:srgbClr val="000000"/>
+              </a:buClr>
+              <a:buSzPct val="45000"/>
+              <a:buFont typeface="Wingdings" charset="2"/>
+              <a:buChar char=""/>
+            </a:pPr>
+            <a:r>
+              <a:rPr b="0" lang="en-US" sz="1800" spc="-1" strike="noStrike">
+                <a:latin typeface="Arial"/>
+              </a:rPr>
+              <a:t>Fifth Outline Level</a:t>
+            </a:r>
+            <a:endParaRPr b="0" lang="en-US" sz="1800" spc="-1" strike="noStrike">
+              <a:latin typeface="Arial"/>
+            </a:endParaRPr>
+          </a:p>
+          <a:p>
+            <a:pPr lvl="5" marL="2592000" indent="-216000" algn="ctr">
+              <a:spcBef>
+                <a:spcPts val="283"/>
+              </a:spcBef>
+              <a:buClr>
+                <a:srgbClr val="000000"/>
+              </a:buClr>
+              <a:buSzPct val="45000"/>
+              <a:buFont typeface="Wingdings" charset="2"/>
+              <a:buChar char=""/>
+            </a:pPr>
+            <a:r>
+              <a:rPr b="0" lang="en-US" sz="1800" spc="-1" strike="noStrike">
+                <a:latin typeface="Arial"/>
+              </a:rPr>
+              <a:t>Sixth Outline Level</a:t>
+            </a:r>
+            <a:endParaRPr b="0" lang="en-US" sz="1800" spc="-1" strike="noStrike">
+              <a:latin typeface="Arial"/>
+            </a:endParaRPr>
+          </a:p>
+          <a:p>
+            <a:pPr lvl="6" marL="3024000" indent="-216000" algn="ctr">
+              <a:spcBef>
+                <a:spcPts val="283"/>
+              </a:spcBef>
+              <a:buClr>
+                <a:srgbClr val="000000"/>
+              </a:buClr>
+              <a:buSzPct val="45000"/>
+              <a:buFont typeface="Wingdings" charset="2"/>
+              <a:buChar char=""/>
+            </a:pPr>
+            <a:r>
+              <a:rPr b="0" lang="en-US" sz="1800" spc="-1" strike="noStrike">
+                <a:latin typeface="Arial"/>
+              </a:rPr>
+              <a:t>Seventh Outline Level</a:t>
+            </a:r>
+            <a:endParaRPr b="0" lang="en-US" sz="1800" spc="-1" strike="noStrike">
+              <a:latin typeface="Arial"/>
+            </a:endParaRPr>
+          </a:p>
+        </p:txBody>
+      </p:sp>
+    </p:spTree>
+  </p:cSld>
+  <p:clrMap bg1="lt1" bg2="lt2" tx1="dk1" tx2="dk2" accent1="accent1" accent2="accent2" accent3="accent3" accent4="accent4" accent5="accent5" accent6="accent6" hlink="hlink" folHlink="folHlink"/>
+  <p:sldLayoutIdLst>
+    <p:sldLayoutId id="2147483688" r:id="rId3"/>
+    <p:sldLayoutId id="2147483689" r:id="rId4"/>
+    <p:sldLayoutId id="2147483690" r:id="rId5"/>
+    <p:sldLayoutId id="2147483691" r:id="rId6"/>
+    <p:sldLayoutId id="2147483692" r:id="rId7"/>
+    <p:sldLayoutId id="2147483693" r:id="rId8"/>
+    <p:sldLayoutId id="2147483694" r:id="rId9"/>
+    <p:sldLayoutId id="2147483695" r:id="rId10"/>
+    <p:sldLayoutId id="2147483696" r:id="rId11"/>
+    <p:sldLayoutId id="2147483697" r:id="rId12"/>
+    <p:sldLayoutId id="2147483698" r:id="rId13"/>
+    <p:sldLayoutId id="2147483699" r:id="rId14"/>
+  </p:sldLayoutIdLst>
+</p:sldMaster>
+</file>
+
+<file path=ppt/slideMasters/slideMaster5.xml><?xml version="1.0" encoding="utf-8"?>
+<p:sldMaster xmlns:a="http://schemas.openxmlformats.org/drawingml/2006/main" xmlns:p="http://schemas.openxmlformats.org/presentationml/2006/main" xmlns:r="http://schemas.openxmlformats.org/officeDocument/2006/relationships" xmlns:p14="http://schemas.microsoft.com/office/powerpoint/2010/main" xmlns:p15="http://schemas.microsoft.com/office/powerpoint/2012/main" xmlns:mc="http://schemas.openxmlformats.org/markup-compatibility/2006">
+  <p:cSld>
+    <p:bg>
+      <p:bgPr>
+        <a:solidFill>
+          <a:srgbClr val="ffffff"/>
+        </a:solidFill>
+      </p:bgPr>
+    </p:bg>
+    <p:spTree>
+      <p:nvGrpSpPr>
+        <p:cNvPr id="1" name=""/>
+        <p:cNvGrpSpPr/>
+        <p:nvPr/>
+      </p:nvGrpSpPr>
+      <p:grpSpPr>
+        <a:xfrm>
+          <a:off x="0" y="0"/>
+          <a:ext cx="0" cy="0"/>
+          <a:chOff x="0" y="0"/>
+          <a:chExt cx="0" cy="0"/>
+        </a:xfrm>
+      </p:grpSpPr>
+      <p:sp>
+        <p:nvSpPr>
+          <p:cNvPr id="180" name="CustomShape 1"/>
+          <p:cNvSpPr/>
+          <p:nvPr/>
+        </p:nvSpPr>
+        <p:spPr>
+          <a:xfrm>
+            <a:off x="-3414960" y="2793960"/>
+            <a:ext cx="183240" cy="367920"/>
+          </a:xfrm>
+          <a:prstGeom prst="rect">
+            <a:avLst/>
+          </a:prstGeom>
+          <a:noFill/>
+          <a:ln>
+            <a:noFill/>
+          </a:ln>
+        </p:spPr>
+        <p:style>
+          <a:lnRef idx="0"/>
+          <a:fillRef idx="0"/>
+          <a:effectRef idx="0"/>
+          <a:fontRef idx="minor"/>
+        </p:style>
+      </p:sp>
+      <p:sp>
+        <p:nvSpPr>
+          <p:cNvPr id="181" name="CustomShape 2"/>
+          <p:cNvSpPr/>
+          <p:nvPr/>
+        </p:nvSpPr>
+        <p:spPr>
+          <a:xfrm>
+            <a:off x="11373480" y="6886080"/>
+            <a:ext cx="183240" cy="367920"/>
+          </a:xfrm>
+          <a:prstGeom prst="rect">
+            <a:avLst/>
+          </a:prstGeom>
+          <a:noFill/>
+          <a:ln>
+            <a:noFill/>
+          </a:ln>
+        </p:spPr>
+        <p:style>
+          <a:lnRef idx="0"/>
+          <a:fillRef idx="0"/>
+          <a:effectRef idx="0"/>
+          <a:fontRef idx="minor"/>
+        </p:style>
+      </p:sp>
+      <p:sp>
+        <p:nvSpPr>
+          <p:cNvPr id="182" name="CustomShape 3"/>
+          <p:cNvSpPr/>
+          <p:nvPr/>
+        </p:nvSpPr>
+        <p:spPr>
+          <a:xfrm>
+            <a:off x="8204040" y="6455160"/>
+            <a:ext cx="481320" cy="363600"/>
+          </a:xfrm>
+          <a:prstGeom prst="rect">
+            <a:avLst/>
+          </a:prstGeom>
+          <a:noFill/>
+          <a:ln>
+            <a:noFill/>
+          </a:ln>
+        </p:spPr>
+        <p:style>
+          <a:lnRef idx="0"/>
+          <a:fillRef idx="0"/>
+          <a:effectRef idx="0"/>
+          <a:fontRef idx="minor"/>
+        </p:style>
+        <p:txBody>
+          <a:bodyPr lIns="90000" rIns="90000" tIns="45000" bIns="45000">
+            <a:noAutofit/>
+          </a:bodyPr>
+          <a:p>
+            <a:pPr>
+              <a:lnSpc>
+                <a:spcPct val="100000"/>
+              </a:lnSpc>
+            </a:pPr>
+            <a:fld id="{18E441DB-5EB0-4ACE-8255-5BA8B52BA87D}" type="slidenum">
+              <a:rPr b="0" lang="en-US" sz="1200" spc="-1" strike="noStrike">
+                <a:solidFill>
+                  <a:srgbClr val="a6a6a6"/>
+                </a:solidFill>
+                <a:latin typeface="Arial"/>
+                <a:ea typeface="DejaVu Sans"/>
+              </a:rPr>
+              <a:t>&lt;number&gt;</a:t>
+            </a:fld>
+            <a:endParaRPr b="0" lang="en-US" sz="1200" spc="-1" strike="noStrike">
+              <a:latin typeface="Arial"/>
+            </a:endParaRPr>
+          </a:p>
+        </p:txBody>
+      </p:sp>
+      <p:pic>
+        <p:nvPicPr>
+          <p:cNvPr id="183" name="Picture 1" descr=""/>
+          <p:cNvPicPr/>
+          <p:nvPr/>
+        </p:nvPicPr>
+        <p:blipFill>
+          <a:blip r:embed="rId2"/>
+          <a:stretch/>
+        </p:blipFill>
+        <p:spPr>
+          <a:xfrm>
+            <a:off x="0" y="0"/>
+            <a:ext cx="9142560" cy="6856560"/>
+          </a:xfrm>
+          <a:prstGeom prst="rect">
+            <a:avLst/>
+          </a:prstGeom>
+          <a:ln>
+            <a:noFill/>
+          </a:ln>
+        </p:spPr>
+      </p:pic>
+      <p:sp>
+        <p:nvSpPr>
+          <p:cNvPr id="184" name="PlaceHolder 4"/>
+          <p:cNvSpPr>
+            <a:spLocks noGrp="1"/>
+          </p:cNvSpPr>
+          <p:nvPr>
+            <p:ph type="title"/>
+          </p:nvPr>
+        </p:nvSpPr>
+        <p:spPr>
+          <a:xfrm>
+            <a:off x="457200" y="273600"/>
             <a:ext cx="8229240" cy="1144800"/>
           </a:xfrm>
           <a:prstGeom prst="rect">
@@ -7128,13 +9066,13 @@
               <a:rPr b="0" lang="en-US" sz="4400" spc="-1" strike="noStrike">
                 <a:latin typeface="Arial"/>
               </a:rPr>
-              <a:t>Click </a:t>
+              <a:t>Clic</a:t>
             </a:r>
             <a:r>
               <a:rPr b="0" lang="en-US" sz="4400" spc="-1" strike="noStrike">
                 <a:latin typeface="Arial"/>
               </a:rPr>
-              <a:t>to </a:t>
+              <a:t>k to </a:t>
             </a:r>
             <a:r>
               <a:rPr b="0" lang="en-US" sz="4400" spc="-1" strike="noStrike">
@@ -7164,13 +9102,13 @@
               <a:rPr b="0" lang="en-US" sz="4400" spc="-1" strike="noStrike">
                 <a:latin typeface="Arial"/>
               </a:rPr>
-              <a:t>forma</a:t>
+              <a:t>form</a:t>
             </a:r>
             <a:r>
               <a:rPr b="0" lang="en-US" sz="4400" spc="-1" strike="noStrike">
                 <a:latin typeface="Arial"/>
               </a:rPr>
-              <a:t>t</a:t>
+              <a:t>at</a:t>
             </a:r>
             <a:endParaRPr b="0" lang="en-US" sz="4400" spc="-1" strike="noStrike">
               <a:latin typeface="Arial"/>
@@ -7180,7 +9118,7 @@
       </p:sp>
       <p:sp>
         <p:nvSpPr>
-          <p:cNvPr id="139" name="PlaceHolder 5"/>
+          <p:cNvPr id="185" name="PlaceHolder 5"/>
           <p:cNvSpPr>
             <a:spLocks noGrp="1"/>
           </p:cNvSpPr>
@@ -7361,18 +9299,18 @@
   </p:cSld>
   <p:clrMap bg1="lt1" bg2="lt2" tx1="dk1" tx2="dk2" accent1="accent1" accent2="accent2" accent3="accent3" accent4="accent4" accent5="accent5" accent6="accent6" hlink="hlink" folHlink="folHlink"/>
   <p:sldLayoutIdLst>
-    <p:sldLayoutId id="2147483688" r:id="rId3"/>
-    <p:sldLayoutId id="2147483689" r:id="rId4"/>
-    <p:sldLayoutId id="2147483690" r:id="rId5"/>
-    <p:sldLayoutId id="2147483691" r:id="rId6"/>
-    <p:sldLayoutId id="2147483692" r:id="rId7"/>
-    <p:sldLayoutId id="2147483693" r:id="rId8"/>
-    <p:sldLayoutId id="2147483694" r:id="rId9"/>
-    <p:sldLayoutId id="2147483695" r:id="rId10"/>
-    <p:sldLayoutId id="2147483696" r:id="rId11"/>
-    <p:sldLayoutId id="2147483697" r:id="rId12"/>
-    <p:sldLayoutId id="2147483698" r:id="rId13"/>
-    <p:sldLayoutId id="2147483699" r:id="rId14"/>
+    <p:sldLayoutId id="2147483701" r:id="rId3"/>
+    <p:sldLayoutId id="2147483702" r:id="rId4"/>
+    <p:sldLayoutId id="2147483703" r:id="rId5"/>
+    <p:sldLayoutId id="2147483704" r:id="rId6"/>
+    <p:sldLayoutId id="2147483705" r:id="rId7"/>
+    <p:sldLayoutId id="2147483706" r:id="rId8"/>
+    <p:sldLayoutId id="2147483707" r:id="rId9"/>
+    <p:sldLayoutId id="2147483708" r:id="rId10"/>
+    <p:sldLayoutId id="2147483709" r:id="rId11"/>
+    <p:sldLayoutId id="2147483710" r:id="rId12"/>
+    <p:sldLayoutId id="2147483711" r:id="rId13"/>
+    <p:sldLayoutId id="2147483712" r:id="rId14"/>
   </p:sldLayoutIdLst>
 </p:sldMaster>
 </file>
@@ -7396,14 +9334,14 @@
       </p:grpSpPr>
       <p:sp>
         <p:nvSpPr>
-          <p:cNvPr id="176" name="CustomShape 1"/>
+          <p:cNvPr id="222" name="CustomShape 1"/>
           <p:cNvSpPr/>
           <p:nvPr/>
         </p:nvSpPr>
         <p:spPr>
           <a:xfrm>
             <a:off x="550800" y="2529000"/>
-            <a:ext cx="8101440" cy="1808640"/>
+            <a:ext cx="8101080" cy="1808280"/>
           </a:xfrm>
           <a:prstGeom prst="rect">
             <a:avLst/>
@@ -7447,14 +9385,14 @@
       </p:sp>
       <p:sp>
         <p:nvSpPr>
-          <p:cNvPr id="177" name="CustomShape 2"/>
+          <p:cNvPr id="223" name="CustomShape 2"/>
           <p:cNvSpPr/>
           <p:nvPr/>
         </p:nvSpPr>
         <p:spPr>
           <a:xfrm>
             <a:off x="490680" y="3867120"/>
-            <a:ext cx="8101440" cy="494280"/>
+            <a:ext cx="8101080" cy="493920"/>
           </a:xfrm>
           <a:prstGeom prst="rect">
             <a:avLst/>
@@ -7504,14 +9442,14 @@
       </p:sp>
       <p:sp>
         <p:nvSpPr>
-          <p:cNvPr id="178" name="CustomShape 3"/>
+          <p:cNvPr id="224" name="CustomShape 3"/>
           <p:cNvSpPr/>
           <p:nvPr/>
         </p:nvSpPr>
         <p:spPr>
           <a:xfrm>
             <a:off x="550800" y="5372280"/>
-            <a:ext cx="8101440" cy="275040"/>
+            <a:ext cx="8101080" cy="274680"/>
           </a:xfrm>
           <a:prstGeom prst="rect">
             <a:avLst/>
@@ -7561,14 +9499,14 @@
       </p:sp>
       <p:sp>
         <p:nvSpPr>
-          <p:cNvPr id="179" name="CustomShape 4"/>
+          <p:cNvPr id="225" name="CustomShape 4"/>
           <p:cNvSpPr/>
           <p:nvPr/>
         </p:nvSpPr>
         <p:spPr>
           <a:xfrm>
             <a:off x="550800" y="5648400"/>
-            <a:ext cx="8101440" cy="284760"/>
+            <a:ext cx="8101080" cy="284400"/>
           </a:xfrm>
           <a:prstGeom prst="rect">
             <a:avLst/>
@@ -7648,14 +9586,14 @@
       </p:grpSpPr>
       <p:sp>
         <p:nvSpPr>
-          <p:cNvPr id="218" name="CustomShape 1"/>
+          <p:cNvPr id="264" name="CustomShape 1"/>
           <p:cNvSpPr/>
           <p:nvPr/>
         </p:nvSpPr>
         <p:spPr>
           <a:xfrm>
             <a:off x="457200" y="1454040"/>
-            <a:ext cx="8228520" cy="4214520"/>
+            <a:ext cx="8228160" cy="4214160"/>
           </a:xfrm>
           <a:prstGeom prst="rect">
             <a:avLst/>
@@ -7676,7 +9614,7 @@
             <a:normAutofit fontScale="93000"/>
           </a:bodyPr>
           <a:p>
-            <a:pPr marL="216000" indent="-215640">
+            <a:pPr marL="216000" indent="-215280">
               <a:lnSpc>
                 <a:spcPct val="100000"/>
               </a:lnSpc>
@@ -7730,7 +9668,7 @@
             </a:endParaRPr>
           </a:p>
           <a:p>
-            <a:pPr lvl="1" marL="432000" indent="-215640">
+            <a:pPr lvl="1" marL="432000" indent="-215280">
               <a:lnSpc>
                 <a:spcPct val="100000"/>
               </a:lnSpc>
@@ -7784,7 +9722,7 @@
             </a:endParaRPr>
           </a:p>
           <a:p>
-            <a:pPr marL="216000" indent="-215640">
+            <a:pPr marL="216000" indent="-215280">
               <a:lnSpc>
                 <a:spcPct val="100000"/>
               </a:lnSpc>
@@ -7838,7 +9776,7 @@
             </a:endParaRPr>
           </a:p>
           <a:p>
-            <a:pPr lvl="1" marL="432000" indent="-215640">
+            <a:pPr lvl="1" marL="432000" indent="-215280">
               <a:lnSpc>
                 <a:spcPct val="100000"/>
               </a:lnSpc>
@@ -7892,7 +9830,7 @@
             </a:endParaRPr>
           </a:p>
           <a:p>
-            <a:pPr lvl="1" marL="432000" indent="-215640">
+            <a:pPr lvl="1" marL="432000" indent="-215280">
               <a:lnSpc>
                 <a:spcPct val="100000"/>
               </a:lnSpc>
@@ -7946,7 +9884,7 @@
             </a:endParaRPr>
           </a:p>
           <a:p>
-            <a:pPr marL="216000" indent="-215640">
+            <a:pPr marL="216000" indent="-215280">
               <a:lnSpc>
                 <a:spcPct val="100000"/>
               </a:lnSpc>
@@ -8000,7 +9938,7 @@
             </a:endParaRPr>
           </a:p>
           <a:p>
-            <a:pPr lvl="1" marL="432000" indent="-215640">
+            <a:pPr lvl="1" marL="432000" indent="-215280">
               <a:lnSpc>
                 <a:spcPct val="100000"/>
               </a:lnSpc>
@@ -8054,7 +9992,7 @@
             </a:endParaRPr>
           </a:p>
           <a:p>
-            <a:pPr lvl="1" marL="432000" indent="-215640">
+            <a:pPr lvl="1" marL="432000" indent="-215280">
               <a:lnSpc>
                 <a:spcPct val="100000"/>
               </a:lnSpc>
@@ -8108,7 +10046,7 @@
             </a:endParaRPr>
           </a:p>
           <a:p>
-            <a:pPr marL="216000" indent="-215640">
+            <a:pPr marL="216000" indent="-215280">
               <a:lnSpc>
                 <a:spcPct val="100000"/>
               </a:lnSpc>
@@ -8162,7 +10100,7 @@
             </a:endParaRPr>
           </a:p>
           <a:p>
-            <a:pPr lvl="1" marL="432000" indent="-215640">
+            <a:pPr lvl="1" marL="432000" indent="-215280">
               <a:lnSpc>
                 <a:spcPct val="100000"/>
               </a:lnSpc>
@@ -8333,14 +10271,14 @@
       </p:sp>
       <p:sp>
         <p:nvSpPr>
-          <p:cNvPr id="219" name="CustomShape 2"/>
+          <p:cNvPr id="265" name="CustomShape 2"/>
           <p:cNvSpPr/>
           <p:nvPr/>
         </p:nvSpPr>
         <p:spPr>
           <a:xfrm>
             <a:off x="457200" y="363960"/>
-            <a:ext cx="8228520" cy="769680"/>
+            <a:ext cx="8228160" cy="769320"/>
           </a:xfrm>
           <a:prstGeom prst="rect">
             <a:avLst/>
@@ -8384,14 +10322,14 @@
       </p:sp>
       <p:sp>
         <p:nvSpPr>
-          <p:cNvPr id="220" name="CustomShape 3"/>
+          <p:cNvPr id="266" name="CustomShape 3"/>
           <p:cNvSpPr/>
           <p:nvPr/>
         </p:nvSpPr>
         <p:spPr>
           <a:xfrm>
             <a:off x="457200" y="6272640"/>
-            <a:ext cx="2471040" cy="363960"/>
+            <a:ext cx="2470680" cy="363600"/>
           </a:xfrm>
           <a:prstGeom prst="rect">
             <a:avLst/>
@@ -8465,14 +10403,14 @@
       </p:grpSpPr>
       <p:sp>
         <p:nvSpPr>
-          <p:cNvPr id="221" name="CustomShape 1"/>
+          <p:cNvPr id="267" name="CustomShape 1"/>
           <p:cNvSpPr/>
           <p:nvPr/>
         </p:nvSpPr>
         <p:spPr>
           <a:xfrm>
             <a:off x="457200" y="1454040"/>
-            <a:ext cx="8228520" cy="2788200"/>
+            <a:ext cx="8228160" cy="2787840"/>
           </a:xfrm>
           <a:prstGeom prst="rect">
             <a:avLst/>
@@ -8493,7 +10431,7 @@
             <a:noAutofit/>
           </a:bodyPr>
           <a:p>
-            <a:pPr marL="343080" indent="-342000">
+            <a:pPr marL="343080" indent="-341640">
               <a:lnSpc>
                 <a:spcPct val="100000"/>
               </a:lnSpc>
@@ -8546,7 +10484,7 @@
             </a:endParaRPr>
           </a:p>
           <a:p>
-            <a:pPr lvl="1" marL="432000" indent="-216000">
+            <a:pPr lvl="1" marL="432000" indent="-215640">
               <a:lnSpc>
                 <a:spcPct val="100000"/>
               </a:lnSpc>
@@ -8600,7 +10538,7 @@
             </a:endParaRPr>
           </a:p>
           <a:p>
-            <a:pPr lvl="1" marL="432000" indent="-216000">
+            <a:pPr lvl="1" marL="432000" indent="-215640">
               <a:lnSpc>
                 <a:spcPct val="100000"/>
               </a:lnSpc>
@@ -8654,7 +10592,7 @@
             </a:endParaRPr>
           </a:p>
           <a:p>
-            <a:pPr lvl="1" marL="432000" indent="-216000">
+            <a:pPr lvl="1" marL="432000" indent="-215640">
               <a:lnSpc>
                 <a:spcPct val="100000"/>
               </a:lnSpc>
@@ -8708,7 +10646,7 @@
             </a:endParaRPr>
           </a:p>
           <a:p>
-            <a:pPr lvl="1" marL="432000" indent="-216000">
+            <a:pPr lvl="1" marL="432000" indent="-215640">
               <a:lnSpc>
                 <a:spcPct val="100000"/>
               </a:lnSpc>
@@ -8762,7 +10700,7 @@
             </a:endParaRPr>
           </a:p>
           <a:p>
-            <a:pPr marL="343080" indent="-342000">
+            <a:pPr marL="343080" indent="-341640">
               <a:lnSpc>
                 <a:spcPct val="100000"/>
               </a:lnSpc>
@@ -8815,7 +10753,7 @@
             </a:endParaRPr>
           </a:p>
           <a:p>
-            <a:pPr lvl="1" marL="432000" indent="-216000">
+            <a:pPr lvl="1" marL="432000" indent="-215640">
               <a:lnSpc>
                 <a:spcPct val="100000"/>
               </a:lnSpc>
@@ -8869,7 +10807,7 @@
             </a:endParaRPr>
           </a:p>
           <a:p>
-            <a:pPr lvl="1" marL="432000" indent="-216000">
+            <a:pPr lvl="1" marL="432000" indent="-215640">
               <a:lnSpc>
                 <a:spcPct val="100000"/>
               </a:lnSpc>
@@ -8923,7 +10861,7 @@
             </a:endParaRPr>
           </a:p>
           <a:p>
-            <a:pPr lvl="1" marL="432000" indent="-216000">
+            <a:pPr lvl="1" marL="432000" indent="-215640">
               <a:lnSpc>
                 <a:spcPct val="100000"/>
               </a:lnSpc>
@@ -8980,14 +10918,14 @@
       </p:sp>
       <p:sp>
         <p:nvSpPr>
-          <p:cNvPr id="222" name="CustomShape 2"/>
+          <p:cNvPr id="268" name="CustomShape 2"/>
           <p:cNvSpPr/>
           <p:nvPr/>
         </p:nvSpPr>
         <p:spPr>
           <a:xfrm>
             <a:off x="457200" y="363960"/>
-            <a:ext cx="8228520" cy="769680"/>
+            <a:ext cx="8228160" cy="769320"/>
           </a:xfrm>
           <a:prstGeom prst="rect">
             <a:avLst/>
@@ -9031,14 +10969,14 @@
       </p:sp>
       <p:sp>
         <p:nvSpPr>
-          <p:cNvPr id="223" name="CustomShape 3"/>
+          <p:cNvPr id="269" name="CustomShape 3"/>
           <p:cNvSpPr/>
           <p:nvPr/>
         </p:nvSpPr>
         <p:spPr>
           <a:xfrm>
             <a:off x="457200" y="6272640"/>
-            <a:ext cx="2471040" cy="363960"/>
+            <a:ext cx="2470680" cy="363600"/>
           </a:xfrm>
           <a:prstGeom prst="rect">
             <a:avLst/>
@@ -9112,14 +11050,14 @@
       </p:grpSpPr>
       <p:sp>
         <p:nvSpPr>
-          <p:cNvPr id="224" name="CustomShape 1"/>
+          <p:cNvPr id="270" name="CustomShape 1"/>
           <p:cNvSpPr/>
           <p:nvPr/>
         </p:nvSpPr>
         <p:spPr>
           <a:xfrm>
             <a:off x="457200" y="1454040"/>
-            <a:ext cx="8228520" cy="2788200"/>
+            <a:ext cx="8228160" cy="2787840"/>
           </a:xfrm>
           <a:prstGeom prst="rect">
             <a:avLst/>
@@ -9216,7 +11154,7 @@
             </a:endParaRPr>
           </a:p>
           <a:p>
-            <a:pPr marL="342720" indent="-340560">
+            <a:pPr marL="342720" indent="-340200">
               <a:lnSpc>
                 <a:spcPct val="100000"/>
               </a:lnSpc>
@@ -9235,14 +11173,14 @@
       </p:sp>
       <p:sp>
         <p:nvSpPr>
-          <p:cNvPr id="225" name="CustomShape 2"/>
+          <p:cNvPr id="271" name="CustomShape 2"/>
           <p:cNvSpPr/>
           <p:nvPr/>
         </p:nvSpPr>
         <p:spPr>
           <a:xfrm>
             <a:off x="457200" y="363960"/>
-            <a:ext cx="8228520" cy="769680"/>
+            <a:ext cx="8228160" cy="769320"/>
           </a:xfrm>
           <a:prstGeom prst="rect">
             <a:avLst/>
@@ -9286,14 +11224,14 @@
       </p:sp>
       <p:sp>
         <p:nvSpPr>
-          <p:cNvPr id="226" name="CustomShape 3"/>
+          <p:cNvPr id="272" name="CustomShape 3"/>
           <p:cNvSpPr/>
           <p:nvPr/>
         </p:nvSpPr>
         <p:spPr>
           <a:xfrm>
             <a:off x="457200" y="6272640"/>
-            <a:ext cx="2471040" cy="363960"/>
+            <a:ext cx="2470680" cy="363600"/>
           </a:xfrm>
           <a:prstGeom prst="rect">
             <a:avLst/>
@@ -9337,14 +11275,14 @@
       </p:sp>
       <p:sp>
         <p:nvSpPr>
-          <p:cNvPr id="227" name="TextShape 4"/>
-          <p:cNvSpPr txBox="1"/>
+          <p:cNvPr id="273" name="CustomShape 4"/>
+          <p:cNvSpPr/>
           <p:nvPr/>
         </p:nvSpPr>
         <p:spPr>
           <a:xfrm>
             <a:off x="457200" y="273600"/>
-            <a:ext cx="8229240" cy="1144800"/>
+            <a:ext cx="8228880" cy="1144440"/>
           </a:xfrm>
           <a:prstGeom prst="rect">
             <a:avLst/>
@@ -9354,21 +11292,16 @@
             <a:noFill/>
           </a:ln>
         </p:spPr>
-        <p:txBody>
-          <a:bodyPr lIns="0" rIns="0" tIns="0" bIns="0" anchor="ctr">
-            <a:noAutofit/>
-          </a:bodyPr>
-          <a:p>
-            <a:pPr algn="ctr"/>
-            <a:endParaRPr b="0" lang="en-US" sz="4400" spc="-1" strike="noStrike">
-              <a:latin typeface="Arial"/>
-            </a:endParaRPr>
-          </a:p>
-        </p:txBody>
+        <p:style>
+          <a:lnRef idx="0"/>
+          <a:fillRef idx="0"/>
+          <a:effectRef idx="0"/>
+          <a:fontRef idx="minor"/>
+        </p:style>
       </p:sp>
       <p:pic>
         <p:nvPicPr>
-          <p:cNvPr id="228" name="" descr=""/>
+          <p:cNvPr id="274" name="" descr=""/>
           <p:cNvPicPr/>
           <p:nvPr/>
         </p:nvPicPr>
@@ -9379,7 +11312,7 @@
         <p:spPr>
           <a:xfrm>
             <a:off x="456840" y="2345400"/>
-            <a:ext cx="8229240" cy="2495520"/>
+            <a:ext cx="8228880" cy="2495160"/>
           </a:xfrm>
           <a:prstGeom prst="rect">
             <a:avLst/>
@@ -9421,14 +11354,14 @@
       </p:grpSpPr>
       <p:sp>
         <p:nvSpPr>
-          <p:cNvPr id="229" name="CustomShape 1"/>
+          <p:cNvPr id="275" name="CustomShape 1"/>
           <p:cNvSpPr/>
           <p:nvPr/>
         </p:nvSpPr>
         <p:spPr>
           <a:xfrm>
             <a:off x="457200" y="1454040"/>
-            <a:ext cx="8228520" cy="2788200"/>
+            <a:ext cx="8228160" cy="2787840"/>
           </a:xfrm>
           <a:prstGeom prst="rect">
             <a:avLst/>
@@ -9490,17 +11423,7 @@
                 <a:latin typeface="Arial"/>
                 <a:ea typeface="DejaVu Sans"/>
               </a:rPr>
-              <a:t>Eksperiments ar dabiskiem un sintētiskiem datiem mainīgā svarīguma </a:t>
-            </a:r>
-            <a:r>
-              <a:rPr b="0" lang="en-US" sz="2000" spc="-1" strike="noStrike">
-                <a:solidFill>
-                  <a:srgbClr val="005551"/>
-                </a:solidFill>
-                <a:latin typeface="Arial"/>
-                <a:ea typeface="DejaVu Sans"/>
-              </a:rPr>
-              <a:t>(globālas izskaidrojamības metodes) efektivitātes novērtēšanai</a:t>
+              <a:t>Eksperiments ar dabiskiem un sintētiskiem datiem mainīgā svarīguma (globālas izskaidrojamības metodes) efektivitātes novērtēšanai</a:t>
             </a:r>
             <a:endParaRPr b="0" lang="en-US" sz="2000" spc="-1" strike="noStrike">
               <a:latin typeface="Arial"/>
@@ -9689,7 +11612,7 @@
             </a:endParaRPr>
           </a:p>
           <a:p>
-            <a:pPr marL="342720" indent="-340560">
+            <a:pPr marL="342720" indent="-340200">
               <a:lnSpc>
                 <a:spcPct val="100000"/>
               </a:lnSpc>
@@ -9708,14 +11631,14 @@
       </p:sp>
       <p:sp>
         <p:nvSpPr>
-          <p:cNvPr id="230" name="CustomShape 2"/>
+          <p:cNvPr id="276" name="CustomShape 2"/>
           <p:cNvSpPr/>
           <p:nvPr/>
         </p:nvSpPr>
         <p:spPr>
           <a:xfrm>
             <a:off x="457200" y="363960"/>
-            <a:ext cx="8228520" cy="769680"/>
+            <a:ext cx="8228160" cy="769320"/>
           </a:xfrm>
           <a:prstGeom prst="rect">
             <a:avLst/>
@@ -9759,14 +11682,14 @@
       </p:sp>
       <p:sp>
         <p:nvSpPr>
-          <p:cNvPr id="231" name="CustomShape 3"/>
+          <p:cNvPr id="277" name="CustomShape 3"/>
           <p:cNvSpPr/>
           <p:nvPr/>
         </p:nvSpPr>
         <p:spPr>
           <a:xfrm>
             <a:off x="457200" y="6272640"/>
-            <a:ext cx="2471040" cy="363960"/>
+            <a:ext cx="2470680" cy="363600"/>
           </a:xfrm>
           <a:prstGeom prst="rect">
             <a:avLst/>
@@ -9840,14 +11763,14 @@
       </p:grpSpPr>
       <p:sp>
         <p:nvSpPr>
-          <p:cNvPr id="232" name="CustomShape 1"/>
+          <p:cNvPr id="278" name="CustomShape 1"/>
           <p:cNvSpPr/>
           <p:nvPr/>
         </p:nvSpPr>
         <p:spPr>
           <a:xfrm>
             <a:off x="457200" y="1454040"/>
-            <a:ext cx="8228520" cy="2788200"/>
+            <a:ext cx="8228160" cy="2787840"/>
           </a:xfrm>
           <a:prstGeom prst="rect">
             <a:avLst/>
@@ -9906,7 +11829,7 @@
             </a:endParaRPr>
           </a:p>
           <a:p>
-            <a:pPr marL="342720" indent="-340560">
+            <a:pPr marL="342720" indent="-340200">
               <a:lnSpc>
                 <a:spcPct val="100000"/>
               </a:lnSpc>
@@ -9925,14 +11848,14 @@
       </p:sp>
       <p:sp>
         <p:nvSpPr>
-          <p:cNvPr id="233" name="CustomShape 2"/>
+          <p:cNvPr id="279" name="CustomShape 2"/>
           <p:cNvSpPr/>
           <p:nvPr/>
         </p:nvSpPr>
         <p:spPr>
           <a:xfrm>
             <a:off x="457200" y="363960"/>
-            <a:ext cx="8228520" cy="769680"/>
+            <a:ext cx="8228160" cy="769320"/>
           </a:xfrm>
           <a:prstGeom prst="rect">
             <a:avLst/>
@@ -9966,67 +11889,7 @@
                 <a:latin typeface="Arial"/>
                 <a:ea typeface="DejaVu Sans"/>
               </a:rPr>
-              <a:t>Risin</a:t>
-            </a:r>
-            <a:r>
-              <a:rPr b="1" lang="en-US" sz="4400" spc="-1" strike="noStrike">
-                <a:solidFill>
-                  <a:srgbClr val="005551"/>
-                </a:solidFill>
-                <a:latin typeface="Arial"/>
-                <a:ea typeface="DejaVu Sans"/>
-              </a:rPr>
-              <a:t>ājum</a:t>
-            </a:r>
-            <a:r>
-              <a:rPr b="1" lang="en-US" sz="4400" spc="-1" strike="noStrike">
-                <a:solidFill>
-                  <a:srgbClr val="005551"/>
-                </a:solidFill>
-                <a:latin typeface="Arial"/>
-                <a:ea typeface="DejaVu Sans"/>
-              </a:rPr>
-              <a:t>a </a:t>
-            </a:r>
-            <a:r>
-              <a:rPr b="1" lang="en-US" sz="4400" spc="-1" strike="noStrike">
-                <a:solidFill>
-                  <a:srgbClr val="005551"/>
-                </a:solidFill>
-                <a:latin typeface="Arial"/>
-                <a:ea typeface="DejaVu Sans"/>
-              </a:rPr>
-              <a:t>pārb</a:t>
-            </a:r>
-            <a:r>
-              <a:rPr b="1" lang="en-US" sz="4400" spc="-1" strike="noStrike">
-                <a:solidFill>
-                  <a:srgbClr val="005551"/>
-                </a:solidFill>
-                <a:latin typeface="Arial"/>
-                <a:ea typeface="DejaVu Sans"/>
-              </a:rPr>
-              <a:t>aude</a:t>
-            </a:r>
-            <a:r>
-              <a:rPr b="1" lang="en-US" sz="4400" spc="-1" strike="noStrike">
-                <a:solidFill>
-                  <a:srgbClr val="005551"/>
-                </a:solidFill>
-                <a:latin typeface="Arial"/>
-                <a:ea typeface="DejaVu Sans"/>
-              </a:rPr>
-              <a:t>s </a:t>
-            </a:r>
-            <a:r>
-              <a:rPr b="1" lang="en-US" sz="4400" spc="-1" strike="noStrike">
-                <a:solidFill>
-                  <a:srgbClr val="005551"/>
-                </a:solidFill>
-                <a:latin typeface="Arial"/>
-                <a:ea typeface="DejaVu Sans"/>
-              </a:rPr>
-              <a:t>daļa</a:t>
+              <a:t>Risinājuma pārbaudes daļa</a:t>
             </a:r>
             <a:endParaRPr b="0" lang="en-US" sz="4400" spc="-1" strike="noStrike">
               <a:latin typeface="Arial"/>
@@ -10036,14 +11899,14 @@
       </p:sp>
       <p:sp>
         <p:nvSpPr>
-          <p:cNvPr id="234" name="CustomShape 3"/>
+          <p:cNvPr id="280" name="CustomShape 3"/>
           <p:cNvSpPr/>
           <p:nvPr/>
         </p:nvSpPr>
         <p:spPr>
           <a:xfrm>
             <a:off x="457200" y="6272640"/>
-            <a:ext cx="2471040" cy="363960"/>
+            <a:ext cx="2470680" cy="363600"/>
           </a:xfrm>
           <a:prstGeom prst="rect">
             <a:avLst/>
@@ -10077,17 +11940,7 @@
                 <a:latin typeface="Arial"/>
                 <a:ea typeface="DejaVu Sans"/>
               </a:rPr>
-              <a:t>Rīgas Tehniskā </a:t>
-            </a:r>
-            <a:r>
-              <a:rPr b="0" lang="en-US" sz="1200" spc="-1" strike="noStrike">
-                <a:solidFill>
-                  <a:srgbClr val="6c6c6c"/>
-                </a:solidFill>
-                <a:latin typeface="Arial"/>
-                <a:ea typeface="DejaVu Sans"/>
-              </a:rPr>
-              <a:t>universitāte</a:t>
+              <a:t>Rīgas Tehniskā universitāte</a:t>
             </a:r>
             <a:endParaRPr b="0" lang="en-US" sz="1200" spc="-1" strike="noStrike">
               <a:latin typeface="Arial"/>
@@ -10097,7 +11950,7 @@
       </p:sp>
       <p:pic>
         <p:nvPicPr>
-          <p:cNvPr id="235" name="" descr=""/>
+          <p:cNvPr id="281" name="" descr=""/>
           <p:cNvPicPr/>
           <p:nvPr/>
         </p:nvPicPr>
@@ -10108,7 +11961,7 @@
         <p:spPr>
           <a:xfrm>
             <a:off x="274320" y="2067840"/>
-            <a:ext cx="8595360" cy="3692880"/>
+            <a:ext cx="8595000" cy="3692520"/>
           </a:xfrm>
           <a:prstGeom prst="rect">
             <a:avLst/>
@@ -10120,14 +11973,14 @@
       </p:pic>
       <p:sp>
         <p:nvSpPr>
-          <p:cNvPr id="236" name="TextShape 4"/>
-          <p:cNvSpPr txBox="1"/>
+          <p:cNvPr id="282" name="CustomShape 4"/>
+          <p:cNvSpPr/>
           <p:nvPr/>
         </p:nvSpPr>
         <p:spPr>
           <a:xfrm>
             <a:off x="274320" y="1465560"/>
-            <a:ext cx="3931920" cy="858240"/>
+            <a:ext cx="3931560" cy="857880"/>
           </a:xfrm>
           <a:prstGeom prst="rect">
             <a:avLst/>
@@ -10137,11 +11990,22 @@
             <a:noFill/>
           </a:ln>
         </p:spPr>
+        <p:style>
+          <a:lnRef idx="0"/>
+          <a:fillRef idx="0"/>
+          <a:effectRef idx="0"/>
+          <a:fontRef idx="minor"/>
+        </p:style>
         <p:txBody>
           <a:bodyPr lIns="90000" rIns="90000" tIns="45000" bIns="45000">
             <a:noAutofit/>
           </a:bodyPr>
           <a:p>
+            <a:pPr>
+              <a:lnSpc>
+                <a:spcPct val="100000"/>
+              </a:lnSpc>
+            </a:pPr>
             <a:r>
               <a:rPr b="0" lang="en-US" sz="1800" spc="-1" strike="noStrike">
                 <a:latin typeface="Arial"/>
@@ -10156,14 +12020,14 @@
       </p:sp>
       <p:sp>
         <p:nvSpPr>
-          <p:cNvPr id="237" name="TextShape 5"/>
-          <p:cNvSpPr txBox="1"/>
+          <p:cNvPr id="283" name="CustomShape 5"/>
+          <p:cNvSpPr/>
           <p:nvPr/>
         </p:nvSpPr>
         <p:spPr>
           <a:xfrm>
             <a:off x="274320" y="5852160"/>
-            <a:ext cx="5212080" cy="346320"/>
+            <a:ext cx="5211720" cy="345960"/>
           </a:xfrm>
           <a:prstGeom prst="rect">
             <a:avLst/>
@@ -10173,34 +12037,27 @@
             <a:noFill/>
           </a:ln>
         </p:spPr>
+        <p:style>
+          <a:lnRef idx="0"/>
+          <a:fillRef idx="0"/>
+          <a:effectRef idx="0"/>
+          <a:fontRef idx="minor"/>
+        </p:style>
         <p:txBody>
           <a:bodyPr lIns="90000" rIns="90000" tIns="45000" bIns="45000">
             <a:noAutofit/>
           </a:bodyPr>
           <a:p>
+            <a:pPr>
+              <a:lnSpc>
+                <a:spcPct val="100000"/>
+              </a:lnSpc>
+            </a:pPr>
             <a:r>
               <a:rPr b="0" lang="en-US" sz="1800" spc="-1" strike="noStrike">
                 <a:latin typeface="Arial"/>
               </a:rPr>
-              <a:t>Izvērtējums </a:t>
-            </a:r>
-            <a:r>
-              <a:rPr b="0" lang="en-US" sz="1800" spc="-1" strike="noStrike">
-                <a:latin typeface="Arial"/>
-              </a:rPr>
-              <a:t>tiek veikts 100 </a:t>
-            </a:r>
-            <a:r>
-              <a:rPr b="0" lang="en-US" sz="1800" spc="-1" strike="noStrike">
-                <a:latin typeface="Arial"/>
-              </a:rPr>
-              <a:t>reizes katrai </a:t>
-            </a:r>
-            <a:r>
-              <a:rPr b="0" lang="en-US" sz="1800" spc="-1" strike="noStrike">
-                <a:latin typeface="Arial"/>
-              </a:rPr>
-              <a:t>metodei</a:t>
+              <a:t>Izvērtējums tiek veikts 100 reizes katrai metodei</a:t>
             </a:r>
             <a:endParaRPr b="0" lang="en-US" sz="1800" spc="-1" strike="noStrike">
               <a:latin typeface="Arial"/>
@@ -10240,14 +12097,14 @@
       </p:grpSpPr>
       <p:sp>
         <p:nvSpPr>
-          <p:cNvPr id="238" name="CustomShape 1"/>
+          <p:cNvPr id="284" name="CustomShape 1"/>
           <p:cNvSpPr/>
           <p:nvPr/>
         </p:nvSpPr>
         <p:spPr>
           <a:xfrm>
             <a:off x="457200" y="1454040"/>
-            <a:ext cx="8228520" cy="2788200"/>
+            <a:ext cx="8228160" cy="2787840"/>
           </a:xfrm>
           <a:prstGeom prst="rect">
             <a:avLst/>
@@ -10306,7 +12163,7 @@
             </a:endParaRPr>
           </a:p>
           <a:p>
-            <a:pPr marL="342720" indent="-340560">
+            <a:pPr marL="342720" indent="-340200">
               <a:lnSpc>
                 <a:spcPct val="100000"/>
               </a:lnSpc>
@@ -10325,14 +12182,14 @@
       </p:sp>
       <p:sp>
         <p:nvSpPr>
-          <p:cNvPr id="239" name="CustomShape 2"/>
+          <p:cNvPr id="285" name="CustomShape 2"/>
           <p:cNvSpPr/>
           <p:nvPr/>
         </p:nvSpPr>
         <p:spPr>
           <a:xfrm>
             <a:off x="457200" y="363960"/>
-            <a:ext cx="8228520" cy="769680"/>
+            <a:ext cx="8228160" cy="769320"/>
           </a:xfrm>
           <a:prstGeom prst="rect">
             <a:avLst/>
@@ -10366,17 +12223,7 @@
                 <a:latin typeface="Arial"/>
                 <a:ea typeface="DejaVu Sans"/>
               </a:rPr>
-              <a:t>Metožu efektivitātes novērtējuma kritēriji </a:t>
-            </a:r>
-            <a:r>
-              <a:rPr b="1" lang="en-US" sz="3200" spc="-1" strike="noStrike">
-                <a:solidFill>
-                  <a:srgbClr val="005551"/>
-                </a:solidFill>
-                <a:latin typeface="Arial"/>
-                <a:ea typeface="DejaVu Sans"/>
-              </a:rPr>
-              <a:t>1.-3. (dabiskie dati)</a:t>
+              <a:t>Metožu efektivitātes novērtējuma kritēriji 1.-3. (dabiskie dati)</a:t>
             </a:r>
             <a:endParaRPr b="0" lang="en-US" sz="3200" spc="-1" strike="noStrike">
               <a:latin typeface="Arial"/>
@@ -10406,14 +12253,14 @@
       </p:sp>
       <p:sp>
         <p:nvSpPr>
-          <p:cNvPr id="240" name="CustomShape 3"/>
+          <p:cNvPr id="286" name="CustomShape 3"/>
           <p:cNvSpPr/>
           <p:nvPr/>
         </p:nvSpPr>
         <p:spPr>
           <a:xfrm>
             <a:off x="457200" y="6272640"/>
-            <a:ext cx="2471040" cy="363960"/>
+            <a:ext cx="2470680" cy="363600"/>
           </a:xfrm>
           <a:prstGeom prst="rect">
             <a:avLst/>
@@ -10447,17 +12294,7 @@
                 <a:latin typeface="Arial"/>
                 <a:ea typeface="DejaVu Sans"/>
               </a:rPr>
-              <a:t>Rīgas Tehniskā </a:t>
-            </a:r>
-            <a:r>
-              <a:rPr b="0" lang="en-US" sz="1200" spc="-1" strike="noStrike">
-                <a:solidFill>
-                  <a:srgbClr val="6c6c6c"/>
-                </a:solidFill>
-                <a:latin typeface="Arial"/>
-                <a:ea typeface="DejaVu Sans"/>
-              </a:rPr>
-              <a:t>universitāte</a:t>
+              <a:t>Rīgas Tehniskā universitāte</a:t>
             </a:r>
             <a:endParaRPr b="0" lang="en-US" sz="1200" spc="-1" strike="noStrike">
               <a:latin typeface="Arial"/>
@@ -10467,7 +12304,7 @@
       </p:sp>
       <p:pic>
         <p:nvPicPr>
-          <p:cNvPr id="241" name="" descr=""/>
+          <p:cNvPr id="287" name="" descr=""/>
           <p:cNvPicPr/>
           <p:nvPr/>
         </p:nvPicPr>
@@ -10478,7 +12315,7 @@
         <p:spPr>
           <a:xfrm>
             <a:off x="3931920" y="1645920"/>
-            <a:ext cx="5120280" cy="3413520"/>
+            <a:ext cx="5119920" cy="3413160"/>
           </a:xfrm>
           <a:prstGeom prst="rect">
             <a:avLst/>
@@ -10490,14 +12327,14 @@
       </p:pic>
       <p:sp>
         <p:nvSpPr>
-          <p:cNvPr id="242" name="TextShape 4"/>
-          <p:cNvSpPr txBox="1"/>
+          <p:cNvPr id="288" name="CustomShape 4"/>
+          <p:cNvSpPr/>
           <p:nvPr/>
         </p:nvSpPr>
         <p:spPr>
           <a:xfrm>
             <a:off x="365760" y="2030040"/>
-            <a:ext cx="3566160" cy="1670400"/>
+            <a:ext cx="3565800" cy="1670040"/>
           </a:xfrm>
           <a:prstGeom prst="rect">
             <a:avLst/>
@@ -10507,11 +12344,22 @@
             <a:noFill/>
           </a:ln>
         </p:spPr>
+        <p:style>
+          <a:lnRef idx="0"/>
+          <a:fillRef idx="0"/>
+          <a:effectRef idx="0"/>
+          <a:fontRef idx="minor"/>
+        </p:style>
         <p:txBody>
           <a:bodyPr lIns="90000" rIns="90000" tIns="45000" bIns="45000">
             <a:noAutofit/>
           </a:bodyPr>
           <a:p>
+            <a:pPr>
+              <a:lnSpc>
+                <a:spcPct val="100000"/>
+              </a:lnSpc>
+            </a:pPr>
             <a:r>
               <a:rPr b="0" lang="en-US" sz="1600" spc="-1" strike="noStrike">
                 <a:latin typeface="Arial"/>
@@ -10523,22 +12371,22 @@
                 <a:latin typeface="Arial"/>
                 <a:ea typeface="Noto Sans CJK SC"/>
               </a:rPr>
-              <a:t>modeļa uzlabojums (zem sarkanās līnijas)</a:t>
+              <a:t>modeļa uzlabojums (zem sarkanās līnijas) </a:t>
             </a:r>
+            <a:endParaRPr b="0" lang="en-US" sz="1600" spc="-1" strike="noStrike">
+              <a:latin typeface="Arial"/>
+            </a:endParaRPr>
+          </a:p>
+          <a:p>
+            <a:pPr>
+              <a:lnSpc>
+                <a:spcPct val="100000"/>
+              </a:lnSpc>
+            </a:pPr>
             <a:r>
               <a:rPr b="0" lang="en-US" sz="1600" spc="-1" strike="noStrike">
                 <a:latin typeface="Arial"/>
-              </a:rPr>
-              <a:t> </a:t>
-            </a:r>
-            <a:endParaRPr b="0" lang="en-US" sz="1600" spc="-1" strike="noStrike">
-              <a:latin typeface="Arial"/>
-            </a:endParaRPr>
-          </a:p>
-          <a:p>
-            <a:r>
-              <a:rPr b="0" lang="en-US" sz="1600" spc="-1" strike="noStrike">
-                <a:latin typeface="Arial"/>
+                <a:ea typeface="Noto Sans CJK SC"/>
               </a:rPr>
               <a:t>Kritērijs 2: lieko mainīgo nomešana (virs sarkanās līnijas)</a:t>
             </a:r>
@@ -10547,9 +12395,15 @@
             </a:endParaRPr>
           </a:p>
           <a:p>
+            <a:pPr>
+              <a:lnSpc>
+                <a:spcPct val="100000"/>
+              </a:lnSpc>
+            </a:pPr>
             <a:r>
               <a:rPr b="0" lang="en-US" sz="1600" spc="-1" strike="noStrike">
                 <a:latin typeface="Arial"/>
+                <a:ea typeface="Noto Sans CJK SC"/>
               </a:rPr>
               <a:t>Kritērijs 3: minimāla modeļa (&gt;80% no mainīgajiem nomest) veiktspēja (zaļā līnija)</a:t>
             </a:r>
@@ -10591,14 +12445,14 @@
       </p:grpSpPr>
       <p:sp>
         <p:nvSpPr>
-          <p:cNvPr id="243" name="CustomShape 1"/>
+          <p:cNvPr id="289" name="CustomShape 1"/>
           <p:cNvSpPr/>
           <p:nvPr/>
         </p:nvSpPr>
         <p:spPr>
           <a:xfrm>
             <a:off x="457200" y="1454040"/>
-            <a:ext cx="8228520" cy="2788200"/>
+            <a:ext cx="8228160" cy="2787840"/>
           </a:xfrm>
           <a:prstGeom prst="rect">
             <a:avLst/>
@@ -10657,7 +12511,7 @@
             </a:endParaRPr>
           </a:p>
           <a:p>
-            <a:pPr marL="342720" indent="-340560">
+            <a:pPr marL="342720" indent="-340200">
               <a:lnSpc>
                 <a:spcPct val="100000"/>
               </a:lnSpc>
@@ -10676,14 +12530,14 @@
       </p:sp>
       <p:sp>
         <p:nvSpPr>
-          <p:cNvPr id="244" name="CustomShape 2"/>
+          <p:cNvPr id="290" name="CustomShape 2"/>
           <p:cNvSpPr/>
           <p:nvPr/>
         </p:nvSpPr>
         <p:spPr>
           <a:xfrm>
             <a:off x="457200" y="363960"/>
-            <a:ext cx="8228520" cy="769680"/>
+            <a:ext cx="8228160" cy="769320"/>
           </a:xfrm>
           <a:prstGeom prst="rect">
             <a:avLst/>
@@ -10717,67 +12571,7 @@
                 <a:latin typeface="Arial"/>
                 <a:ea typeface="DejaVu Sans"/>
               </a:rPr>
-              <a:t>Metožu </a:t>
-            </a:r>
-            <a:r>
-              <a:rPr b="1" lang="en-US" sz="3200" spc="-1" strike="noStrike">
-                <a:solidFill>
-                  <a:srgbClr val="005551"/>
-                </a:solidFill>
-                <a:latin typeface="Arial"/>
-                <a:ea typeface="DejaVu Sans"/>
-              </a:rPr>
-              <a:t>efektivitāte</a:t>
-            </a:r>
-            <a:r>
-              <a:rPr b="1" lang="en-US" sz="3200" spc="-1" strike="noStrike">
-                <a:solidFill>
-                  <a:srgbClr val="005551"/>
-                </a:solidFill>
-                <a:latin typeface="Arial"/>
-                <a:ea typeface="DejaVu Sans"/>
-              </a:rPr>
-              <a:t>s </a:t>
-            </a:r>
-            <a:r>
-              <a:rPr b="1" lang="en-US" sz="3200" spc="-1" strike="noStrike">
-                <a:solidFill>
-                  <a:srgbClr val="005551"/>
-                </a:solidFill>
-                <a:latin typeface="Arial"/>
-                <a:ea typeface="DejaVu Sans"/>
-              </a:rPr>
-              <a:t>novērtējum</a:t>
-            </a:r>
-            <a:r>
-              <a:rPr b="1" lang="en-US" sz="3200" spc="-1" strike="noStrike">
-                <a:solidFill>
-                  <a:srgbClr val="005551"/>
-                </a:solidFill>
-                <a:latin typeface="Arial"/>
-                <a:ea typeface="DejaVu Sans"/>
-              </a:rPr>
-              <a:t>a kritēriji 4. </a:t>
-            </a:r>
-            <a:r>
-              <a:rPr b="1" lang="en-US" sz="3200" spc="-1" strike="noStrike">
-                <a:solidFill>
-                  <a:srgbClr val="005551"/>
-                </a:solidFill>
-                <a:latin typeface="Arial"/>
-                <a:ea typeface="DejaVu Sans"/>
-              </a:rPr>
-              <a:t>(sintētiskie </a:t>
-            </a:r>
-            <a:r>
-              <a:rPr b="1" lang="en-US" sz="3200" spc="-1" strike="noStrike">
-                <a:solidFill>
-                  <a:srgbClr val="005551"/>
-                </a:solidFill>
-                <a:latin typeface="Arial"/>
-                <a:ea typeface="DejaVu Sans"/>
-              </a:rPr>
-              <a:t>dati)</a:t>
+              <a:t>Metožu efektivitātes novērtējuma kritēriji 4. (sintētiskie dati)</a:t>
             </a:r>
             <a:endParaRPr b="0" lang="en-US" sz="3200" spc="-1" strike="noStrike">
               <a:latin typeface="Arial"/>
@@ -10807,14 +12601,14 @@
       </p:sp>
       <p:sp>
         <p:nvSpPr>
-          <p:cNvPr id="245" name="CustomShape 3"/>
+          <p:cNvPr id="291" name="CustomShape 3"/>
           <p:cNvSpPr/>
           <p:nvPr/>
         </p:nvSpPr>
         <p:spPr>
           <a:xfrm>
             <a:off x="457200" y="6272640"/>
-            <a:ext cx="2471040" cy="363960"/>
+            <a:ext cx="2470680" cy="363600"/>
           </a:xfrm>
           <a:prstGeom prst="rect">
             <a:avLst/>
@@ -10858,14 +12652,14 @@
       </p:sp>
       <p:sp>
         <p:nvSpPr>
-          <p:cNvPr id="246" name="TextShape 4"/>
-          <p:cNvSpPr txBox="1"/>
+          <p:cNvPr id="292" name="CustomShape 4"/>
+          <p:cNvSpPr/>
           <p:nvPr/>
         </p:nvSpPr>
         <p:spPr>
           <a:xfrm>
             <a:off x="365760" y="2030040"/>
-            <a:ext cx="3566160" cy="1444680"/>
+            <a:ext cx="3565800" cy="1444320"/>
           </a:xfrm>
           <a:prstGeom prst="rect">
             <a:avLst/>
@@ -10875,62 +12669,53 @@
             <a:noFill/>
           </a:ln>
         </p:spPr>
+        <p:style>
+          <a:lnRef idx="0"/>
+          <a:fillRef idx="0"/>
+          <a:effectRef idx="0"/>
+          <a:fontRef idx="minor"/>
+        </p:style>
         <p:txBody>
           <a:bodyPr lIns="90000" rIns="90000" tIns="45000" bIns="45000">
             <a:noAutofit/>
           </a:bodyPr>
           <a:p>
+            <a:pPr>
+              <a:lnSpc>
+                <a:spcPct val="100000"/>
+              </a:lnSpc>
+            </a:pPr>
             <a:r>
               <a:rPr b="0" lang="en-US" sz="1600" spc="-1" strike="noStrike">
                 <a:latin typeface="Arial"/>
               </a:rPr>
-              <a:t>Kritērijs 4: Cik no </a:t>
+              <a:t>Kritērijs 4: Cik no informātīvajiem mainīgajiem mainīgo svarīguma metode izvēlas?</a:t>
             </a:r>
+            <a:endParaRPr b="0" lang="en-US" sz="1600" spc="-1" strike="noStrike">
+              <a:latin typeface="Arial"/>
+            </a:endParaRPr>
+          </a:p>
+          <a:p>
+            <a:pPr>
+              <a:lnSpc>
+                <a:spcPct val="100000"/>
+              </a:lnSpc>
+            </a:pPr>
+            <a:endParaRPr b="0" lang="en-US" sz="1600" spc="-1" strike="noStrike">
+              <a:latin typeface="Arial"/>
+            </a:endParaRPr>
+          </a:p>
+          <a:p>
+            <a:pPr>
+              <a:lnSpc>
+                <a:spcPct val="100000"/>
+              </a:lnSpc>
+            </a:pPr>
             <a:r>
               <a:rPr b="0" lang="en-US" sz="1600" spc="-1" strike="noStrike">
                 <a:latin typeface="Arial"/>
               </a:rPr>
-              <a:t>informātīvajiem </a:t>
-            </a:r>
-            <a:r>
-              <a:rPr b="0" lang="en-US" sz="1600" spc="-1" strike="noStrike">
-                <a:latin typeface="Arial"/>
-              </a:rPr>
-              <a:t>mainīgajiem mainīgo </a:t>
-            </a:r>
-            <a:r>
-              <a:rPr b="0" lang="en-US" sz="1600" spc="-1" strike="noStrike">
-                <a:latin typeface="Arial"/>
-              </a:rPr>
-              <a:t>svarīguma metode izvēlas?</a:t>
-            </a:r>
-            <a:endParaRPr b="0" lang="en-US" sz="1600" spc="-1" strike="noStrike">
-              <a:latin typeface="Arial"/>
-            </a:endParaRPr>
-          </a:p>
-          <a:p>
-            <a:endParaRPr b="0" lang="en-US" sz="1600" spc="-1" strike="noStrike">
-              <a:latin typeface="Arial"/>
-            </a:endParaRPr>
-          </a:p>
-          <a:p>
-            <a:r>
-              <a:rPr b="0" lang="en-US" sz="1600" spc="-1" strike="noStrike">
-                <a:latin typeface="Arial"/>
-              </a:rPr>
-              <a:t>Sintētisko datu veidošanas </a:t>
-            </a:r>
-            <a:r>
-              <a:rPr b="0" lang="en-US" sz="1600" spc="-1" strike="noStrike">
-                <a:latin typeface="Arial"/>
-              </a:rPr>
-              <a:t>procesā ir zināms kuri </a:t>
-            </a:r>
-            <a:r>
-              <a:rPr b="0" lang="en-US" sz="1600" spc="-1" strike="noStrike">
-                <a:latin typeface="Arial"/>
-              </a:rPr>
-              <a:t>mainīgi ir lieki</a:t>
+              <a:t>Sintētisko datu veidošanas procesā ir zināms kuri mainīgi ir lieki</a:t>
             </a:r>
             <a:endParaRPr b="0" lang="en-US" sz="1600" spc="-1" strike="noStrike">
               <a:latin typeface="Arial"/>
@@ -10970,14 +12755,14 @@
       </p:grpSpPr>
       <p:sp>
         <p:nvSpPr>
-          <p:cNvPr id="247" name="CustomShape 1"/>
+          <p:cNvPr id="293" name="CustomShape 1"/>
           <p:cNvSpPr/>
           <p:nvPr/>
         </p:nvSpPr>
         <p:spPr>
           <a:xfrm>
             <a:off x="457200" y="1454040"/>
-            <a:ext cx="8228520" cy="2788200"/>
+            <a:ext cx="8228160" cy="2787840"/>
           </a:xfrm>
           <a:prstGeom prst="rect">
             <a:avLst/>
@@ -11036,7 +12821,7 @@
             </a:endParaRPr>
           </a:p>
           <a:p>
-            <a:pPr marL="342720" indent="-340560">
+            <a:pPr marL="342720" indent="-340200">
               <a:lnSpc>
                 <a:spcPct val="100000"/>
               </a:lnSpc>
@@ -11055,14 +12840,14 @@
       </p:sp>
       <p:sp>
         <p:nvSpPr>
-          <p:cNvPr id="248" name="CustomShape 2"/>
+          <p:cNvPr id="294" name="CustomShape 2"/>
           <p:cNvSpPr/>
           <p:nvPr/>
         </p:nvSpPr>
         <p:spPr>
           <a:xfrm>
             <a:off x="457200" y="363960"/>
-            <a:ext cx="8228520" cy="769680"/>
+            <a:ext cx="8228160" cy="769320"/>
           </a:xfrm>
           <a:prstGeom prst="rect">
             <a:avLst/>
@@ -11096,67 +12881,7 @@
                 <a:latin typeface="Arial"/>
                 <a:ea typeface="DejaVu Sans"/>
               </a:rPr>
-              <a:t>Metožu </a:t>
-            </a:r>
-            <a:r>
-              <a:rPr b="1" lang="en-US" sz="3200" spc="-1" strike="noStrike">
-                <a:solidFill>
-                  <a:srgbClr val="005551"/>
-                </a:solidFill>
-                <a:latin typeface="Arial"/>
-                <a:ea typeface="DejaVu Sans"/>
-              </a:rPr>
-              <a:t>efektivitāte</a:t>
-            </a:r>
-            <a:r>
-              <a:rPr b="1" lang="en-US" sz="3200" spc="-1" strike="noStrike">
-                <a:solidFill>
-                  <a:srgbClr val="005551"/>
-                </a:solidFill>
-                <a:latin typeface="Arial"/>
-                <a:ea typeface="DejaVu Sans"/>
-              </a:rPr>
-              <a:t>s </a:t>
-            </a:r>
-            <a:r>
-              <a:rPr b="1" lang="en-US" sz="3200" spc="-1" strike="noStrike">
-                <a:solidFill>
-                  <a:srgbClr val="005551"/>
-                </a:solidFill>
-                <a:latin typeface="Arial"/>
-                <a:ea typeface="DejaVu Sans"/>
-              </a:rPr>
-              <a:t>novērtējum</a:t>
-            </a:r>
-            <a:r>
-              <a:rPr b="1" lang="en-US" sz="3200" spc="-1" strike="noStrike">
-                <a:solidFill>
-                  <a:srgbClr val="005551"/>
-                </a:solidFill>
-                <a:latin typeface="Arial"/>
-                <a:ea typeface="DejaVu Sans"/>
-              </a:rPr>
-              <a:t>a kritēriji 4. </a:t>
-            </a:r>
-            <a:r>
-              <a:rPr b="1" lang="en-US" sz="3200" spc="-1" strike="noStrike">
-                <a:solidFill>
-                  <a:srgbClr val="005551"/>
-                </a:solidFill>
-                <a:latin typeface="Arial"/>
-                <a:ea typeface="DejaVu Sans"/>
-              </a:rPr>
-              <a:t>(sintētiskie </a:t>
-            </a:r>
-            <a:r>
-              <a:rPr b="1" lang="en-US" sz="3200" spc="-1" strike="noStrike">
-                <a:solidFill>
-                  <a:srgbClr val="005551"/>
-                </a:solidFill>
-                <a:latin typeface="Arial"/>
-                <a:ea typeface="DejaVu Sans"/>
-              </a:rPr>
-              <a:t>dati)</a:t>
+              <a:t>Metožu efektivitātes novērtējuma kritēriji 4. (sintētiskie dati)</a:t>
             </a:r>
             <a:endParaRPr b="0" lang="en-US" sz="3200" spc="-1" strike="noStrike">
               <a:latin typeface="Arial"/>
@@ -11186,14 +12911,14 @@
       </p:sp>
       <p:sp>
         <p:nvSpPr>
-          <p:cNvPr id="249" name="CustomShape 3"/>
+          <p:cNvPr id="295" name="CustomShape 3"/>
           <p:cNvSpPr/>
           <p:nvPr/>
         </p:nvSpPr>
         <p:spPr>
           <a:xfrm>
             <a:off x="457200" y="6272640"/>
-            <a:ext cx="2471040" cy="363960"/>
+            <a:ext cx="2470680" cy="363600"/>
           </a:xfrm>
           <a:prstGeom prst="rect">
             <a:avLst/>
@@ -11237,14 +12962,14 @@
       </p:sp>
       <p:sp>
         <p:nvSpPr>
-          <p:cNvPr id="250" name="TextShape 4"/>
-          <p:cNvSpPr txBox="1"/>
+          <p:cNvPr id="296" name="CustomShape 4"/>
+          <p:cNvSpPr/>
           <p:nvPr/>
         </p:nvSpPr>
         <p:spPr>
           <a:xfrm>
             <a:off x="365760" y="2030040"/>
-            <a:ext cx="3566160" cy="1444680"/>
+            <a:ext cx="3565800" cy="1444320"/>
           </a:xfrm>
           <a:prstGeom prst="rect">
             <a:avLst/>
@@ -11254,62 +12979,53 @@
             <a:noFill/>
           </a:ln>
         </p:spPr>
+        <p:style>
+          <a:lnRef idx="0"/>
+          <a:fillRef idx="0"/>
+          <a:effectRef idx="0"/>
+          <a:fontRef idx="minor"/>
+        </p:style>
         <p:txBody>
           <a:bodyPr lIns="90000" rIns="90000" tIns="45000" bIns="45000">
             <a:noAutofit/>
           </a:bodyPr>
           <a:p>
+            <a:pPr>
+              <a:lnSpc>
+                <a:spcPct val="100000"/>
+              </a:lnSpc>
+            </a:pPr>
             <a:r>
               <a:rPr b="0" lang="en-US" sz="1600" spc="-1" strike="noStrike">
                 <a:latin typeface="Arial"/>
               </a:rPr>
-              <a:t>Kritērijs 4: Cik no </a:t>
+              <a:t>Kritērijs 4: Cik no informātīvajiem mainīgajiem mainīgo svarīguma metode izvēlas?</a:t>
             </a:r>
+            <a:endParaRPr b="0" lang="en-US" sz="1600" spc="-1" strike="noStrike">
+              <a:latin typeface="Arial"/>
+            </a:endParaRPr>
+          </a:p>
+          <a:p>
+            <a:pPr>
+              <a:lnSpc>
+                <a:spcPct val="100000"/>
+              </a:lnSpc>
+            </a:pPr>
+            <a:endParaRPr b="0" lang="en-US" sz="1600" spc="-1" strike="noStrike">
+              <a:latin typeface="Arial"/>
+            </a:endParaRPr>
+          </a:p>
+          <a:p>
+            <a:pPr>
+              <a:lnSpc>
+                <a:spcPct val="100000"/>
+              </a:lnSpc>
+            </a:pPr>
             <a:r>
               <a:rPr b="0" lang="en-US" sz="1600" spc="-1" strike="noStrike">
                 <a:latin typeface="Arial"/>
               </a:rPr>
-              <a:t>informātīvajiem </a:t>
-            </a:r>
-            <a:r>
-              <a:rPr b="0" lang="en-US" sz="1600" spc="-1" strike="noStrike">
-                <a:latin typeface="Arial"/>
-              </a:rPr>
-              <a:t>mainīgajiem mainīgo </a:t>
-            </a:r>
-            <a:r>
-              <a:rPr b="0" lang="en-US" sz="1600" spc="-1" strike="noStrike">
-                <a:latin typeface="Arial"/>
-              </a:rPr>
-              <a:t>svarīguma metode izvēlas?</a:t>
-            </a:r>
-            <a:endParaRPr b="0" lang="en-US" sz="1600" spc="-1" strike="noStrike">
-              <a:latin typeface="Arial"/>
-            </a:endParaRPr>
-          </a:p>
-          <a:p>
-            <a:endParaRPr b="0" lang="en-US" sz="1600" spc="-1" strike="noStrike">
-              <a:latin typeface="Arial"/>
-            </a:endParaRPr>
-          </a:p>
-          <a:p>
-            <a:r>
-              <a:rPr b="0" lang="en-US" sz="1600" spc="-1" strike="noStrike">
-                <a:latin typeface="Arial"/>
-              </a:rPr>
-              <a:t>Sintētisko datu veidošanas </a:t>
-            </a:r>
-            <a:r>
-              <a:rPr b="0" lang="en-US" sz="1600" spc="-1" strike="noStrike">
-                <a:latin typeface="Arial"/>
-              </a:rPr>
-              <a:t>procesā ir zināms kuri </a:t>
-            </a:r>
-            <a:r>
-              <a:rPr b="0" lang="en-US" sz="1600" spc="-1" strike="noStrike">
-                <a:latin typeface="Arial"/>
-              </a:rPr>
-              <a:t>mainīgi ir lieki.</a:t>
+              <a:t>Sintētisko datu veidošanas procesā ir zināms kuri mainīgi ir lieki.</a:t>
             </a:r>
             <a:endParaRPr b="0" lang="en-US" sz="1600" spc="-1" strike="noStrike">
               <a:latin typeface="Arial"/>
@@ -11349,14 +13065,14 @@
       </p:grpSpPr>
       <p:sp>
         <p:nvSpPr>
-          <p:cNvPr id="251" name="CustomShape 1"/>
+          <p:cNvPr id="297" name="CustomShape 1"/>
           <p:cNvSpPr/>
           <p:nvPr/>
         </p:nvSpPr>
         <p:spPr>
           <a:xfrm>
             <a:off x="457200" y="1454040"/>
-            <a:ext cx="8228520" cy="2788200"/>
+            <a:ext cx="8228160" cy="2787840"/>
           </a:xfrm>
           <a:prstGeom prst="rect">
             <a:avLst/>
@@ -11415,7 +13131,7 @@
             </a:endParaRPr>
           </a:p>
           <a:p>
-            <a:pPr marL="342720" indent="-340560">
+            <a:pPr marL="342720" indent="-340200">
               <a:lnSpc>
                 <a:spcPct val="100000"/>
               </a:lnSpc>
@@ -11434,14 +13150,14 @@
       </p:sp>
       <p:sp>
         <p:nvSpPr>
-          <p:cNvPr id="252" name="CustomShape 2"/>
+          <p:cNvPr id="298" name="CustomShape 2"/>
           <p:cNvSpPr/>
           <p:nvPr/>
         </p:nvSpPr>
         <p:spPr>
           <a:xfrm>
             <a:off x="457200" y="363960"/>
-            <a:ext cx="8228520" cy="769680"/>
+            <a:ext cx="8228160" cy="769320"/>
           </a:xfrm>
           <a:prstGeom prst="rect">
             <a:avLst/>
@@ -11505,14 +13221,14 @@
       </p:sp>
       <p:sp>
         <p:nvSpPr>
-          <p:cNvPr id="253" name="CustomShape 3"/>
+          <p:cNvPr id="299" name="CustomShape 3"/>
           <p:cNvSpPr/>
           <p:nvPr/>
         </p:nvSpPr>
         <p:spPr>
           <a:xfrm>
             <a:off x="457200" y="6272640"/>
-            <a:ext cx="2471040" cy="363960"/>
+            <a:ext cx="2470680" cy="363600"/>
           </a:xfrm>
           <a:prstGeom prst="rect">
             <a:avLst/>
@@ -11556,14 +13272,14 @@
       </p:sp>
       <p:sp>
         <p:nvSpPr>
-          <p:cNvPr id="254" name="TextShape 4"/>
-          <p:cNvSpPr txBox="1"/>
+          <p:cNvPr id="300" name="CustomShape 4"/>
+          <p:cNvSpPr/>
           <p:nvPr/>
         </p:nvSpPr>
         <p:spPr>
           <a:xfrm>
             <a:off x="365760" y="2030040"/>
-            <a:ext cx="3566160" cy="1670400"/>
+            <a:ext cx="3565800" cy="1670040"/>
           </a:xfrm>
           <a:prstGeom prst="rect">
             <a:avLst/>
@@ -11573,74 +13289,53 @@
             <a:noFill/>
           </a:ln>
         </p:spPr>
+        <p:style>
+          <a:lnRef idx="0"/>
+          <a:fillRef idx="0"/>
+          <a:effectRef idx="0"/>
+          <a:fontRef idx="minor"/>
+        </p:style>
         <p:txBody>
           <a:bodyPr lIns="90000" rIns="90000" tIns="45000" bIns="45000">
             <a:noAutofit/>
           </a:bodyPr>
           <a:p>
+            <a:pPr>
+              <a:lnSpc>
+                <a:spcPct val="100000"/>
+              </a:lnSpc>
+            </a:pPr>
             <a:r>
               <a:rPr b="0" lang="en-US" sz="1600" spc="-1" strike="noStrike">
                 <a:latin typeface="Arial"/>
               </a:rPr>
-              <a:t>Kritērijs 5: Kāda ir </a:t>
+              <a:t>Kritērijs 5: Kāda ir empīriskā ātrdarbība starp metodēm</a:t>
             </a:r>
+            <a:endParaRPr b="0" lang="en-US" sz="1600" spc="-1" strike="noStrike">
+              <a:latin typeface="Arial"/>
+            </a:endParaRPr>
+          </a:p>
+          <a:p>
+            <a:pPr>
+              <a:lnSpc>
+                <a:spcPct val="100000"/>
+              </a:lnSpc>
+            </a:pPr>
+            <a:endParaRPr b="0" lang="en-US" sz="1600" spc="-1" strike="noStrike">
+              <a:latin typeface="Arial"/>
+            </a:endParaRPr>
+          </a:p>
+          <a:p>
+            <a:pPr>
+              <a:lnSpc>
+                <a:spcPct val="100000"/>
+              </a:lnSpc>
+            </a:pPr>
             <a:r>
               <a:rPr b="0" lang="en-US" sz="1600" spc="-1" strike="noStrike">
                 <a:latin typeface="Arial"/>
               </a:rPr>
-              <a:t>empīriskā ātrdarbība </a:t>
-            </a:r>
-            <a:r>
-              <a:rPr b="0" lang="en-US" sz="1600" spc="-1" strike="noStrike">
-                <a:latin typeface="Arial"/>
-              </a:rPr>
-              <a:t>starp metodēm</a:t>
-            </a:r>
-            <a:endParaRPr b="0" lang="en-US" sz="1600" spc="-1" strike="noStrike">
-              <a:latin typeface="Arial"/>
-            </a:endParaRPr>
-          </a:p>
-          <a:p>
-            <a:endParaRPr b="0" lang="en-US" sz="1600" spc="-1" strike="noStrike">
-              <a:latin typeface="Arial"/>
-            </a:endParaRPr>
-          </a:p>
-          <a:p>
-            <a:r>
-              <a:rPr b="0" lang="en-US" sz="1600" spc="-1" strike="noStrike">
-                <a:latin typeface="Arial"/>
-              </a:rPr>
-              <a:t>Dažas metodēs var būt </a:t>
-            </a:r>
-            <a:r>
-              <a:rPr b="0" lang="en-US" sz="1600" spc="-1" strike="noStrike">
-                <a:latin typeface="Arial"/>
-              </a:rPr>
-              <a:t>precīzas, bet aizņēmt </a:t>
-            </a:r>
-            <a:r>
-              <a:rPr b="0" lang="en-US" sz="1600" spc="-1" strike="noStrike">
-                <a:latin typeface="Arial"/>
-              </a:rPr>
-              <a:t>pārāk daudz laikā, tāpēc </a:t>
-            </a:r>
-            <a:r>
-              <a:rPr b="0" lang="en-US" sz="1600" spc="-1" strike="noStrike">
-                <a:latin typeface="Arial"/>
-              </a:rPr>
-              <a:t>ir svarīgi izvērtēt vai </a:t>
-            </a:r>
-            <a:r>
-              <a:rPr b="0" lang="en-US" sz="1600" spc="-1" strike="noStrike">
-                <a:latin typeface="Arial"/>
-              </a:rPr>
-              <a:t>pastāv ātruma un </a:t>
-            </a:r>
-            <a:r>
-              <a:rPr b="0" lang="en-US" sz="1600" spc="-1" strike="noStrike">
-                <a:latin typeface="Arial"/>
-              </a:rPr>
-              <a:t>efektivitātes kompromiss</a:t>
+              <a:t>Dažas metodēs var būt precīzas, bet aizņēmt pārāk daudz laikā, tāpēc ir svarīgi izvērtēt vai pastāv ātruma un efektivitātes kompromiss</a:t>
             </a:r>
             <a:endParaRPr b="0" lang="en-US" sz="1600" spc="-1" strike="noStrike">
               <a:latin typeface="Arial"/>
@@ -11680,14 +13375,14 @@
       </p:grpSpPr>
       <p:sp>
         <p:nvSpPr>
-          <p:cNvPr id="255" name="CustomShape 1"/>
+          <p:cNvPr id="301" name="CustomShape 1"/>
           <p:cNvSpPr/>
           <p:nvPr/>
         </p:nvSpPr>
         <p:spPr>
           <a:xfrm>
             <a:off x="457200" y="1051560"/>
-            <a:ext cx="8228520" cy="2788200"/>
+            <a:ext cx="8228160" cy="2787840"/>
           </a:xfrm>
           <a:prstGeom prst="rect">
             <a:avLst/>
@@ -11743,14 +13438,14 @@
       </p:sp>
       <p:sp>
         <p:nvSpPr>
-          <p:cNvPr id="256" name="CustomShape 2"/>
+          <p:cNvPr id="302" name="CustomShape 2"/>
           <p:cNvSpPr/>
           <p:nvPr/>
         </p:nvSpPr>
         <p:spPr>
           <a:xfrm>
             <a:off x="457200" y="363960"/>
-            <a:ext cx="8228520" cy="769680"/>
+            <a:ext cx="8228160" cy="769320"/>
           </a:xfrm>
           <a:prstGeom prst="rect">
             <a:avLst/>
@@ -11794,14 +13489,14 @@
       </p:sp>
       <p:sp>
         <p:nvSpPr>
-          <p:cNvPr id="257" name="CustomShape 3"/>
+          <p:cNvPr id="303" name="CustomShape 3"/>
           <p:cNvSpPr/>
           <p:nvPr/>
         </p:nvSpPr>
         <p:spPr>
           <a:xfrm>
             <a:off x="457200" y="6272640"/>
-            <a:ext cx="2471040" cy="363960"/>
+            <a:ext cx="2470680" cy="363600"/>
           </a:xfrm>
           <a:prstGeom prst="rect">
             <a:avLst/>
@@ -11848,13 +13543,13 @@
       </p:sp>
       <p:graphicFrame>
         <p:nvGraphicFramePr>
-          <p:cNvPr id="258" name="Table 4"/>
+          <p:cNvPr id="304" name="Table 4"/>
           <p:cNvGraphicFramePr/>
           <p:nvPr/>
         </p:nvGraphicFramePr>
         <p:xfrm>
           <a:off x="441720" y="1428840"/>
-          <a:ext cx="8228880" cy="4064760"/>
+          <a:ext cx="8228880" cy="4064400"/>
         </p:xfrm>
         <a:graphic>
           <a:graphicData uri="http://schemas.openxmlformats.org/drawingml/2006/table">
@@ -11868,14 +13563,18 @@
                 <a:gridCol w="1371240"/>
                 <a:gridCol w="1373040"/>
               </a:tblGrid>
-              <a:tr h="546840">
+              <a:tr h="505440">
                 <a:tc>
                   <a:txBody>
-                    <a:bodyPr lIns="90000" rIns="90000" tIns="46800" bIns="46800" anchor="ctr">
+                    <a:bodyPr lIns="90000" rIns="90000">
                       <a:noAutofit/>
                     </a:bodyPr>
                     <a:p>
-                      <a:pPr algn="ctr"/>
+                      <a:pPr algn="ctr">
+                        <a:lnSpc>
+                          <a:spcPct val="100000"/>
+                        </a:lnSpc>
+                      </a:pPr>
                       <a:r>
                         <a:rPr b="0" lang="en-US" sz="1200" spc="-1" strike="noStrike">
                           <a:latin typeface="Arial"/>
@@ -11884,7 +13583,6 @@
                       </a:r>
                       <a:endParaRPr b="0" lang="en-US" sz="1200" spc="-1" strike="noStrike">
                         <a:latin typeface="Arial"/>
-                        <a:ea typeface="Noto Sans CJK SC"/>
                       </a:endParaRPr>
                     </a:p>
                   </a:txBody>
@@ -11896,11 +13594,15 @@
                 </a:tc>
                 <a:tc>
                   <a:txBody>
-                    <a:bodyPr lIns="90000" rIns="90000" tIns="46800" bIns="46800" anchor="ctr">
+                    <a:bodyPr lIns="90000" rIns="90000">
                       <a:noAutofit/>
                     </a:bodyPr>
                     <a:p>
-                      <a:pPr algn="ctr"/>
+                      <a:pPr algn="ctr">
+                        <a:lnSpc>
+                          <a:spcPct val="100000"/>
+                        </a:lnSpc>
+                      </a:pPr>
                       <a:r>
                         <a:rPr b="0" lang="en-US" sz="1200" spc="-1" strike="noStrike">
                           <a:latin typeface="Arial"/>
@@ -11909,7 +13611,6 @@
                       </a:r>
                       <a:endParaRPr b="0" lang="en-US" sz="1200" spc="-1" strike="noStrike">
                         <a:latin typeface="Arial"/>
-                        <a:ea typeface="Noto Sans CJK SC"/>
                       </a:endParaRPr>
                     </a:p>
                   </a:txBody>
@@ -11921,11 +13622,15 @@
                 </a:tc>
                 <a:tc>
                   <a:txBody>
-                    <a:bodyPr lIns="90000" rIns="90000" tIns="46800" bIns="46800" anchor="ctr">
+                    <a:bodyPr lIns="90000" rIns="90000">
                       <a:noAutofit/>
                     </a:bodyPr>
                     <a:p>
-                      <a:pPr algn="ctr"/>
+                      <a:pPr algn="ctr">
+                        <a:lnSpc>
+                          <a:spcPct val="100000"/>
+                        </a:lnSpc>
+                      </a:pPr>
                       <a:r>
                         <a:rPr b="0" lang="en-US" sz="1200" spc="-1" strike="noStrike">
                           <a:latin typeface="Arial"/>
@@ -11934,7 +13639,6 @@
                       </a:r>
                       <a:endParaRPr b="0" lang="en-US" sz="1200" spc="-1" strike="noStrike">
                         <a:latin typeface="Arial"/>
-                        <a:ea typeface="Noto Sans CJK SC"/>
                       </a:endParaRPr>
                     </a:p>
                   </a:txBody>
@@ -11946,11 +13650,15 @@
                 </a:tc>
                 <a:tc>
                   <a:txBody>
-                    <a:bodyPr lIns="90000" rIns="90000" tIns="46800" bIns="46800" anchor="ctr">
+                    <a:bodyPr lIns="90000" rIns="90000">
                       <a:noAutofit/>
                     </a:bodyPr>
                     <a:p>
-                      <a:pPr algn="ctr"/>
+                      <a:pPr algn="ctr">
+                        <a:lnSpc>
+                          <a:spcPct val="100000"/>
+                        </a:lnSpc>
+                      </a:pPr>
                       <a:r>
                         <a:rPr b="0" lang="en-US" sz="1200" spc="-1" strike="noStrike">
                           <a:latin typeface="Arial"/>
@@ -11959,7 +13667,6 @@
                       </a:r>
                       <a:endParaRPr b="0" lang="en-US" sz="1200" spc="-1" strike="noStrike">
                         <a:latin typeface="Arial"/>
-                        <a:ea typeface="Noto Sans CJK SC"/>
                       </a:endParaRPr>
                     </a:p>
                   </a:txBody>
@@ -11971,11 +13678,15 @@
                 </a:tc>
                 <a:tc>
                   <a:txBody>
-                    <a:bodyPr lIns="90000" rIns="90000" tIns="46800" bIns="46800" anchor="ctr">
+                    <a:bodyPr lIns="90000" rIns="90000">
                       <a:noAutofit/>
                     </a:bodyPr>
                     <a:p>
-                      <a:pPr algn="ctr"/>
+                      <a:pPr algn="ctr">
+                        <a:lnSpc>
+                          <a:spcPct val="100000"/>
+                        </a:lnSpc>
+                      </a:pPr>
                       <a:r>
                         <a:rPr b="0" lang="en-US" sz="1200" spc="-1" strike="noStrike">
                           <a:latin typeface="Arial"/>
@@ -11984,11 +13695,14 @@
                       </a:r>
                       <a:endParaRPr b="0" lang="en-US" sz="1200" spc="-1" strike="noStrike">
                         <a:latin typeface="Arial"/>
-                        <a:ea typeface="Noto Sans CJK SC"/>
                       </a:endParaRPr>
                     </a:p>
                     <a:p>
-                      <a:pPr algn="ctr"/>
+                      <a:pPr algn="ctr">
+                        <a:lnSpc>
+                          <a:spcPct val="100000"/>
+                        </a:lnSpc>
+                      </a:pPr>
                       <a:r>
                         <a:rPr b="0" lang="en-US" sz="1200" spc="-1" strike="noStrike">
                           <a:latin typeface="Arial"/>
@@ -11997,7 +13711,6 @@
                       </a:r>
                       <a:endParaRPr b="0" lang="en-US" sz="1200" spc="-1" strike="noStrike">
                         <a:latin typeface="Arial"/>
-                        <a:ea typeface="Noto Sans CJK SC"/>
                       </a:endParaRPr>
                     </a:p>
                   </a:txBody>
@@ -12009,11 +13722,15 @@
                 </a:tc>
                 <a:tc>
                   <a:txBody>
-                    <a:bodyPr lIns="90000" rIns="90000" tIns="46800" bIns="46800" anchor="ctr">
+                    <a:bodyPr lIns="90000" rIns="90000">
                       <a:noAutofit/>
                     </a:bodyPr>
                     <a:p>
-                      <a:pPr algn="ctr"/>
+                      <a:pPr algn="ctr">
+                        <a:lnSpc>
+                          <a:spcPct val="100000"/>
+                        </a:lnSpc>
+                      </a:pPr>
                       <a:r>
                         <a:rPr b="0" lang="en-US" sz="1200" spc="-1" strike="noStrike">
                           <a:latin typeface="Arial"/>
@@ -12022,7 +13739,6 @@
                       </a:r>
                       <a:endParaRPr b="0" lang="en-US" sz="1200" spc="-1" strike="noStrike">
                         <a:latin typeface="Arial"/>
-                        <a:ea typeface="Noto Sans CJK SC"/>
                       </a:endParaRPr>
                     </a:p>
                   </a:txBody>
@@ -12033,14 +13749,18 @@
                   </a:tcPr>
                 </a:tc>
               </a:tr>
-              <a:tr h="376920">
+              <a:tr h="348480">
                 <a:tc>
                   <a:txBody>
-                    <a:bodyPr lIns="90000" rIns="90000" tIns="46800" bIns="46800" anchor="ctr">
+                    <a:bodyPr lIns="90000" rIns="90000">
                       <a:noAutofit/>
                     </a:bodyPr>
                     <a:p>
-                      <a:pPr algn="ctr"/>
+                      <a:pPr algn="ctr">
+                        <a:lnSpc>
+                          <a:spcPct val="100000"/>
+                        </a:lnSpc>
+                      </a:pPr>
                       <a:r>
                         <a:rPr b="0" lang="en-US" sz="1200" spc="-1" strike="noStrike">
                           <a:latin typeface="Arial"/>
@@ -12049,7 +13769,6 @@
                       </a:r>
                       <a:endParaRPr b="0" lang="en-US" sz="1200" spc="-1" strike="noStrike">
                         <a:latin typeface="Arial"/>
-                        <a:ea typeface="Noto Sans CJK SC"/>
                       </a:endParaRPr>
                     </a:p>
                   </a:txBody>
@@ -12061,11 +13780,15 @@
                 </a:tc>
                 <a:tc>
                   <a:txBody>
-                    <a:bodyPr lIns="90000" rIns="90000" tIns="46800" bIns="46800" anchor="ctr">
+                    <a:bodyPr lIns="90000" rIns="90000">
                       <a:noAutofit/>
                     </a:bodyPr>
                     <a:p>
-                      <a:pPr algn="ctr"/>
+                      <a:pPr algn="ctr">
+                        <a:lnSpc>
+                          <a:spcPct val="100000"/>
+                        </a:lnSpc>
+                      </a:pPr>
                       <a:r>
                         <a:rPr b="0" lang="en-US" sz="1200" spc="-1" strike="noStrike">
                           <a:latin typeface="Arial"/>
@@ -12074,7 +13797,6 @@
                       </a:r>
                       <a:endParaRPr b="0" lang="en-US" sz="1200" spc="-1" strike="noStrike">
                         <a:latin typeface="Arial"/>
-                        <a:ea typeface="Noto Sans CJK SC"/>
                       </a:endParaRPr>
                     </a:p>
                   </a:txBody>
@@ -12086,20 +13808,23 @@
                 </a:tc>
                 <a:tc>
                   <a:txBody>
-                    <a:bodyPr lIns="90000" rIns="90000" tIns="46800" bIns="46800" anchor="ctr">
+                    <a:bodyPr lIns="90000" rIns="90000">
                       <a:noAutofit/>
                     </a:bodyPr>
                     <a:p>
-                      <a:pPr algn="ctr"/>
+                      <a:pPr algn="ctr">
+                        <a:lnSpc>
+                          <a:spcPct val="100000"/>
+                        </a:lnSpc>
+                      </a:pPr>
                       <a:r>
                         <a:rPr b="1" lang="en-US" sz="1200" spc="-1" strike="noStrike">
                           <a:latin typeface="Arial"/>
                         </a:rPr>
                         <a:t>46.74 ± 1.92</a:t>
                       </a:r>
-                      <a:endParaRPr b="1" lang="en-US" sz="1200" spc="-1" strike="noStrike">
+                      <a:endParaRPr b="0" lang="en-US" sz="1200" spc="-1" strike="noStrike">
                         <a:latin typeface="Arial"/>
-                        <a:ea typeface="Noto Sans CJK SC"/>
                       </a:endParaRPr>
                     </a:p>
                   </a:txBody>
@@ -12111,11 +13836,15 @@
                 </a:tc>
                 <a:tc>
                   <a:txBody>
-                    <a:bodyPr lIns="90000" rIns="90000" tIns="46800" bIns="46800" anchor="ctr">
+                    <a:bodyPr lIns="90000" rIns="90000">
                       <a:noAutofit/>
                     </a:bodyPr>
                     <a:p>
-                      <a:pPr algn="ctr"/>
+                      <a:pPr algn="ctr">
+                        <a:lnSpc>
+                          <a:spcPct val="100000"/>
+                        </a:lnSpc>
+                      </a:pPr>
                       <a:r>
                         <a:rPr b="0" lang="en-US" sz="1200" spc="-1" strike="noStrike">
                           <a:latin typeface="Arial"/>
@@ -12124,7 +13853,6 @@
                       </a:r>
                       <a:endParaRPr b="0" lang="en-US" sz="1200" spc="-1" strike="noStrike">
                         <a:latin typeface="Arial"/>
-                        <a:ea typeface="Noto Sans CJK SC"/>
                       </a:endParaRPr>
                     </a:p>
                   </a:txBody>
@@ -12136,32 +13864,7 @@
                 </a:tc>
                 <a:tc>
                   <a:txBody>
-                    <a:bodyPr lIns="90000" rIns="90000" tIns="46800" bIns="46800" anchor="ctr">
-                      <a:noAutofit/>
-                    </a:bodyPr>
-                    <a:p>
-                      <a:pPr algn="ctr"/>
-                      <a:r>
-                        <a:rPr b="0" lang="en-US" sz="1200" spc="-1" strike="noStrike">
-                          <a:latin typeface="Arial"/>
-                        </a:rPr>
-                        <a:t>*</a:t>
-                      </a:r>
-                      <a:endParaRPr b="0" lang="en-US" sz="1200" spc="-1" strike="noStrike">
-                        <a:latin typeface="Arial"/>
-                        <a:ea typeface="Noto Sans CJK SC"/>
-                      </a:endParaRPr>
-                    </a:p>
-                  </a:txBody>
-                  <a:tcPr marL="90000" marR="90000">
-                    <a:solidFill>
-                      <a:srgbClr val="cccccc"/>
-                    </a:solidFill>
-                  </a:tcPr>
-                </a:tc>
-                <a:tc>
-                  <a:txBody>
-                    <a:bodyPr lIns="90000" rIns="90000" tIns="46800" bIns="46800" anchor="ctr">
+                    <a:bodyPr lIns="90000" rIns="90000">
                       <a:noAutofit/>
                     </a:bodyPr>
                     <a:p>
@@ -12178,7 +13881,6 @@
                       </a:r>
                       <a:endParaRPr b="0" lang="en-US" sz="1200" spc="-1" strike="noStrike">
                         <a:latin typeface="Arial"/>
-                        <a:ea typeface="Noto Sans CJK SC"/>
                       </a:endParaRPr>
                     </a:p>
                   </a:txBody>
@@ -12188,111 +13890,9 @@
                     </a:solidFill>
                   </a:tcPr>
                 </a:tc>
-              </a:tr>
-              <a:tr h="418680">
                 <a:tc>
                   <a:txBody>
-                    <a:bodyPr lIns="90000" rIns="90000" tIns="46800" bIns="46800" anchor="ctr">
-                      <a:noAutofit/>
-                    </a:bodyPr>
-                    <a:p>
-                      <a:pPr algn="ctr"/>
-                      <a:r>
-                        <a:rPr b="0" lang="en-US" sz="1200" spc="-1" strike="noStrike">
-                          <a:latin typeface="Arial"/>
-                        </a:rPr>
-                        <a:t>Abpusēja informācijas mērs</a:t>
-                      </a:r>
-                      <a:endParaRPr b="0" lang="en-US" sz="1200" spc="-1" strike="noStrike">
-                        <a:latin typeface="Arial"/>
-                        <a:ea typeface="Noto Sans CJK SC"/>
-                      </a:endParaRPr>
-                    </a:p>
-                  </a:txBody>
-                  <a:tcPr marL="90000" marR="90000">
-                    <a:solidFill>
-                      <a:srgbClr val="e6e6e6"/>
-                    </a:solidFill>
-                  </a:tcPr>
-                </a:tc>
-                <a:tc>
-                  <a:txBody>
-                    <a:bodyPr lIns="90000" rIns="90000" tIns="46800" bIns="46800" anchor="ctr">
-                      <a:noAutofit/>
-                    </a:bodyPr>
-                    <a:p>
-                      <a:pPr algn="ctr"/>
-                      <a:r>
-                        <a:rPr b="1" lang="en-US" sz="1200" spc="-1" strike="noStrike">
-                          <a:latin typeface="Arial"/>
-                        </a:rPr>
-                        <a:t>1.73 ± 0.16</a:t>
-                      </a:r>
-                      <a:endParaRPr b="1" lang="en-US" sz="1200" spc="-1" strike="noStrike">
-                        <a:latin typeface="Arial"/>
-                        <a:ea typeface="Noto Sans CJK SC"/>
-                      </a:endParaRPr>
-                    </a:p>
-                  </a:txBody>
-                  <a:tcPr marL="90000" marR="90000">
-                    <a:solidFill>
-                      <a:srgbClr val="e6e6e6"/>
-                    </a:solidFill>
-                  </a:tcPr>
-                </a:tc>
-                <a:tc>
-                  <a:txBody>
-                    <a:bodyPr lIns="90000" rIns="90000" tIns="46800" bIns="46800" anchor="ctr">
-                      <a:noAutofit/>
-                    </a:bodyPr>
-                    <a:p>
-                      <a:pPr algn="ctr"/>
-                      <a:r>
-                        <a:rPr b="0" lang="en-US" sz="1200" spc="-1" strike="noStrike">
-                          <a:latin typeface="Arial"/>
-                        </a:rPr>
-                        <a:t>42.69 ± 2.06</a:t>
-                      </a:r>
-                      <a:endParaRPr b="0" lang="en-US" sz="1200" spc="-1" strike="noStrike">
-                        <a:latin typeface="Arial"/>
-                        <a:ea typeface="Noto Sans CJK SC"/>
-                      </a:endParaRPr>
-                    </a:p>
-                  </a:txBody>
-                  <a:tcPr marL="90000" marR="90000">
-                    <a:solidFill>
-                      <a:srgbClr val="e6e6e6"/>
-                    </a:solidFill>
-                  </a:tcPr>
-                </a:tc>
-                <a:tc>
-                  <a:txBody>
-                    <a:bodyPr lIns="90000" rIns="90000" tIns="46800" bIns="46800" anchor="ctr">
-                      <a:noAutofit/>
-                    </a:bodyPr>
-                    <a:p>
-                      <a:pPr algn="ctr"/>
-                      <a:r>
-                        <a:rPr b="0" lang="en-US" sz="1200" spc="-1" strike="noStrike">
-                          <a:latin typeface="Arial"/>
-                        </a:rPr>
-                        <a:t>90.6 ± 0.73</a:t>
-                      </a:r>
-                      <a:endParaRPr b="0" lang="en-US" sz="1200" spc="-1" strike="noStrike">
-                        <a:latin typeface="Arial"/>
-                        <a:ea typeface="Noto Sans CJK SC"/>
-                      </a:endParaRPr>
-                    </a:p>
-                  </a:txBody>
-                  <a:tcPr marL="90000" marR="90000">
-                    <a:solidFill>
-                      <a:srgbClr val="e6e6e6"/>
-                    </a:solidFill>
-                  </a:tcPr>
-                </a:tc>
-                <a:tc>
-                  <a:txBody>
-                    <a:bodyPr lIns="90000" rIns="90000" tIns="46800" bIns="46800" anchor="ctr">
+                    <a:bodyPr lIns="90000" rIns="90000">
                       <a:noAutofit/>
                     </a:bodyPr>
                     <a:p>
@@ -12309,7 +13909,36 @@
                       </a:r>
                       <a:endParaRPr b="0" lang="en-US" sz="1200" spc="-1" strike="noStrike">
                         <a:latin typeface="Arial"/>
-                        <a:ea typeface="Noto Sans CJK SC"/>
+                      </a:endParaRPr>
+                    </a:p>
+                  </a:txBody>
+                  <a:tcPr marL="90000" marR="90000">
+                    <a:solidFill>
+                      <a:srgbClr val="cccccc"/>
+                    </a:solidFill>
+                  </a:tcPr>
+                </a:tc>
+              </a:tr>
+              <a:tr h="603720">
+                <a:tc>
+                  <a:txBody>
+                    <a:bodyPr lIns="90000" rIns="90000">
+                      <a:noAutofit/>
+                    </a:bodyPr>
+                    <a:p>
+                      <a:pPr algn="ctr">
+                        <a:lnSpc>
+                          <a:spcPct val="100000"/>
+                        </a:lnSpc>
+                      </a:pPr>
+                      <a:r>
+                        <a:rPr b="0" lang="en-US" sz="1200" spc="-1" strike="noStrike">
+                          <a:latin typeface="Arial"/>
+                        </a:rPr>
+                        <a:t>Abpusēja informācijas mērs</a:t>
+                      </a:r>
+                      <a:endParaRPr b="0" lang="en-US" sz="1200" spc="-1" strike="noStrike">
+                        <a:latin typeface="Arial"/>
                       </a:endParaRPr>
                     </a:p>
                   </a:txBody>
@@ -12321,7 +13950,91 @@
                 </a:tc>
                 <a:tc>
                   <a:txBody>
-                    <a:bodyPr lIns="90000" rIns="90000" tIns="46800" bIns="46800" anchor="ctr">
+                    <a:bodyPr lIns="90000" rIns="90000">
+                      <a:noAutofit/>
+                    </a:bodyPr>
+                    <a:p>
+                      <a:pPr algn="ctr">
+                        <a:lnSpc>
+                          <a:spcPct val="100000"/>
+                        </a:lnSpc>
+                      </a:pPr>
+                      <a:r>
+                        <a:rPr b="1" lang="en-US" sz="1200" spc="-1" strike="noStrike">
+                          <a:latin typeface="Arial"/>
+                        </a:rPr>
+                        <a:t>1.73 ± 0.16</a:t>
+                      </a:r>
+                      <a:endParaRPr b="0" lang="en-US" sz="1200" spc="-1" strike="noStrike">
+                        <a:latin typeface="Arial"/>
+                      </a:endParaRPr>
+                    </a:p>
+                  </a:txBody>
+                  <a:tcPr marL="90000" marR="90000">
+                    <a:solidFill>
+                      <a:srgbClr val="e6e6e6"/>
+                    </a:solidFill>
+                  </a:tcPr>
+                </a:tc>
+                <a:tc>
+                  <a:txBody>
+                    <a:bodyPr lIns="90000" rIns="90000">
+                      <a:noAutofit/>
+                    </a:bodyPr>
+                    <a:p>
+                      <a:pPr algn="ctr">
+                        <a:lnSpc>
+                          <a:spcPct val="100000"/>
+                        </a:lnSpc>
+                      </a:pPr>
+                      <a:r>
+                        <a:rPr b="0" lang="en-US" sz="1200" spc="-1" strike="noStrike">
+                          <a:latin typeface="Arial"/>
+                        </a:rPr>
+                        <a:t>42.69 ± 2.06</a:t>
+                      </a:r>
+                      <a:endParaRPr b="0" lang="en-US" sz="1200" spc="-1" strike="noStrike">
+                        <a:latin typeface="Arial"/>
+                      </a:endParaRPr>
+                    </a:p>
+                  </a:txBody>
+                  <a:tcPr marL="90000" marR="90000">
+                    <a:solidFill>
+                      <a:srgbClr val="e6e6e6"/>
+                    </a:solidFill>
+                  </a:tcPr>
+                </a:tc>
+                <a:tc>
+                  <a:txBody>
+                    <a:bodyPr lIns="90000" rIns="90000">
+                      <a:noAutofit/>
+                    </a:bodyPr>
+                    <a:p>
+                      <a:pPr algn="ctr">
+                        <a:lnSpc>
+                          <a:spcPct val="100000"/>
+                        </a:lnSpc>
+                      </a:pPr>
+                      <a:r>
+                        <a:rPr b="0" lang="en-US" sz="1200" spc="-1" strike="noStrike">
+                          <a:latin typeface="Arial"/>
+                        </a:rPr>
+                        <a:t>90.6 ± 0.73</a:t>
+                      </a:r>
+                      <a:endParaRPr b="0" lang="en-US" sz="1200" spc="-1" strike="noStrike">
+                        <a:latin typeface="Arial"/>
+                      </a:endParaRPr>
+                    </a:p>
+                  </a:txBody>
+                  <a:tcPr marL="90000" marR="90000">
+                    <a:solidFill>
+                      <a:srgbClr val="e6e6e6"/>
+                    </a:solidFill>
+                  </a:tcPr>
+                </a:tc>
+                <a:tc>
+                  <a:txBody>
+                    <a:bodyPr lIns="90000" rIns="90000">
                       <a:noAutofit/>
                     </a:bodyPr>
                     <a:p>
@@ -12338,7 +14051,6 @@
                       </a:r>
                       <a:endParaRPr b="0" lang="en-US" sz="1200" spc="-1" strike="noStrike">
                         <a:latin typeface="Arial"/>
-                        <a:ea typeface="Noto Sans CJK SC"/>
                       </a:endParaRPr>
                     </a:p>
                   </a:txBody>
@@ -12348,111 +14060,9 @@
                     </a:solidFill>
                   </a:tcPr>
                 </a:tc>
-              </a:tr>
-              <a:tr h="579240">
                 <a:tc>
                   <a:txBody>
-                    <a:bodyPr lIns="90000" rIns="90000" tIns="46800" bIns="46800" anchor="ctr">
-                      <a:noAutofit/>
-                    </a:bodyPr>
-                    <a:p>
-                      <a:pPr algn="ctr"/>
-                      <a:r>
-                        <a:rPr b="0" lang="en-US" sz="1200" spc="-1" strike="noStrike">
-                          <a:latin typeface="Arial"/>
-                        </a:rPr>
-                        <a:t>Determinācijas koeficients un ANOVA</a:t>
-                      </a:r>
-                      <a:endParaRPr b="0" lang="en-US" sz="1200" spc="-1" strike="noStrike">
-                        <a:latin typeface="Arial"/>
-                        <a:ea typeface="Noto Sans CJK SC"/>
-                      </a:endParaRPr>
-                    </a:p>
-                  </a:txBody>
-                  <a:tcPr marL="90000" marR="90000">
-                    <a:solidFill>
-                      <a:srgbClr val="cccccc"/>
-                    </a:solidFill>
-                  </a:tcPr>
-                </a:tc>
-                <a:tc>
-                  <a:txBody>
-                    <a:bodyPr lIns="90000" rIns="90000" tIns="46800" bIns="46800" anchor="ctr">
-                      <a:noAutofit/>
-                    </a:bodyPr>
-                    <a:p>
-                      <a:pPr algn="ctr"/>
-                      <a:r>
-                        <a:rPr b="0" lang="en-US" sz="1200" spc="-1" strike="noStrike">
-                          <a:latin typeface="Arial"/>
-                        </a:rPr>
-                        <a:t>1.38 ± 0.2</a:t>
-                      </a:r>
-                      <a:endParaRPr b="0" lang="en-US" sz="1200" spc="-1" strike="noStrike">
-                        <a:latin typeface="Arial"/>
-                        <a:ea typeface="Noto Sans CJK SC"/>
-                      </a:endParaRPr>
-                    </a:p>
-                  </a:txBody>
-                  <a:tcPr marL="90000" marR="90000">
-                    <a:solidFill>
-                      <a:srgbClr val="cccccc"/>
-                    </a:solidFill>
-                  </a:tcPr>
-                </a:tc>
-                <a:tc>
-                  <a:txBody>
-                    <a:bodyPr lIns="90000" rIns="90000" tIns="46800" bIns="46800" anchor="ctr">
-                      <a:noAutofit/>
-                    </a:bodyPr>
-                    <a:p>
-                      <a:pPr algn="ctr"/>
-                      <a:r>
-                        <a:rPr b="0" lang="en-US" sz="1200" spc="-1" strike="noStrike">
-                          <a:latin typeface="Arial"/>
-                        </a:rPr>
-                        <a:t>38.17 ± 2.0</a:t>
-                      </a:r>
-                      <a:endParaRPr b="0" lang="en-US" sz="1200" spc="-1" strike="noStrike">
-                        <a:latin typeface="Arial"/>
-                        <a:ea typeface="Noto Sans CJK SC"/>
-                      </a:endParaRPr>
-                    </a:p>
-                  </a:txBody>
-                  <a:tcPr marL="90000" marR="90000">
-                    <a:solidFill>
-                      <a:srgbClr val="cccccc"/>
-                    </a:solidFill>
-                  </a:tcPr>
-                </a:tc>
-                <a:tc>
-                  <a:txBody>
-                    <a:bodyPr lIns="90000" rIns="90000" tIns="46800" bIns="46800" anchor="ctr">
-                      <a:noAutofit/>
-                    </a:bodyPr>
-                    <a:p>
-                      <a:pPr algn="ctr"/>
-                      <a:r>
-                        <a:rPr b="0" lang="en-US" sz="1200" spc="-1" strike="noStrike">
-                          <a:latin typeface="Arial"/>
-                        </a:rPr>
-                        <a:t>89.59 ± 0.74</a:t>
-                      </a:r>
-                      <a:endParaRPr b="0" lang="en-US" sz="1200" spc="-1" strike="noStrike">
-                        <a:latin typeface="Arial"/>
-                        <a:ea typeface="Noto Sans CJK SC"/>
-                      </a:endParaRPr>
-                    </a:p>
-                  </a:txBody>
-                  <a:tcPr marL="90000" marR="90000">
-                    <a:solidFill>
-                      <a:srgbClr val="cccccc"/>
-                    </a:solidFill>
-                  </a:tcPr>
-                </a:tc>
-                <a:tc>
-                  <a:txBody>
-                    <a:bodyPr lIns="90000" rIns="90000" tIns="46800" bIns="46800" anchor="ctr">
+                    <a:bodyPr lIns="90000" rIns="90000">
                       <a:noAutofit/>
                     </a:bodyPr>
                     <a:p>
@@ -12469,7 +14079,36 @@
                       </a:r>
                       <a:endParaRPr b="0" lang="en-US" sz="1200" spc="-1" strike="noStrike">
                         <a:latin typeface="Arial"/>
-                        <a:ea typeface="Noto Sans CJK SC"/>
+                      </a:endParaRPr>
+                    </a:p>
+                  </a:txBody>
+                  <a:tcPr marL="90000" marR="90000">
+                    <a:solidFill>
+                      <a:srgbClr val="e6e6e6"/>
+                    </a:solidFill>
+                  </a:tcPr>
+                </a:tc>
+              </a:tr>
+              <a:tr h="603720">
+                <a:tc>
+                  <a:txBody>
+                    <a:bodyPr lIns="90000" rIns="90000">
+                      <a:noAutofit/>
+                    </a:bodyPr>
+                    <a:p>
+                      <a:pPr algn="ctr">
+                        <a:lnSpc>
+                          <a:spcPct val="100000"/>
+                        </a:lnSpc>
+                      </a:pPr>
+                      <a:r>
+                        <a:rPr b="0" lang="en-US" sz="1200" spc="-1" strike="noStrike">
+                          <a:latin typeface="Arial"/>
+                        </a:rPr>
+                        <a:t>Determinācijas koeficients un ANOVA</a:t>
+                      </a:r>
+                      <a:endParaRPr b="0" lang="en-US" sz="1200" spc="-1" strike="noStrike">
+                        <a:latin typeface="Arial"/>
                       </a:endParaRPr>
                     </a:p>
                   </a:txBody>
@@ -12481,7 +14120,91 @@
                 </a:tc>
                 <a:tc>
                   <a:txBody>
-                    <a:bodyPr lIns="90000" rIns="90000" tIns="46800" bIns="46800" anchor="ctr">
+                    <a:bodyPr lIns="90000" rIns="90000">
+                      <a:noAutofit/>
+                    </a:bodyPr>
+                    <a:p>
+                      <a:pPr algn="ctr">
+                        <a:lnSpc>
+                          <a:spcPct val="100000"/>
+                        </a:lnSpc>
+                      </a:pPr>
+                      <a:r>
+                        <a:rPr b="0" lang="en-US" sz="1200" spc="-1" strike="noStrike">
+                          <a:latin typeface="Arial"/>
+                        </a:rPr>
+                        <a:t>1.38 ± 0.2</a:t>
+                      </a:r>
+                      <a:endParaRPr b="0" lang="en-US" sz="1200" spc="-1" strike="noStrike">
+                        <a:latin typeface="Arial"/>
+                      </a:endParaRPr>
+                    </a:p>
+                  </a:txBody>
+                  <a:tcPr marL="90000" marR="90000">
+                    <a:solidFill>
+                      <a:srgbClr val="cccccc"/>
+                    </a:solidFill>
+                  </a:tcPr>
+                </a:tc>
+                <a:tc>
+                  <a:txBody>
+                    <a:bodyPr lIns="90000" rIns="90000">
+                      <a:noAutofit/>
+                    </a:bodyPr>
+                    <a:p>
+                      <a:pPr algn="ctr">
+                        <a:lnSpc>
+                          <a:spcPct val="100000"/>
+                        </a:lnSpc>
+                      </a:pPr>
+                      <a:r>
+                        <a:rPr b="0" lang="en-US" sz="1200" spc="-1" strike="noStrike">
+                          <a:latin typeface="Arial"/>
+                        </a:rPr>
+                        <a:t>38.17 ± 2.0</a:t>
+                      </a:r>
+                      <a:endParaRPr b="0" lang="en-US" sz="1200" spc="-1" strike="noStrike">
+                        <a:latin typeface="Arial"/>
+                      </a:endParaRPr>
+                    </a:p>
+                  </a:txBody>
+                  <a:tcPr marL="90000" marR="90000">
+                    <a:solidFill>
+                      <a:srgbClr val="cccccc"/>
+                    </a:solidFill>
+                  </a:tcPr>
+                </a:tc>
+                <a:tc>
+                  <a:txBody>
+                    <a:bodyPr lIns="90000" rIns="90000">
+                      <a:noAutofit/>
+                    </a:bodyPr>
+                    <a:p>
+                      <a:pPr algn="ctr">
+                        <a:lnSpc>
+                          <a:spcPct val="100000"/>
+                        </a:lnSpc>
+                      </a:pPr>
+                      <a:r>
+                        <a:rPr b="0" lang="en-US" sz="1200" spc="-1" strike="noStrike">
+                          <a:latin typeface="Arial"/>
+                        </a:rPr>
+                        <a:t>89.59 ± 0.74</a:t>
+                      </a:r>
+                      <a:endParaRPr b="0" lang="en-US" sz="1200" spc="-1" strike="noStrike">
+                        <a:latin typeface="Arial"/>
+                      </a:endParaRPr>
+                    </a:p>
+                  </a:txBody>
+                  <a:tcPr marL="90000" marR="90000">
+                    <a:solidFill>
+                      <a:srgbClr val="cccccc"/>
+                    </a:solidFill>
+                  </a:tcPr>
+                </a:tc>
+                <a:tc>
+                  <a:txBody>
+                    <a:bodyPr lIns="90000" rIns="90000">
                       <a:noAutofit/>
                     </a:bodyPr>
                     <a:p>
@@ -12498,7 +14221,6 @@
                       </a:r>
                       <a:endParaRPr b="0" lang="en-US" sz="1200" spc="-1" strike="noStrike">
                         <a:latin typeface="Arial"/>
-                        <a:ea typeface="Noto Sans CJK SC"/>
                       </a:endParaRPr>
                     </a:p>
                   </a:txBody>
@@ -12508,111 +14230,9 @@
                     </a:solidFill>
                   </a:tcPr>
                 </a:tc>
-              </a:tr>
-              <a:tr h="376920">
                 <a:tc>
                   <a:txBody>
-                    <a:bodyPr lIns="90000" rIns="90000" tIns="46800" bIns="46800" anchor="ctr">
-                      <a:noAutofit/>
-                    </a:bodyPr>
-                    <a:p>
-                      <a:pPr algn="ctr"/>
-                      <a:r>
-                        <a:rPr b="0" lang="en-US" sz="1200" spc="-1" strike="noStrike">
-                          <a:latin typeface="Arial"/>
-                        </a:rPr>
-                        <a:t>Permutācijas</a:t>
-                      </a:r>
-                      <a:endParaRPr b="0" lang="en-US" sz="1200" spc="-1" strike="noStrike">
-                        <a:latin typeface="Arial"/>
-                        <a:ea typeface="Noto Sans CJK SC"/>
-                      </a:endParaRPr>
-                    </a:p>
-                  </a:txBody>
-                  <a:tcPr marL="90000" marR="90000">
-                    <a:solidFill>
-                      <a:srgbClr val="e6e6e6"/>
-                    </a:solidFill>
-                  </a:tcPr>
-                </a:tc>
-                <a:tc>
-                  <a:txBody>
-                    <a:bodyPr lIns="90000" rIns="90000" tIns="46800" bIns="46800" anchor="ctr">
-                      <a:noAutofit/>
-                    </a:bodyPr>
-                    <a:p>
-                      <a:pPr algn="ctr"/>
-                      <a:r>
-                        <a:rPr b="0" lang="en-US" sz="1200" spc="-1" strike="noStrike">
-                          <a:latin typeface="Arial"/>
-                        </a:rPr>
-                        <a:t>1.36 ± 0.15</a:t>
-                      </a:r>
-                      <a:endParaRPr b="0" lang="en-US" sz="1200" spc="-1" strike="noStrike">
-                        <a:latin typeface="Arial"/>
-                        <a:ea typeface="Noto Sans CJK SC"/>
-                      </a:endParaRPr>
-                    </a:p>
-                  </a:txBody>
-                  <a:tcPr marL="90000" marR="90000">
-                    <a:solidFill>
-                      <a:srgbClr val="e6e6e6"/>
-                    </a:solidFill>
-                  </a:tcPr>
-                </a:tc>
-                <a:tc>
-                  <a:txBody>
-                    <a:bodyPr lIns="90000" rIns="90000" tIns="46800" bIns="46800" anchor="ctr">
-                      <a:noAutofit/>
-                    </a:bodyPr>
-                    <a:p>
-                      <a:pPr algn="ctr"/>
-                      <a:r>
-                        <a:rPr b="0" lang="en-US" sz="1200" spc="-1" strike="noStrike">
-                          <a:latin typeface="Arial"/>
-                        </a:rPr>
-                        <a:t>45.44 ± 2.16</a:t>
-                      </a:r>
-                      <a:endParaRPr b="0" lang="en-US" sz="1200" spc="-1" strike="noStrike">
-                        <a:latin typeface="Arial"/>
-                        <a:ea typeface="Noto Sans CJK SC"/>
-                      </a:endParaRPr>
-                    </a:p>
-                  </a:txBody>
-                  <a:tcPr marL="90000" marR="90000">
-                    <a:solidFill>
-                      <a:srgbClr val="e6e6e6"/>
-                    </a:solidFill>
-                  </a:tcPr>
-                </a:tc>
-                <a:tc>
-                  <a:txBody>
-                    <a:bodyPr lIns="90000" rIns="90000" tIns="46800" bIns="46800" anchor="ctr">
-                      <a:noAutofit/>
-                    </a:bodyPr>
-                    <a:p>
-                      <a:pPr algn="ctr"/>
-                      <a:r>
-                        <a:rPr b="1" lang="en-US" sz="1200" spc="-1" strike="noStrike">
-                          <a:latin typeface="Arial"/>
-                        </a:rPr>
-                        <a:t>92.01 ± 0.66</a:t>
-                      </a:r>
-                      <a:endParaRPr b="1" lang="en-US" sz="1200" spc="-1" strike="noStrike">
-                        <a:latin typeface="Arial"/>
-                        <a:ea typeface="Noto Sans CJK SC"/>
-                      </a:endParaRPr>
-                    </a:p>
-                  </a:txBody>
-                  <a:tcPr marL="90000" marR="90000">
-                    <a:solidFill>
-                      <a:srgbClr val="e6e6e6"/>
-                    </a:solidFill>
-                  </a:tcPr>
-                </a:tc>
-                <a:tc>
-                  <a:txBody>
-                    <a:bodyPr lIns="90000" rIns="90000" tIns="46800" bIns="46800" anchor="ctr">
+                    <a:bodyPr lIns="90000" rIns="90000">
                       <a:noAutofit/>
                     </a:bodyPr>
                     <a:p>
@@ -12629,7 +14249,36 @@
                       </a:r>
                       <a:endParaRPr b="0" lang="en-US" sz="1200" spc="-1" strike="noStrike">
                         <a:latin typeface="Arial"/>
-                        <a:ea typeface="Noto Sans CJK SC"/>
+                      </a:endParaRPr>
+                    </a:p>
+                  </a:txBody>
+                  <a:tcPr marL="90000" marR="90000">
+                    <a:solidFill>
+                      <a:srgbClr val="cccccc"/>
+                    </a:solidFill>
+                  </a:tcPr>
+                </a:tc>
+              </a:tr>
+              <a:tr h="348480">
+                <a:tc>
+                  <a:txBody>
+                    <a:bodyPr lIns="90000" rIns="90000">
+                      <a:noAutofit/>
+                    </a:bodyPr>
+                    <a:p>
+                      <a:pPr algn="ctr">
+                        <a:lnSpc>
+                          <a:spcPct val="100000"/>
+                        </a:lnSpc>
+                      </a:pPr>
+                      <a:r>
+                        <a:rPr b="0" lang="en-US" sz="1200" spc="-1" strike="noStrike">
+                          <a:latin typeface="Arial"/>
+                        </a:rPr>
+                        <a:t>Permutācijas</a:t>
+                      </a:r>
+                      <a:endParaRPr b="0" lang="en-US" sz="1200" spc="-1" strike="noStrike">
+                        <a:latin typeface="Arial"/>
                       </a:endParaRPr>
                     </a:p>
                   </a:txBody>
@@ -12641,7 +14290,91 @@
                 </a:tc>
                 <a:tc>
                   <a:txBody>
-                    <a:bodyPr lIns="90000" rIns="90000" tIns="46800" bIns="46800" anchor="ctr">
+                    <a:bodyPr lIns="90000" rIns="90000">
+                      <a:noAutofit/>
+                    </a:bodyPr>
+                    <a:p>
+                      <a:pPr algn="ctr">
+                        <a:lnSpc>
+                          <a:spcPct val="100000"/>
+                        </a:lnSpc>
+                      </a:pPr>
+                      <a:r>
+                        <a:rPr b="0" lang="en-US" sz="1200" spc="-1" strike="noStrike">
+                          <a:latin typeface="Arial"/>
+                        </a:rPr>
+                        <a:t>1.36 ± 0.15</a:t>
+                      </a:r>
+                      <a:endParaRPr b="0" lang="en-US" sz="1200" spc="-1" strike="noStrike">
+                        <a:latin typeface="Arial"/>
+                      </a:endParaRPr>
+                    </a:p>
+                  </a:txBody>
+                  <a:tcPr marL="90000" marR="90000">
+                    <a:solidFill>
+                      <a:srgbClr val="e6e6e6"/>
+                    </a:solidFill>
+                  </a:tcPr>
+                </a:tc>
+                <a:tc>
+                  <a:txBody>
+                    <a:bodyPr lIns="90000" rIns="90000">
+                      <a:noAutofit/>
+                    </a:bodyPr>
+                    <a:p>
+                      <a:pPr algn="ctr">
+                        <a:lnSpc>
+                          <a:spcPct val="100000"/>
+                        </a:lnSpc>
+                      </a:pPr>
+                      <a:r>
+                        <a:rPr b="0" lang="en-US" sz="1200" spc="-1" strike="noStrike">
+                          <a:latin typeface="Arial"/>
+                        </a:rPr>
+                        <a:t>45.44 ± 2.16</a:t>
+                      </a:r>
+                      <a:endParaRPr b="0" lang="en-US" sz="1200" spc="-1" strike="noStrike">
+                        <a:latin typeface="Arial"/>
+                      </a:endParaRPr>
+                    </a:p>
+                  </a:txBody>
+                  <a:tcPr marL="90000" marR="90000">
+                    <a:solidFill>
+                      <a:srgbClr val="e6e6e6"/>
+                    </a:solidFill>
+                  </a:tcPr>
+                </a:tc>
+                <a:tc>
+                  <a:txBody>
+                    <a:bodyPr lIns="90000" rIns="90000">
+                      <a:noAutofit/>
+                    </a:bodyPr>
+                    <a:p>
+                      <a:pPr algn="ctr">
+                        <a:lnSpc>
+                          <a:spcPct val="100000"/>
+                        </a:lnSpc>
+                      </a:pPr>
+                      <a:r>
+                        <a:rPr b="1" lang="en-US" sz="1200" spc="-1" strike="noStrike">
+                          <a:latin typeface="Arial"/>
+                        </a:rPr>
+                        <a:t>92.01 ± 0.66</a:t>
+                      </a:r>
+                      <a:endParaRPr b="0" lang="en-US" sz="1200" spc="-1" strike="noStrike">
+                        <a:latin typeface="Arial"/>
+                      </a:endParaRPr>
+                    </a:p>
+                  </a:txBody>
+                  <a:tcPr marL="90000" marR="90000">
+                    <a:solidFill>
+                      <a:srgbClr val="e6e6e6"/>
+                    </a:solidFill>
+                  </a:tcPr>
+                </a:tc>
+                <a:tc>
+                  <a:txBody>
+                    <a:bodyPr lIns="90000" rIns="90000">
                       <a:noAutofit/>
                     </a:bodyPr>
                     <a:p>
@@ -12658,7 +14391,6 @@
                       </a:r>
                       <a:endParaRPr b="0" lang="en-US" sz="1200" spc="-1" strike="noStrike">
                         <a:latin typeface="Arial"/>
-                        <a:ea typeface="Noto Sans CJK SC"/>
                       </a:endParaRPr>
                     </a:p>
                   </a:txBody>
@@ -12668,111 +14400,9 @@
                     </a:solidFill>
                   </a:tcPr>
                 </a:tc>
-              </a:tr>
-              <a:tr h="376920">
                 <a:tc>
                   <a:txBody>
-                    <a:bodyPr lIns="90000" rIns="90000" tIns="46800" bIns="46800" anchor="ctr">
-                      <a:noAutofit/>
-                    </a:bodyPr>
-                    <a:p>
-                      <a:pPr algn="ctr"/>
-                      <a:r>
-                        <a:rPr b="0" lang="en-US" sz="1200" spc="-1" strike="noStrike">
-                          <a:latin typeface="Arial"/>
-                        </a:rPr>
-                        <a:t>TreeSHAP</a:t>
-                      </a:r>
-                      <a:endParaRPr b="0" lang="en-US" sz="1200" spc="-1" strike="noStrike">
-                        <a:latin typeface="Arial"/>
-                        <a:ea typeface="Noto Sans CJK SC"/>
-                      </a:endParaRPr>
-                    </a:p>
-                  </a:txBody>
-                  <a:tcPr marL="90000" marR="90000">
-                    <a:solidFill>
-                      <a:srgbClr val="cccccc"/>
-                    </a:solidFill>
-                  </a:tcPr>
-                </a:tc>
-                <a:tc>
-                  <a:txBody>
-                    <a:bodyPr lIns="90000" rIns="90000" tIns="46800" bIns="46800" anchor="ctr">
-                      <a:noAutofit/>
-                    </a:bodyPr>
-                    <a:p>
-                      <a:pPr algn="ctr"/>
-                      <a:r>
-                        <a:rPr b="0" lang="en-US" sz="1200" spc="-1" strike="noStrike">
-                          <a:latin typeface="Arial"/>
-                        </a:rPr>
-                        <a:t>1.09 ± 0.24</a:t>
-                      </a:r>
-                      <a:endParaRPr b="0" lang="en-US" sz="1200" spc="-1" strike="noStrike">
-                        <a:latin typeface="Arial"/>
-                        <a:ea typeface="Noto Sans CJK SC"/>
-                      </a:endParaRPr>
-                    </a:p>
-                  </a:txBody>
-                  <a:tcPr marL="90000" marR="90000">
-                    <a:solidFill>
-                      <a:srgbClr val="cccccc"/>
-                    </a:solidFill>
-                  </a:tcPr>
-                </a:tc>
-                <a:tc>
-                  <a:txBody>
-                    <a:bodyPr lIns="90000" rIns="90000" tIns="46800" bIns="46800" anchor="ctr">
-                      <a:noAutofit/>
-                    </a:bodyPr>
-                    <a:p>
-                      <a:pPr algn="ctr"/>
-                      <a:r>
-                        <a:rPr b="0" lang="en-US" sz="1200" spc="-1" strike="noStrike">
-                          <a:latin typeface="Arial"/>
-                        </a:rPr>
-                        <a:t>43.46 ± 2.13</a:t>
-                      </a:r>
-                      <a:endParaRPr b="0" lang="en-US" sz="1200" spc="-1" strike="noStrike">
-                        <a:latin typeface="Arial"/>
-                        <a:ea typeface="Noto Sans CJK SC"/>
-                      </a:endParaRPr>
-                    </a:p>
-                  </a:txBody>
-                  <a:tcPr marL="90000" marR="90000">
-                    <a:solidFill>
-                      <a:srgbClr val="cccccc"/>
-                    </a:solidFill>
-                  </a:tcPr>
-                </a:tc>
-                <a:tc>
-                  <a:txBody>
-                    <a:bodyPr lIns="90000" rIns="90000" tIns="46800" bIns="46800" anchor="ctr">
-                      <a:noAutofit/>
-                    </a:bodyPr>
-                    <a:p>
-                      <a:pPr algn="ctr"/>
-                      <a:r>
-                        <a:rPr b="0" lang="en-US" sz="1200" spc="-1" strike="noStrike">
-                          <a:latin typeface="Arial"/>
-                        </a:rPr>
-                        <a:t>87.69 ± 1.01</a:t>
-                      </a:r>
-                      <a:endParaRPr b="0" lang="en-US" sz="1200" spc="-1" strike="noStrike">
-                        <a:latin typeface="Arial"/>
-                        <a:ea typeface="Noto Sans CJK SC"/>
-                      </a:endParaRPr>
-                    </a:p>
-                  </a:txBody>
-                  <a:tcPr marL="90000" marR="90000">
-                    <a:solidFill>
-                      <a:srgbClr val="cccccc"/>
-                    </a:solidFill>
-                  </a:tcPr>
-                </a:tc>
-                <a:tc>
-                  <a:txBody>
-                    <a:bodyPr lIns="90000" rIns="90000" tIns="46800" bIns="46800" anchor="ctr">
+                    <a:bodyPr lIns="90000" rIns="90000">
                       <a:noAutofit/>
                     </a:bodyPr>
                     <a:p>
@@ -12789,7 +14419,36 @@
                       </a:r>
                       <a:endParaRPr b="0" lang="en-US" sz="1200" spc="-1" strike="noStrike">
                         <a:latin typeface="Arial"/>
-                        <a:ea typeface="Noto Sans CJK SC"/>
+                      </a:endParaRPr>
+                    </a:p>
+                  </a:txBody>
+                  <a:tcPr marL="90000" marR="90000">
+                    <a:solidFill>
+                      <a:srgbClr val="e6e6e6"/>
+                    </a:solidFill>
+                  </a:tcPr>
+                </a:tc>
+              </a:tr>
+              <a:tr h="348480">
+                <a:tc>
+                  <a:txBody>
+                    <a:bodyPr lIns="90000" rIns="90000">
+                      <a:noAutofit/>
+                    </a:bodyPr>
+                    <a:p>
+                      <a:pPr algn="ctr">
+                        <a:lnSpc>
+                          <a:spcPct val="100000"/>
+                        </a:lnSpc>
+                      </a:pPr>
+                      <a:r>
+                        <a:rPr b="0" lang="en-US" sz="1200" spc="-1" strike="noStrike">
+                          <a:latin typeface="Arial"/>
+                        </a:rPr>
+                        <a:t>TreeSHAP</a:t>
+                      </a:r>
+                      <a:endParaRPr b="0" lang="en-US" sz="1200" spc="-1" strike="noStrike">
+                        <a:latin typeface="Arial"/>
                       </a:endParaRPr>
                     </a:p>
                   </a:txBody>
@@ -12801,7 +14460,91 @@
                 </a:tc>
                 <a:tc>
                   <a:txBody>
-                    <a:bodyPr lIns="90000" rIns="90000" tIns="46800" bIns="46800" anchor="ctr">
+                    <a:bodyPr lIns="90000" rIns="90000">
+                      <a:noAutofit/>
+                    </a:bodyPr>
+                    <a:p>
+                      <a:pPr algn="ctr">
+                        <a:lnSpc>
+                          <a:spcPct val="100000"/>
+                        </a:lnSpc>
+                      </a:pPr>
+                      <a:r>
+                        <a:rPr b="0" lang="en-US" sz="1200" spc="-1" strike="noStrike">
+                          <a:latin typeface="Arial"/>
+                        </a:rPr>
+                        <a:t>1.09 ± 0.24</a:t>
+                      </a:r>
+                      <a:endParaRPr b="0" lang="en-US" sz="1200" spc="-1" strike="noStrike">
+                        <a:latin typeface="Arial"/>
+                      </a:endParaRPr>
+                    </a:p>
+                  </a:txBody>
+                  <a:tcPr marL="90000" marR="90000">
+                    <a:solidFill>
+                      <a:srgbClr val="cccccc"/>
+                    </a:solidFill>
+                  </a:tcPr>
+                </a:tc>
+                <a:tc>
+                  <a:txBody>
+                    <a:bodyPr lIns="90000" rIns="90000">
+                      <a:noAutofit/>
+                    </a:bodyPr>
+                    <a:p>
+                      <a:pPr algn="ctr">
+                        <a:lnSpc>
+                          <a:spcPct val="100000"/>
+                        </a:lnSpc>
+                      </a:pPr>
+                      <a:r>
+                        <a:rPr b="0" lang="en-US" sz="1200" spc="-1" strike="noStrike">
+                          <a:latin typeface="Arial"/>
+                        </a:rPr>
+                        <a:t>43.46 ± 2.13</a:t>
+                      </a:r>
+                      <a:endParaRPr b="0" lang="en-US" sz="1200" spc="-1" strike="noStrike">
+                        <a:latin typeface="Arial"/>
+                      </a:endParaRPr>
+                    </a:p>
+                  </a:txBody>
+                  <a:tcPr marL="90000" marR="90000">
+                    <a:solidFill>
+                      <a:srgbClr val="cccccc"/>
+                    </a:solidFill>
+                  </a:tcPr>
+                </a:tc>
+                <a:tc>
+                  <a:txBody>
+                    <a:bodyPr lIns="90000" rIns="90000">
+                      <a:noAutofit/>
+                    </a:bodyPr>
+                    <a:p>
+                      <a:pPr algn="ctr">
+                        <a:lnSpc>
+                          <a:spcPct val="100000"/>
+                        </a:lnSpc>
+                      </a:pPr>
+                      <a:r>
+                        <a:rPr b="0" lang="en-US" sz="1200" spc="-1" strike="noStrike">
+                          <a:latin typeface="Arial"/>
+                        </a:rPr>
+                        <a:t>87.69 ± 1.01</a:t>
+                      </a:r>
+                      <a:endParaRPr b="0" lang="en-US" sz="1200" spc="-1" strike="noStrike">
+                        <a:latin typeface="Arial"/>
+                      </a:endParaRPr>
+                    </a:p>
+                  </a:txBody>
+                  <a:tcPr marL="90000" marR="90000">
+                    <a:solidFill>
+                      <a:srgbClr val="cccccc"/>
+                    </a:solidFill>
+                  </a:tcPr>
+                </a:tc>
+                <a:tc>
+                  <a:txBody>
+                    <a:bodyPr lIns="90000" rIns="90000">
                       <a:noAutofit/>
                     </a:bodyPr>
                     <a:p>
@@ -12818,7 +14561,6 @@
                       </a:r>
                       <a:endParaRPr b="0" lang="en-US" sz="1200" spc="-1" strike="noStrike">
                         <a:latin typeface="Arial"/>
-                        <a:ea typeface="Noto Sans CJK SC"/>
                       </a:endParaRPr>
                     </a:p>
                   </a:txBody>
@@ -12828,111 +14570,9 @@
                     </a:solidFill>
                   </a:tcPr>
                 </a:tc>
-              </a:tr>
-              <a:tr h="376920">
                 <a:tc>
                   <a:txBody>
-                    <a:bodyPr lIns="90000" rIns="90000" tIns="46800" bIns="46800" anchor="ctr">
-                      <a:noAutofit/>
-                    </a:bodyPr>
-                    <a:p>
-                      <a:pPr algn="ctr"/>
-                      <a:r>
-                        <a:rPr b="0" lang="en-US" sz="1200" spc="-1" strike="noStrike">
-                          <a:latin typeface="Arial"/>
-                        </a:rPr>
-                        <a:t>Pīrsona koef.</a:t>
-                      </a:r>
-                      <a:endParaRPr b="0" lang="en-US" sz="1200" spc="-1" strike="noStrike">
-                        <a:latin typeface="Arial"/>
-                        <a:ea typeface="Noto Sans CJK SC"/>
-                      </a:endParaRPr>
-                    </a:p>
-                  </a:txBody>
-                  <a:tcPr marL="90000" marR="90000">
-                    <a:solidFill>
-                      <a:srgbClr val="e6e6e6"/>
-                    </a:solidFill>
-                  </a:tcPr>
-                </a:tc>
-                <a:tc>
-                  <a:txBody>
-                    <a:bodyPr lIns="90000" rIns="90000" tIns="46800" bIns="46800" anchor="ctr">
-                      <a:noAutofit/>
-                    </a:bodyPr>
-                    <a:p>
-                      <a:pPr algn="ctr"/>
-                      <a:r>
-                        <a:rPr b="0" lang="en-US" sz="1200" spc="-1" strike="noStrike">
-                          <a:latin typeface="Arial"/>
-                        </a:rPr>
-                        <a:t>1.36 ± 0.19</a:t>
-                      </a:r>
-                      <a:endParaRPr b="0" lang="en-US" sz="1200" spc="-1" strike="noStrike">
-                        <a:latin typeface="Arial"/>
-                        <a:ea typeface="Noto Sans CJK SC"/>
-                      </a:endParaRPr>
-                    </a:p>
-                  </a:txBody>
-                  <a:tcPr marL="90000" marR="90000">
-                    <a:solidFill>
-                      <a:srgbClr val="e6e6e6"/>
-                    </a:solidFill>
-                  </a:tcPr>
-                </a:tc>
-                <a:tc>
-                  <a:txBody>
-                    <a:bodyPr lIns="90000" rIns="90000" tIns="46800" bIns="46800" anchor="ctr">
-                      <a:noAutofit/>
-                    </a:bodyPr>
-                    <a:p>
-                      <a:pPr algn="ctr"/>
-                      <a:r>
-                        <a:rPr b="0" lang="en-US" sz="1200" spc="-1" strike="noStrike">
-                          <a:latin typeface="Arial"/>
-                        </a:rPr>
-                        <a:t>34.05 ± 1.92</a:t>
-                      </a:r>
-                      <a:endParaRPr b="0" lang="en-US" sz="1200" spc="-1" strike="noStrike">
-                        <a:latin typeface="Arial"/>
-                        <a:ea typeface="Noto Sans CJK SC"/>
-                      </a:endParaRPr>
-                    </a:p>
-                  </a:txBody>
-                  <a:tcPr marL="90000" marR="90000">
-                    <a:solidFill>
-                      <a:srgbClr val="e6e6e6"/>
-                    </a:solidFill>
-                  </a:tcPr>
-                </a:tc>
-                <a:tc>
-                  <a:txBody>
-                    <a:bodyPr lIns="90000" rIns="90000" tIns="46800" bIns="46800" anchor="ctr">
-                      <a:noAutofit/>
-                    </a:bodyPr>
-                    <a:p>
-                      <a:pPr algn="ctr"/>
-                      <a:r>
-                        <a:rPr b="0" lang="en-US" sz="1200" spc="-1" strike="noStrike">
-                          <a:latin typeface="Arial"/>
-                        </a:rPr>
-                        <a:t>87.71 ± 0.81</a:t>
-                      </a:r>
-                      <a:endParaRPr b="0" lang="en-US" sz="1200" spc="-1" strike="noStrike">
-                        <a:latin typeface="Arial"/>
-                        <a:ea typeface="Noto Sans CJK SC"/>
-                      </a:endParaRPr>
-                    </a:p>
-                  </a:txBody>
-                  <a:tcPr marL="90000" marR="90000">
-                    <a:solidFill>
-                      <a:srgbClr val="e6e6e6"/>
-                    </a:solidFill>
-                  </a:tcPr>
-                </a:tc>
-                <a:tc>
-                  <a:txBody>
-                    <a:bodyPr lIns="90000" rIns="90000" tIns="46800" bIns="46800" anchor="ctr">
+                    <a:bodyPr lIns="90000" rIns="90000">
                       <a:noAutofit/>
                     </a:bodyPr>
                     <a:p>
@@ -12949,7 +14589,36 @@
                       </a:r>
                       <a:endParaRPr b="0" lang="en-US" sz="1200" spc="-1" strike="noStrike">
                         <a:latin typeface="Arial"/>
-                        <a:ea typeface="Noto Sans CJK SC"/>
+                      </a:endParaRPr>
+                    </a:p>
+                  </a:txBody>
+                  <a:tcPr marL="90000" marR="90000">
+                    <a:solidFill>
+                      <a:srgbClr val="cccccc"/>
+                    </a:solidFill>
+                  </a:tcPr>
+                </a:tc>
+              </a:tr>
+              <a:tr h="348480">
+                <a:tc>
+                  <a:txBody>
+                    <a:bodyPr lIns="90000" rIns="90000">
+                      <a:noAutofit/>
+                    </a:bodyPr>
+                    <a:p>
+                      <a:pPr algn="ctr">
+                        <a:lnSpc>
+                          <a:spcPct val="100000"/>
+                        </a:lnSpc>
+                      </a:pPr>
+                      <a:r>
+                        <a:rPr b="0" lang="en-US" sz="1200" spc="-1" strike="noStrike">
+                          <a:latin typeface="Arial"/>
+                        </a:rPr>
+                        <a:t>Pīrsona koef.</a:t>
+                      </a:r>
+                      <a:endParaRPr b="0" lang="en-US" sz="1200" spc="-1" strike="noStrike">
+                        <a:latin typeface="Arial"/>
                       </a:endParaRPr>
                     </a:p>
                   </a:txBody>
@@ -12961,7 +14630,91 @@
                 </a:tc>
                 <a:tc>
                   <a:txBody>
-                    <a:bodyPr lIns="90000" rIns="90000" tIns="46800" bIns="46800" anchor="ctr">
+                    <a:bodyPr lIns="90000" rIns="90000">
+                      <a:noAutofit/>
+                    </a:bodyPr>
+                    <a:p>
+                      <a:pPr algn="ctr">
+                        <a:lnSpc>
+                          <a:spcPct val="100000"/>
+                        </a:lnSpc>
+                      </a:pPr>
+                      <a:r>
+                        <a:rPr b="0" lang="en-US" sz="1200" spc="-1" strike="noStrike">
+                          <a:latin typeface="Arial"/>
+                        </a:rPr>
+                        <a:t>1.36 ± 0.19</a:t>
+                      </a:r>
+                      <a:endParaRPr b="0" lang="en-US" sz="1200" spc="-1" strike="noStrike">
+                        <a:latin typeface="Arial"/>
+                      </a:endParaRPr>
+                    </a:p>
+                  </a:txBody>
+                  <a:tcPr marL="90000" marR="90000">
+                    <a:solidFill>
+                      <a:srgbClr val="e6e6e6"/>
+                    </a:solidFill>
+                  </a:tcPr>
+                </a:tc>
+                <a:tc>
+                  <a:txBody>
+                    <a:bodyPr lIns="90000" rIns="90000">
+                      <a:noAutofit/>
+                    </a:bodyPr>
+                    <a:p>
+                      <a:pPr algn="ctr">
+                        <a:lnSpc>
+                          <a:spcPct val="100000"/>
+                        </a:lnSpc>
+                      </a:pPr>
+                      <a:r>
+                        <a:rPr b="0" lang="en-US" sz="1200" spc="-1" strike="noStrike">
+                          <a:latin typeface="Arial"/>
+                        </a:rPr>
+                        <a:t>34.05 ± 1.92</a:t>
+                      </a:r>
+                      <a:endParaRPr b="0" lang="en-US" sz="1200" spc="-1" strike="noStrike">
+                        <a:latin typeface="Arial"/>
+                      </a:endParaRPr>
+                    </a:p>
+                  </a:txBody>
+                  <a:tcPr marL="90000" marR="90000">
+                    <a:solidFill>
+                      <a:srgbClr val="e6e6e6"/>
+                    </a:solidFill>
+                  </a:tcPr>
+                </a:tc>
+                <a:tc>
+                  <a:txBody>
+                    <a:bodyPr lIns="90000" rIns="90000">
+                      <a:noAutofit/>
+                    </a:bodyPr>
+                    <a:p>
+                      <a:pPr algn="ctr">
+                        <a:lnSpc>
+                          <a:spcPct val="100000"/>
+                        </a:lnSpc>
+                      </a:pPr>
+                      <a:r>
+                        <a:rPr b="0" lang="en-US" sz="1200" spc="-1" strike="noStrike">
+                          <a:latin typeface="Arial"/>
+                        </a:rPr>
+                        <a:t>87.71 ± 0.81</a:t>
+                      </a:r>
+                      <a:endParaRPr b="0" lang="en-US" sz="1200" spc="-1" strike="noStrike">
+                        <a:latin typeface="Arial"/>
+                      </a:endParaRPr>
+                    </a:p>
+                  </a:txBody>
+                  <a:tcPr marL="90000" marR="90000">
+                    <a:solidFill>
+                      <a:srgbClr val="e6e6e6"/>
+                    </a:solidFill>
+                  </a:tcPr>
+                </a:tc>
+                <a:tc>
+                  <a:txBody>
+                    <a:bodyPr lIns="90000" rIns="90000">
                       <a:noAutofit/>
                     </a:bodyPr>
                     <a:p>
@@ -12978,7 +14731,6 @@
                       </a:r>
                       <a:endParaRPr b="0" lang="en-US" sz="1200" spc="-1" strike="noStrike">
                         <a:latin typeface="Arial"/>
-                        <a:ea typeface="Noto Sans CJK SC"/>
                       </a:endParaRPr>
                     </a:p>
                   </a:txBody>
@@ -12988,111 +14740,9 @@
                     </a:solidFill>
                   </a:tcPr>
                 </a:tc>
-              </a:tr>
-              <a:tr h="376920">
                 <a:tc>
                   <a:txBody>
-                    <a:bodyPr lIns="90000" rIns="90000" tIns="46800" bIns="46800" anchor="ctr">
-                      <a:noAutofit/>
-                    </a:bodyPr>
-                    <a:p>
-                      <a:pPr algn="ctr"/>
-                      <a:r>
-                        <a:rPr b="0" lang="en-US" sz="1200" spc="-1" strike="noStrike">
-                          <a:latin typeface="Arial"/>
-                        </a:rPr>
-                        <a:t>Spīrmana koef.</a:t>
-                      </a:r>
-                      <a:endParaRPr b="0" lang="en-US" sz="1200" spc="-1" strike="noStrike">
-                        <a:latin typeface="Arial"/>
-                        <a:ea typeface="Noto Sans CJK SC"/>
-                      </a:endParaRPr>
-                    </a:p>
-                  </a:txBody>
-                  <a:tcPr marL="90000" marR="90000">
-                    <a:solidFill>
-                      <a:srgbClr val="cccccc"/>
-                    </a:solidFill>
-                  </a:tcPr>
-                </a:tc>
-                <a:tc>
-                  <a:txBody>
-                    <a:bodyPr lIns="90000" rIns="90000" tIns="46800" bIns="46800" anchor="ctr">
-                      <a:noAutofit/>
-                    </a:bodyPr>
-                    <a:p>
-                      <a:pPr algn="ctr"/>
-                      <a:r>
-                        <a:rPr b="0" lang="en-US" sz="1200" spc="-1" strike="noStrike">
-                          <a:latin typeface="Arial"/>
-                        </a:rPr>
-                        <a:t>1.41 ± 0.18</a:t>
-                      </a:r>
-                      <a:endParaRPr b="0" lang="en-US" sz="1200" spc="-1" strike="noStrike">
-                        <a:latin typeface="Arial"/>
-                        <a:ea typeface="Noto Sans CJK SC"/>
-                      </a:endParaRPr>
-                    </a:p>
-                  </a:txBody>
-                  <a:tcPr marL="90000" marR="90000">
-                    <a:solidFill>
-                      <a:srgbClr val="cccccc"/>
-                    </a:solidFill>
-                  </a:tcPr>
-                </a:tc>
-                <a:tc>
-                  <a:txBody>
-                    <a:bodyPr lIns="90000" rIns="90000" tIns="46800" bIns="46800" anchor="ctr">
-                      <a:noAutofit/>
-                    </a:bodyPr>
-                    <a:p>
-                      <a:pPr algn="ctr"/>
-                      <a:r>
-                        <a:rPr b="0" lang="en-US" sz="1200" spc="-1" strike="noStrike">
-                          <a:latin typeface="Arial"/>
-                        </a:rPr>
-                        <a:t>34.17 ± 1.86</a:t>
-                      </a:r>
-                      <a:endParaRPr b="0" lang="en-US" sz="1200" spc="-1" strike="noStrike">
-                        <a:latin typeface="Arial"/>
-                        <a:ea typeface="Noto Sans CJK SC"/>
-                      </a:endParaRPr>
-                    </a:p>
-                  </a:txBody>
-                  <a:tcPr marL="90000" marR="90000">
-                    <a:solidFill>
-                      <a:srgbClr val="cccccc"/>
-                    </a:solidFill>
-                  </a:tcPr>
-                </a:tc>
-                <a:tc>
-                  <a:txBody>
-                    <a:bodyPr lIns="90000" rIns="90000" tIns="46800" bIns="46800" anchor="ctr">
-                      <a:noAutofit/>
-                    </a:bodyPr>
-                    <a:p>
-                      <a:pPr algn="ctr"/>
-                      <a:r>
-                        <a:rPr b="0" lang="en-US" sz="1200" spc="-1" strike="noStrike">
-                          <a:latin typeface="Arial"/>
-                        </a:rPr>
-                        <a:t>87.46 ± 0.73</a:t>
-                      </a:r>
-                      <a:endParaRPr b="0" lang="en-US" sz="1200" spc="-1" strike="noStrike">
-                        <a:latin typeface="Arial"/>
-                        <a:ea typeface="Noto Sans CJK SC"/>
-                      </a:endParaRPr>
-                    </a:p>
-                  </a:txBody>
-                  <a:tcPr marL="90000" marR="90000">
-                    <a:solidFill>
-                      <a:srgbClr val="cccccc"/>
-                    </a:solidFill>
-                  </a:tcPr>
-                </a:tc>
-                <a:tc>
-                  <a:txBody>
-                    <a:bodyPr lIns="90000" rIns="90000" tIns="46800" bIns="46800" anchor="ctr">
+                    <a:bodyPr lIns="90000" rIns="90000">
                       <a:noAutofit/>
                     </a:bodyPr>
                     <a:p>
@@ -13109,7 +14759,36 @@
                       </a:r>
                       <a:endParaRPr b="0" lang="en-US" sz="1200" spc="-1" strike="noStrike">
                         <a:latin typeface="Arial"/>
-                        <a:ea typeface="Noto Sans CJK SC"/>
+                      </a:endParaRPr>
+                    </a:p>
+                  </a:txBody>
+                  <a:tcPr marL="90000" marR="90000">
+                    <a:solidFill>
+                      <a:srgbClr val="e6e6e6"/>
+                    </a:solidFill>
+                  </a:tcPr>
+                </a:tc>
+              </a:tr>
+              <a:tr h="348480">
+                <a:tc>
+                  <a:txBody>
+                    <a:bodyPr lIns="90000" rIns="90000">
+                      <a:noAutofit/>
+                    </a:bodyPr>
+                    <a:p>
+                      <a:pPr algn="ctr">
+                        <a:lnSpc>
+                          <a:spcPct val="100000"/>
+                        </a:lnSpc>
+                      </a:pPr>
+                      <a:r>
+                        <a:rPr b="0" lang="en-US" sz="1200" spc="-1" strike="noStrike">
+                          <a:latin typeface="Arial"/>
+                        </a:rPr>
+                        <a:t>Spīrmana koef.</a:t>
+                      </a:r>
+                      <a:endParaRPr b="0" lang="en-US" sz="1200" spc="-1" strike="noStrike">
+                        <a:latin typeface="Arial"/>
                       </a:endParaRPr>
                     </a:p>
                   </a:txBody>
@@ -13121,7 +14800,91 @@
                 </a:tc>
                 <a:tc>
                   <a:txBody>
-                    <a:bodyPr lIns="90000" rIns="90000" tIns="46800" bIns="46800" anchor="ctr">
+                    <a:bodyPr lIns="90000" rIns="90000">
+                      <a:noAutofit/>
+                    </a:bodyPr>
+                    <a:p>
+                      <a:pPr algn="ctr">
+                        <a:lnSpc>
+                          <a:spcPct val="100000"/>
+                        </a:lnSpc>
+                      </a:pPr>
+                      <a:r>
+                        <a:rPr b="0" lang="en-US" sz="1200" spc="-1" strike="noStrike">
+                          <a:latin typeface="Arial"/>
+                        </a:rPr>
+                        <a:t>1.41 ± 0.18</a:t>
+                      </a:r>
+                      <a:endParaRPr b="0" lang="en-US" sz="1200" spc="-1" strike="noStrike">
+                        <a:latin typeface="Arial"/>
+                      </a:endParaRPr>
+                    </a:p>
+                  </a:txBody>
+                  <a:tcPr marL="90000" marR="90000">
+                    <a:solidFill>
+                      <a:srgbClr val="cccccc"/>
+                    </a:solidFill>
+                  </a:tcPr>
+                </a:tc>
+                <a:tc>
+                  <a:txBody>
+                    <a:bodyPr lIns="90000" rIns="90000">
+                      <a:noAutofit/>
+                    </a:bodyPr>
+                    <a:p>
+                      <a:pPr algn="ctr">
+                        <a:lnSpc>
+                          <a:spcPct val="100000"/>
+                        </a:lnSpc>
+                      </a:pPr>
+                      <a:r>
+                        <a:rPr b="0" lang="en-US" sz="1200" spc="-1" strike="noStrike">
+                          <a:latin typeface="Arial"/>
+                        </a:rPr>
+                        <a:t>34.17 ± 1.86</a:t>
+                      </a:r>
+                      <a:endParaRPr b="0" lang="en-US" sz="1200" spc="-1" strike="noStrike">
+                        <a:latin typeface="Arial"/>
+                      </a:endParaRPr>
+                    </a:p>
+                  </a:txBody>
+                  <a:tcPr marL="90000" marR="90000">
+                    <a:solidFill>
+                      <a:srgbClr val="cccccc"/>
+                    </a:solidFill>
+                  </a:tcPr>
+                </a:tc>
+                <a:tc>
+                  <a:txBody>
+                    <a:bodyPr lIns="90000" rIns="90000">
+                      <a:noAutofit/>
+                    </a:bodyPr>
+                    <a:p>
+                      <a:pPr algn="ctr">
+                        <a:lnSpc>
+                          <a:spcPct val="100000"/>
+                        </a:lnSpc>
+                      </a:pPr>
+                      <a:r>
+                        <a:rPr b="0" lang="en-US" sz="1200" spc="-1" strike="noStrike">
+                          <a:latin typeface="Arial"/>
+                        </a:rPr>
+                        <a:t>87.46 ± 0.73</a:t>
+                      </a:r>
+                      <a:endParaRPr b="0" lang="en-US" sz="1200" spc="-1" strike="noStrike">
+                        <a:latin typeface="Arial"/>
+                      </a:endParaRPr>
+                    </a:p>
+                  </a:txBody>
+                  <a:tcPr marL="90000" marR="90000">
+                    <a:solidFill>
+                      <a:srgbClr val="cccccc"/>
+                    </a:solidFill>
+                  </a:tcPr>
+                </a:tc>
+                <a:tc>
+                  <a:txBody>
+                    <a:bodyPr lIns="90000" rIns="90000">
                       <a:noAutofit/>
                     </a:bodyPr>
                     <a:p>
@@ -13138,7 +14901,6 @@
                       </a:r>
                       <a:endParaRPr b="0" lang="en-US" sz="1200" spc="-1" strike="noStrike">
                         <a:latin typeface="Arial"/>
-                        <a:ea typeface="Noto Sans CJK SC"/>
                       </a:endParaRPr>
                     </a:p>
                   </a:txBody>
@@ -13148,111 +14910,9 @@
                     </a:solidFill>
                   </a:tcPr>
                 </a:tc>
-              </a:tr>
-              <a:tr h="376920">
                 <a:tc>
                   <a:txBody>
-                    <a:bodyPr lIns="90000" rIns="90000" tIns="46800" bIns="46800" anchor="ctr">
-                      <a:noAutofit/>
-                    </a:bodyPr>
-                    <a:p>
-                      <a:pPr algn="ctr"/>
-                      <a:r>
-                        <a:rPr b="0" lang="en-US" sz="1200" spc="-1" strike="noStrike">
-                          <a:latin typeface="Arial"/>
-                        </a:rPr>
-                        <a:t>Kendala koef.</a:t>
-                      </a:r>
-                      <a:endParaRPr b="0" lang="en-US" sz="1200" spc="-1" strike="noStrike">
-                        <a:latin typeface="Arial"/>
-                        <a:ea typeface="Noto Sans CJK SC"/>
-                      </a:endParaRPr>
-                    </a:p>
-                  </a:txBody>
-                  <a:tcPr marL="90000" marR="90000">
-                    <a:solidFill>
-                      <a:srgbClr val="e6e6e6"/>
-                    </a:solidFill>
-                  </a:tcPr>
-                </a:tc>
-                <a:tc>
-                  <a:txBody>
-                    <a:bodyPr lIns="90000" rIns="90000" tIns="46800" bIns="46800" anchor="ctr">
-                      <a:noAutofit/>
-                    </a:bodyPr>
-                    <a:p>
-                      <a:pPr algn="ctr"/>
-                      <a:r>
-                        <a:rPr b="0" lang="en-US" sz="1200" spc="-1" strike="noStrike">
-                          <a:latin typeface="Arial"/>
-                        </a:rPr>
-                        <a:t>1.32 ± 0.17</a:t>
-                      </a:r>
-                      <a:endParaRPr b="0" lang="en-US" sz="1200" spc="-1" strike="noStrike">
-                        <a:latin typeface="Arial"/>
-                        <a:ea typeface="Noto Sans CJK SC"/>
-                      </a:endParaRPr>
-                    </a:p>
-                  </a:txBody>
-                  <a:tcPr marL="90000" marR="90000">
-                    <a:solidFill>
-                      <a:srgbClr val="e6e6e6"/>
-                    </a:solidFill>
-                  </a:tcPr>
-                </a:tc>
-                <a:tc>
-                  <a:txBody>
-                    <a:bodyPr lIns="90000" rIns="90000" tIns="46800" bIns="46800" anchor="ctr">
-                      <a:noAutofit/>
-                    </a:bodyPr>
-                    <a:p>
-                      <a:pPr algn="ctr"/>
-                      <a:r>
-                        <a:rPr b="0" lang="en-US" sz="1200" spc="-1" strike="noStrike">
-                          <a:latin typeface="Arial"/>
-                        </a:rPr>
-                        <a:t>32.58 ± 1.97</a:t>
-                      </a:r>
-                      <a:endParaRPr b="0" lang="en-US" sz="1200" spc="-1" strike="noStrike">
-                        <a:latin typeface="Arial"/>
-                        <a:ea typeface="Noto Sans CJK SC"/>
-                      </a:endParaRPr>
-                    </a:p>
-                  </a:txBody>
-                  <a:tcPr marL="90000" marR="90000">
-                    <a:solidFill>
-                      <a:srgbClr val="e6e6e6"/>
-                    </a:solidFill>
-                  </a:tcPr>
-                </a:tc>
-                <a:tc>
-                  <a:txBody>
-                    <a:bodyPr lIns="90000" rIns="90000" tIns="46800" bIns="46800" anchor="ctr">
-                      <a:noAutofit/>
-                    </a:bodyPr>
-                    <a:p>
-                      <a:pPr algn="ctr"/>
-                      <a:r>
-                        <a:rPr b="0" lang="en-US" sz="1200" spc="-1" strike="noStrike">
-                          <a:latin typeface="Arial"/>
-                        </a:rPr>
-                        <a:t>87.52 ± 0.76</a:t>
-                      </a:r>
-                      <a:endParaRPr b="0" lang="en-US" sz="1200" spc="-1" strike="noStrike">
-                        <a:latin typeface="Arial"/>
-                        <a:ea typeface="Noto Sans CJK SC"/>
-                      </a:endParaRPr>
-                    </a:p>
-                  </a:txBody>
-                  <a:tcPr marL="90000" marR="90000">
-                    <a:solidFill>
-                      <a:srgbClr val="e6e6e6"/>
-                    </a:solidFill>
-                  </a:tcPr>
-                </a:tc>
-                <a:tc>
-                  <a:txBody>
-                    <a:bodyPr lIns="90000" rIns="90000" tIns="46800" bIns="46800" anchor="ctr">
+                    <a:bodyPr lIns="90000" rIns="90000">
                       <a:noAutofit/>
                     </a:bodyPr>
                     <a:p>
@@ -13269,7 +14929,36 @@
                       </a:r>
                       <a:endParaRPr b="0" lang="en-US" sz="1200" spc="-1" strike="noStrike">
                         <a:latin typeface="Arial"/>
-                        <a:ea typeface="Noto Sans CJK SC"/>
+                      </a:endParaRPr>
+                    </a:p>
+                  </a:txBody>
+                  <a:tcPr marL="90000" marR="90000">
+                    <a:solidFill>
+                      <a:srgbClr val="cccccc"/>
+                    </a:solidFill>
+                  </a:tcPr>
+                </a:tc>
+              </a:tr>
+              <a:tr h="348480">
+                <a:tc>
+                  <a:txBody>
+                    <a:bodyPr lIns="90000" rIns="90000">
+                      <a:noAutofit/>
+                    </a:bodyPr>
+                    <a:p>
+                      <a:pPr algn="ctr">
+                        <a:lnSpc>
+                          <a:spcPct val="100000"/>
+                        </a:lnSpc>
+                      </a:pPr>
+                      <a:r>
+                        <a:rPr b="0" lang="en-US" sz="1200" spc="-1" strike="noStrike">
+                          <a:latin typeface="Arial"/>
+                        </a:rPr>
+                        <a:t>Kendala koef.</a:t>
+                      </a:r>
+                      <a:endParaRPr b="0" lang="en-US" sz="1200" spc="-1" strike="noStrike">
+                        <a:latin typeface="Arial"/>
                       </a:endParaRPr>
                     </a:p>
                   </a:txBody>
@@ -13281,7 +14970,91 @@
                 </a:tc>
                 <a:tc>
                   <a:txBody>
-                    <a:bodyPr lIns="90000" rIns="90000" tIns="46800" bIns="46800" anchor="ctr">
+                    <a:bodyPr lIns="90000" rIns="90000">
+                      <a:noAutofit/>
+                    </a:bodyPr>
+                    <a:p>
+                      <a:pPr algn="ctr">
+                        <a:lnSpc>
+                          <a:spcPct val="100000"/>
+                        </a:lnSpc>
+                      </a:pPr>
+                      <a:r>
+                        <a:rPr b="0" lang="en-US" sz="1200" spc="-1" strike="noStrike">
+                          <a:latin typeface="Arial"/>
+                        </a:rPr>
+                        <a:t>1.32 ± 0.17</a:t>
+                      </a:r>
+                      <a:endParaRPr b="0" lang="en-US" sz="1200" spc="-1" strike="noStrike">
+                        <a:latin typeface="Arial"/>
+                      </a:endParaRPr>
+                    </a:p>
+                  </a:txBody>
+                  <a:tcPr marL="90000" marR="90000">
+                    <a:solidFill>
+                      <a:srgbClr val="e6e6e6"/>
+                    </a:solidFill>
+                  </a:tcPr>
+                </a:tc>
+                <a:tc>
+                  <a:txBody>
+                    <a:bodyPr lIns="90000" rIns="90000">
+                      <a:noAutofit/>
+                    </a:bodyPr>
+                    <a:p>
+                      <a:pPr algn="ctr">
+                        <a:lnSpc>
+                          <a:spcPct val="100000"/>
+                        </a:lnSpc>
+                      </a:pPr>
+                      <a:r>
+                        <a:rPr b="0" lang="en-US" sz="1200" spc="-1" strike="noStrike">
+                          <a:latin typeface="Arial"/>
+                        </a:rPr>
+                        <a:t>32.58 ± 1.97</a:t>
+                      </a:r>
+                      <a:endParaRPr b="0" lang="en-US" sz="1200" spc="-1" strike="noStrike">
+                        <a:latin typeface="Arial"/>
+                      </a:endParaRPr>
+                    </a:p>
+                  </a:txBody>
+                  <a:tcPr marL="90000" marR="90000">
+                    <a:solidFill>
+                      <a:srgbClr val="e6e6e6"/>
+                    </a:solidFill>
+                  </a:tcPr>
+                </a:tc>
+                <a:tc>
+                  <a:txBody>
+                    <a:bodyPr lIns="90000" rIns="90000">
+                      <a:noAutofit/>
+                    </a:bodyPr>
+                    <a:p>
+                      <a:pPr algn="ctr">
+                        <a:lnSpc>
+                          <a:spcPct val="100000"/>
+                        </a:lnSpc>
+                      </a:pPr>
+                      <a:r>
+                        <a:rPr b="0" lang="en-US" sz="1200" spc="-1" strike="noStrike">
+                          <a:latin typeface="Arial"/>
+                        </a:rPr>
+                        <a:t>87.52 ± 0.76</a:t>
+                      </a:r>
+                      <a:endParaRPr b="0" lang="en-US" sz="1200" spc="-1" strike="noStrike">
+                        <a:latin typeface="Arial"/>
+                      </a:endParaRPr>
+                    </a:p>
+                  </a:txBody>
+                  <a:tcPr marL="90000" marR="90000">
+                    <a:solidFill>
+                      <a:srgbClr val="e6e6e6"/>
+                    </a:solidFill>
+                  </a:tcPr>
+                </a:tc>
+                <a:tc>
+                  <a:txBody>
+                    <a:bodyPr lIns="90000" rIns="90000">
                       <a:noAutofit/>
                     </a:bodyPr>
                     <a:p>
@@ -13298,7 +15071,6 @@
                       </a:r>
                       <a:endParaRPr b="0" lang="en-US" sz="1200" spc="-1" strike="noStrike">
                         <a:latin typeface="Arial"/>
-                        <a:ea typeface="Noto Sans CJK SC"/>
                       </a:endParaRPr>
                     </a:p>
                   </a:txBody>
@@ -13308,111 +15080,9 @@
                     </a:solidFill>
                   </a:tcPr>
                 </a:tc>
-              </a:tr>
-              <a:tr h="258480">
                 <a:tc>
                   <a:txBody>
-                    <a:bodyPr lIns="90000" rIns="90000" tIns="46800" bIns="46800" anchor="ctr">
-                      <a:noAutofit/>
-                    </a:bodyPr>
-                    <a:p>
-                      <a:pPr algn="ctr"/>
-                      <a:r>
-                        <a:rPr b="0" lang="en-US" sz="1200" spc="-1" strike="noStrike">
-                          <a:latin typeface="Arial"/>
-                        </a:rPr>
-                        <a:t>Spēka mērs</a:t>
-                      </a:r>
-                      <a:endParaRPr b="0" lang="en-US" sz="1200" spc="-1" strike="noStrike">
-                        <a:latin typeface="Arial"/>
-                        <a:ea typeface="Noto Sans CJK SC"/>
-                      </a:endParaRPr>
-                    </a:p>
-                  </a:txBody>
-                  <a:tcPr marL="90000" marR="90000">
-                    <a:solidFill>
-                      <a:srgbClr val="cccccc"/>
-                    </a:solidFill>
-                  </a:tcPr>
-                </a:tc>
-                <a:tc>
-                  <a:txBody>
-                    <a:bodyPr lIns="90000" rIns="90000" tIns="46800" bIns="46800" anchor="ctr">
-                      <a:noAutofit/>
-                    </a:bodyPr>
-                    <a:p>
-                      <a:pPr algn="ctr"/>
-                      <a:r>
-                        <a:rPr b="0" lang="en-US" sz="1200" spc="-1" strike="noStrike">
-                          <a:latin typeface="Arial"/>
-                        </a:rPr>
-                        <a:t>-0.68 ± 0.47</a:t>
-                      </a:r>
-                      <a:endParaRPr b="0" lang="en-US" sz="1200" spc="-1" strike="noStrike">
-                        <a:latin typeface="Arial"/>
-                        <a:ea typeface="Noto Sans CJK SC"/>
-                      </a:endParaRPr>
-                    </a:p>
-                  </a:txBody>
-                  <a:tcPr marL="90000" marR="90000">
-                    <a:solidFill>
-                      <a:srgbClr val="cccccc"/>
-                    </a:solidFill>
-                  </a:tcPr>
-                </a:tc>
-                <a:tc>
-                  <a:txBody>
-                    <a:bodyPr lIns="90000" rIns="90000" tIns="46800" bIns="46800" anchor="ctr">
-                      <a:noAutofit/>
-                    </a:bodyPr>
-                    <a:p>
-                      <a:pPr algn="ctr"/>
-                      <a:r>
-                        <a:rPr b="0" lang="en-US" sz="1200" spc="-1" strike="noStrike">
-                          <a:latin typeface="Arial"/>
-                        </a:rPr>
-                        <a:t>13.11 ± 1.17</a:t>
-                      </a:r>
-                      <a:endParaRPr b="0" lang="en-US" sz="1200" spc="-1" strike="noStrike">
-                        <a:latin typeface="Arial"/>
-                        <a:ea typeface="Noto Sans CJK SC"/>
-                      </a:endParaRPr>
-                    </a:p>
-                  </a:txBody>
-                  <a:tcPr marL="90000" marR="90000">
-                    <a:solidFill>
-                      <a:srgbClr val="cccccc"/>
-                    </a:solidFill>
-                  </a:tcPr>
-                </a:tc>
-                <a:tc>
-                  <a:txBody>
-                    <a:bodyPr lIns="90000" rIns="90000" tIns="46800" bIns="46800" anchor="ctr">
-                      <a:noAutofit/>
-                    </a:bodyPr>
-                    <a:p>
-                      <a:pPr algn="ctr"/>
-                      <a:r>
-                        <a:rPr b="0" lang="en-US" sz="1200" spc="-1" strike="noStrike">
-                          <a:latin typeface="Arial"/>
-                        </a:rPr>
-                        <a:t>35.19 ± 1.52</a:t>
-                      </a:r>
-                      <a:endParaRPr b="0" lang="en-US" sz="1200" spc="-1" strike="noStrike">
-                        <a:latin typeface="Arial"/>
-                        <a:ea typeface="Noto Sans CJK SC"/>
-                      </a:endParaRPr>
-                    </a:p>
-                  </a:txBody>
-                  <a:tcPr marL="90000" marR="90000">
-                    <a:solidFill>
-                      <a:srgbClr val="cccccc"/>
-                    </a:solidFill>
-                  </a:tcPr>
-                </a:tc>
-                <a:tc>
-                  <a:txBody>
-                    <a:bodyPr lIns="90000" rIns="90000" tIns="46800" bIns="46800" anchor="ctr">
+                    <a:bodyPr lIns="90000" rIns="90000">
                       <a:noAutofit/>
                     </a:bodyPr>
                     <a:p>
@@ -13429,7 +15099,36 @@
                       </a:r>
                       <a:endParaRPr b="0" lang="en-US" sz="1200" spc="-1" strike="noStrike">
                         <a:latin typeface="Arial"/>
-                        <a:ea typeface="Noto Sans CJK SC"/>
+                      </a:endParaRPr>
+                    </a:p>
+                  </a:txBody>
+                  <a:tcPr marL="90000" marR="90000">
+                    <a:solidFill>
+                      <a:srgbClr val="e6e6e6"/>
+                    </a:solidFill>
+                  </a:tcPr>
+                </a:tc>
+              </a:tr>
+              <a:tr h="262440">
+                <a:tc>
+                  <a:txBody>
+                    <a:bodyPr lIns="90000" rIns="90000">
+                      <a:noAutofit/>
+                    </a:bodyPr>
+                    <a:p>
+                      <a:pPr algn="ctr">
+                        <a:lnSpc>
+                          <a:spcPct val="100000"/>
+                        </a:lnSpc>
+                      </a:pPr>
+                      <a:r>
+                        <a:rPr b="0" lang="en-US" sz="1200" spc="-1" strike="noStrike">
+                          <a:latin typeface="Arial"/>
+                        </a:rPr>
+                        <a:t>Spēka mērs</a:t>
+                      </a:r>
+                      <a:endParaRPr b="0" lang="en-US" sz="1200" spc="-1" strike="noStrike">
+                        <a:latin typeface="Arial"/>
                       </a:endParaRPr>
                     </a:p>
                   </a:txBody>
@@ -13441,7 +15140,91 @@
                 </a:tc>
                 <a:tc>
                   <a:txBody>
-                    <a:bodyPr lIns="90000" rIns="90000" tIns="46800" bIns="46800" anchor="ctr">
+                    <a:bodyPr lIns="90000" rIns="90000">
+                      <a:noAutofit/>
+                    </a:bodyPr>
+                    <a:p>
+                      <a:pPr algn="ctr">
+                        <a:lnSpc>
+                          <a:spcPct val="100000"/>
+                        </a:lnSpc>
+                      </a:pPr>
+                      <a:r>
+                        <a:rPr b="0" lang="en-US" sz="1200" spc="-1" strike="noStrike">
+                          <a:latin typeface="Arial"/>
+                        </a:rPr>
+                        <a:t>-0.68 ± 0.47</a:t>
+                      </a:r>
+                      <a:endParaRPr b="0" lang="en-US" sz="1200" spc="-1" strike="noStrike">
+                        <a:latin typeface="Arial"/>
+                      </a:endParaRPr>
+                    </a:p>
+                  </a:txBody>
+                  <a:tcPr marL="90000" marR="90000">
+                    <a:solidFill>
+                      <a:srgbClr val="cccccc"/>
+                    </a:solidFill>
+                  </a:tcPr>
+                </a:tc>
+                <a:tc>
+                  <a:txBody>
+                    <a:bodyPr lIns="90000" rIns="90000">
+                      <a:noAutofit/>
+                    </a:bodyPr>
+                    <a:p>
+                      <a:pPr algn="ctr">
+                        <a:lnSpc>
+                          <a:spcPct val="100000"/>
+                        </a:lnSpc>
+                      </a:pPr>
+                      <a:r>
+                        <a:rPr b="0" lang="en-US" sz="1200" spc="-1" strike="noStrike">
+                          <a:latin typeface="Arial"/>
+                        </a:rPr>
+                        <a:t>13.11 ± 1.17</a:t>
+                      </a:r>
+                      <a:endParaRPr b="0" lang="en-US" sz="1200" spc="-1" strike="noStrike">
+                        <a:latin typeface="Arial"/>
+                      </a:endParaRPr>
+                    </a:p>
+                  </a:txBody>
+                  <a:tcPr marL="90000" marR="90000">
+                    <a:solidFill>
+                      <a:srgbClr val="cccccc"/>
+                    </a:solidFill>
+                  </a:tcPr>
+                </a:tc>
+                <a:tc>
+                  <a:txBody>
+                    <a:bodyPr lIns="90000" rIns="90000">
+                      <a:noAutofit/>
+                    </a:bodyPr>
+                    <a:p>
+                      <a:pPr algn="ctr">
+                        <a:lnSpc>
+                          <a:spcPct val="100000"/>
+                        </a:lnSpc>
+                      </a:pPr>
+                      <a:r>
+                        <a:rPr b="0" lang="en-US" sz="1200" spc="-1" strike="noStrike">
+                          <a:latin typeface="Arial"/>
+                        </a:rPr>
+                        <a:t>35.19 ± 1.52</a:t>
+                      </a:r>
+                      <a:endParaRPr b="0" lang="en-US" sz="1200" spc="-1" strike="noStrike">
+                        <a:latin typeface="Arial"/>
+                      </a:endParaRPr>
+                    </a:p>
+                  </a:txBody>
+                  <a:tcPr marL="90000" marR="90000">
+                    <a:solidFill>
+                      <a:srgbClr val="cccccc"/>
+                    </a:solidFill>
+                  </a:tcPr>
+                </a:tc>
+                <a:tc>
+                  <a:txBody>
+                    <a:bodyPr lIns="90000" rIns="90000">
                       <a:noAutofit/>
                     </a:bodyPr>
                     <a:p>
@@ -13458,7 +15241,34 @@
                       </a:r>
                       <a:endParaRPr b="0" lang="en-US" sz="1200" spc="-1" strike="noStrike">
                         <a:latin typeface="Arial"/>
-                        <a:ea typeface="Noto Sans CJK SC"/>
+                      </a:endParaRPr>
+                    </a:p>
+                  </a:txBody>
+                  <a:tcPr marL="90000" marR="90000">
+                    <a:solidFill>
+                      <a:srgbClr val="cccccc"/>
+                    </a:solidFill>
+                  </a:tcPr>
+                </a:tc>
+                <a:tc>
+                  <a:txBody>
+                    <a:bodyPr lIns="90000" rIns="90000">
+                      <a:noAutofit/>
+                    </a:bodyPr>
+                    <a:p>
+                      <a:pPr algn="ctr">
+                        <a:lnSpc>
+                          <a:spcPct val="100000"/>
+                        </a:lnSpc>
+                      </a:pPr>
+                      <a:r>
+                        <a:rPr b="0" lang="en-US" sz="1200" spc="-1" strike="noStrike">
+                          <a:latin typeface="Arial"/>
+                        </a:rPr>
+                        <a:t>*</a:t>
+                      </a:r>
+                      <a:endParaRPr b="0" lang="en-US" sz="1200" spc="-1" strike="noStrike">
+                        <a:latin typeface="Arial"/>
                       </a:endParaRPr>
                     </a:p>
                   </a:txBody>
@@ -13475,14 +15285,14 @@
       </p:graphicFrame>
       <p:sp>
         <p:nvSpPr>
-          <p:cNvPr id="259" name="TextShape 5"/>
-          <p:cNvSpPr txBox="1"/>
+          <p:cNvPr id="305" name="CustomShape 5"/>
+          <p:cNvSpPr/>
           <p:nvPr/>
         </p:nvSpPr>
         <p:spPr>
           <a:xfrm>
             <a:off x="457200" y="5798520"/>
-            <a:ext cx="4114800" cy="602280"/>
+            <a:ext cx="4114440" cy="601920"/>
           </a:xfrm>
           <a:prstGeom prst="rect">
             <a:avLst/>
@@ -13492,11 +15302,22 @@
             <a:noFill/>
           </a:ln>
         </p:spPr>
+        <p:style>
+          <a:lnRef idx="0"/>
+          <a:fillRef idx="0"/>
+          <a:effectRef idx="0"/>
+          <a:fontRef idx="minor"/>
+        </p:style>
         <p:txBody>
           <a:bodyPr lIns="90000" rIns="90000" tIns="45000" bIns="45000">
             <a:noAutofit/>
           </a:bodyPr>
           <a:p>
+            <a:pPr>
+              <a:lnSpc>
+                <a:spcPct val="100000"/>
+              </a:lnSpc>
+            </a:pPr>
             <a:r>
               <a:rPr b="0" lang="en-US" sz="1200" spc="-1" strike="noStrike">
                 <a:latin typeface="Arial"/>
@@ -13508,6 +15329,11 @@
             </a:endParaRPr>
           </a:p>
           <a:p>
+            <a:pPr>
+              <a:lnSpc>
+                <a:spcPct val="100000"/>
+              </a:lnSpc>
+            </a:pPr>
             <a:r>
               <a:rPr b="0" lang="en-US" sz="1200" spc="-1" strike="noStrike">
                 <a:latin typeface="Arial"/>
@@ -13552,14 +15378,14 @@
       </p:grpSpPr>
       <p:sp>
         <p:nvSpPr>
-          <p:cNvPr id="180" name="CustomShape 1"/>
+          <p:cNvPr id="226" name="CustomShape 1"/>
           <p:cNvSpPr/>
           <p:nvPr/>
         </p:nvSpPr>
         <p:spPr>
           <a:xfrm>
             <a:off x="457200" y="363960"/>
-            <a:ext cx="8228520" cy="769680"/>
+            <a:ext cx="8228160" cy="769320"/>
           </a:xfrm>
           <a:prstGeom prst="rect">
             <a:avLst/>
@@ -13613,14 +15439,14 @@
       </p:sp>
       <p:sp>
         <p:nvSpPr>
-          <p:cNvPr id="181" name="CustomShape 2"/>
+          <p:cNvPr id="227" name="CustomShape 2"/>
           <p:cNvSpPr/>
           <p:nvPr/>
         </p:nvSpPr>
         <p:spPr>
           <a:xfrm>
             <a:off x="457200" y="6272640"/>
-            <a:ext cx="2471040" cy="363960"/>
+            <a:ext cx="2470680" cy="363600"/>
           </a:xfrm>
           <a:prstGeom prst="rect">
             <a:avLst/>
@@ -13664,13 +15490,13 @@
       </p:sp>
       <p:graphicFrame>
         <p:nvGraphicFramePr>
-          <p:cNvPr id="182" name="Table 3"/>
+          <p:cNvPr id="228" name="Table 3"/>
           <p:cNvGraphicFramePr/>
           <p:nvPr/>
         </p:nvGraphicFramePr>
         <p:xfrm>
           <a:off x="640080" y="1604520"/>
-          <a:ext cx="8137800" cy="4005360"/>
+          <a:ext cx="8137800" cy="4005000"/>
         </p:xfrm>
         <a:graphic>
           <a:graphicData uri="http://schemas.openxmlformats.org/drawingml/2006/table">
@@ -14183,7 +16009,7 @@
                         <a:rPr b="0" lang="en-US" sz="1600" spc="-1" strike="noStrike">
                           <a:latin typeface="arial"/>
                         </a:rPr>
-                        <a:t>ANOVA (Dispersiju analīze)</a:t>
+                        <a:t>F-tests</a:t>
                       </a:r>
                       <a:endParaRPr b="0" lang="en-US" sz="1600" spc="-1" strike="noStrike">
                         <a:latin typeface="Arial"/>
@@ -14669,7 +16495,7 @@
                         <a:rPr b="0" lang="en-US" sz="1600" spc="-1" strike="noStrike">
                           <a:latin typeface="arial"/>
                         </a:rPr>
-                        <a:t>Mašinapmācība</a:t>
+                        <a:t>Mašīnmācīšanās</a:t>
                       </a:r>
                       <a:endParaRPr b="0" lang="en-US" sz="1600" spc="-1" strike="noStrike">
                         <a:latin typeface="Arial"/>
@@ -14815,7 +16641,7 @@
                         <a:rPr b="0" lang="en-US" sz="1600" spc="-1" strike="noStrike">
                           <a:latin typeface="arial"/>
                         </a:rPr>
-                        <a:t>Mašinapmācība</a:t>
+                        <a:t>Mašīnmācīšanās</a:t>
                       </a:r>
                       <a:endParaRPr b="0" lang="en-US" sz="1600" spc="-1" strike="noStrike">
                         <a:latin typeface="Arial"/>
@@ -14849,7 +16675,7 @@
                   </a:tcPr>
                 </a:tc>
               </a:tr>
-              <a:tr h="319320">
+              <a:tr h="318960">
                 <a:tc>
                   <a:txBody>
                     <a:bodyPr lIns="90000" rIns="90000">
@@ -14961,7 +16787,7 @@
                         <a:rPr b="0" lang="en-US" sz="1600" spc="-1" strike="noStrike">
                           <a:latin typeface="arial"/>
                         </a:rPr>
-                        <a:t>Mašīnapmācība</a:t>
+                        <a:t>Mašīnmācīšanās</a:t>
                       </a:r>
                       <a:endParaRPr b="0" lang="en-US" sz="1600" spc="-1" strike="noStrike">
                         <a:latin typeface="Arial"/>
@@ -15031,14 +16857,14 @@
       </p:grpSpPr>
       <p:sp>
         <p:nvSpPr>
-          <p:cNvPr id="260" name="CustomShape 1"/>
+          <p:cNvPr id="306" name="CustomShape 1"/>
           <p:cNvSpPr/>
           <p:nvPr/>
         </p:nvSpPr>
         <p:spPr>
           <a:xfrm>
             <a:off x="457200" y="1051560"/>
-            <a:ext cx="8228520" cy="2788200"/>
+            <a:ext cx="8228160" cy="2787840"/>
           </a:xfrm>
           <a:prstGeom prst="rect">
             <a:avLst/>
@@ -15094,14 +16920,14 @@
       </p:sp>
       <p:sp>
         <p:nvSpPr>
-          <p:cNvPr id="261" name="CustomShape 2"/>
+          <p:cNvPr id="307" name="CustomShape 2"/>
           <p:cNvSpPr/>
           <p:nvPr/>
         </p:nvSpPr>
         <p:spPr>
           <a:xfrm>
             <a:off x="457200" y="363960"/>
-            <a:ext cx="8228520" cy="769680"/>
+            <a:ext cx="8228160" cy="769320"/>
           </a:xfrm>
           <a:prstGeom prst="rect">
             <a:avLst/>
@@ -15145,14 +16971,14 @@
       </p:sp>
       <p:sp>
         <p:nvSpPr>
-          <p:cNvPr id="262" name="CustomShape 3"/>
+          <p:cNvPr id="308" name="CustomShape 3"/>
           <p:cNvSpPr/>
           <p:nvPr/>
         </p:nvSpPr>
         <p:spPr>
           <a:xfrm>
             <a:off x="457200" y="6272640"/>
-            <a:ext cx="2471040" cy="363960"/>
+            <a:ext cx="2470680" cy="363600"/>
           </a:xfrm>
           <a:prstGeom prst="rect">
             <a:avLst/>
@@ -15199,7 +17025,7 @@
       </p:sp>
       <p:pic>
         <p:nvPicPr>
-          <p:cNvPr id="263" name="" descr=""/>
+          <p:cNvPr id="309" name="" descr=""/>
           <p:cNvPicPr/>
           <p:nvPr/>
         </p:nvPicPr>
@@ -15210,7 +17036,7 @@
         <p:spPr>
           <a:xfrm>
             <a:off x="3017520" y="1556280"/>
-            <a:ext cx="3200400" cy="4478760"/>
+            <a:ext cx="3200040" cy="4478400"/>
           </a:xfrm>
           <a:prstGeom prst="rect">
             <a:avLst/>
@@ -15252,14 +17078,14 @@
       </p:grpSpPr>
       <p:sp>
         <p:nvSpPr>
-          <p:cNvPr id="264" name="CustomShape 1"/>
+          <p:cNvPr id="310" name="CustomShape 1"/>
           <p:cNvSpPr/>
           <p:nvPr/>
         </p:nvSpPr>
         <p:spPr>
           <a:xfrm>
             <a:off x="457200" y="1454040"/>
-            <a:ext cx="8228520" cy="2788200"/>
+            <a:ext cx="8228160" cy="2787840"/>
           </a:xfrm>
           <a:prstGeom prst="rect">
             <a:avLst/>
@@ -15495,14 +17321,14 @@
       </p:sp>
       <p:sp>
         <p:nvSpPr>
-          <p:cNvPr id="265" name="CustomShape 2"/>
+          <p:cNvPr id="311" name="CustomShape 2"/>
           <p:cNvSpPr/>
           <p:nvPr/>
         </p:nvSpPr>
         <p:spPr>
           <a:xfrm>
             <a:off x="457200" y="363960"/>
-            <a:ext cx="8228520" cy="769680"/>
+            <a:ext cx="8228160" cy="769320"/>
           </a:xfrm>
           <a:prstGeom prst="rect">
             <a:avLst/>
@@ -15546,14 +17372,14 @@
       </p:sp>
       <p:sp>
         <p:nvSpPr>
-          <p:cNvPr id="266" name="CustomShape 3"/>
+          <p:cNvPr id="312" name="CustomShape 3"/>
           <p:cNvSpPr/>
           <p:nvPr/>
         </p:nvSpPr>
         <p:spPr>
           <a:xfrm>
             <a:off x="457200" y="6272640"/>
-            <a:ext cx="2471040" cy="363960"/>
+            <a:ext cx="2470680" cy="363600"/>
           </a:xfrm>
           <a:prstGeom prst="rect">
             <a:avLst/>
@@ -15630,14 +17456,14 @@
       </p:grpSpPr>
       <p:sp>
         <p:nvSpPr>
-          <p:cNvPr id="267" name="CustomShape 1"/>
+          <p:cNvPr id="313" name="CustomShape 1"/>
           <p:cNvSpPr/>
           <p:nvPr/>
         </p:nvSpPr>
         <p:spPr>
           <a:xfrm>
             <a:off x="365760" y="1463040"/>
-            <a:ext cx="8228520" cy="2788200"/>
+            <a:ext cx="8228160" cy="2787840"/>
           </a:xfrm>
           <a:prstGeom prst="rect">
             <a:avLst/>
@@ -15755,14 +17581,14 @@
       </p:sp>
       <p:sp>
         <p:nvSpPr>
-          <p:cNvPr id="268" name="CustomShape 2"/>
+          <p:cNvPr id="314" name="CustomShape 2"/>
           <p:cNvSpPr/>
           <p:nvPr/>
         </p:nvSpPr>
         <p:spPr>
           <a:xfrm>
             <a:off x="457200" y="363960"/>
-            <a:ext cx="8228520" cy="769680"/>
+            <a:ext cx="8228160" cy="769320"/>
           </a:xfrm>
           <a:prstGeom prst="rect">
             <a:avLst/>
@@ -15806,14 +17632,14 @@
       </p:sp>
       <p:sp>
         <p:nvSpPr>
-          <p:cNvPr id="269" name="CustomShape 3"/>
+          <p:cNvPr id="315" name="CustomShape 3"/>
           <p:cNvSpPr/>
           <p:nvPr/>
         </p:nvSpPr>
         <p:spPr>
           <a:xfrm>
             <a:off x="457200" y="6272640"/>
-            <a:ext cx="2471040" cy="363960"/>
+            <a:ext cx="2470680" cy="363600"/>
           </a:xfrm>
           <a:prstGeom prst="rect">
             <a:avLst/>
@@ -15890,14 +17716,14 @@
       </p:grpSpPr>
       <p:sp>
         <p:nvSpPr>
-          <p:cNvPr id="270" name="CustomShape 1"/>
+          <p:cNvPr id="316" name="CustomShape 1"/>
           <p:cNvSpPr/>
           <p:nvPr/>
         </p:nvSpPr>
         <p:spPr>
           <a:xfrm>
             <a:off x="571680" y="2084400"/>
-            <a:ext cx="7180920" cy="1468800"/>
+            <a:ext cx="7180560" cy="1468440"/>
           </a:xfrm>
           <a:prstGeom prst="rect">
             <a:avLst/>
@@ -15941,14 +17767,14 @@
       </p:sp>
       <p:sp>
         <p:nvSpPr>
-          <p:cNvPr id="271" name="CustomShape 2"/>
+          <p:cNvPr id="317" name="CustomShape 2"/>
           <p:cNvSpPr/>
           <p:nvPr/>
         </p:nvSpPr>
         <p:spPr>
           <a:xfrm>
             <a:off x="0" y="6089760"/>
-            <a:ext cx="2470680" cy="363960"/>
+            <a:ext cx="2470320" cy="363600"/>
           </a:xfrm>
           <a:prstGeom prst="rect">
             <a:avLst/>
@@ -16022,14 +17848,14 @@
       </p:grpSpPr>
       <p:sp>
         <p:nvSpPr>
-          <p:cNvPr id="183" name="CustomShape 1"/>
+          <p:cNvPr id="229" name="CustomShape 1"/>
           <p:cNvSpPr/>
           <p:nvPr/>
         </p:nvSpPr>
         <p:spPr>
           <a:xfrm>
             <a:off x="457200" y="363960"/>
-            <a:ext cx="8228520" cy="769680"/>
+            <a:ext cx="8228160" cy="769320"/>
           </a:xfrm>
           <a:prstGeom prst="rect">
             <a:avLst/>
@@ -16083,14 +17909,14 @@
       </p:sp>
       <p:sp>
         <p:nvSpPr>
-          <p:cNvPr id="184" name="CustomShape 2"/>
+          <p:cNvPr id="230" name="CustomShape 2"/>
           <p:cNvSpPr/>
           <p:nvPr/>
         </p:nvSpPr>
         <p:spPr>
           <a:xfrm>
             <a:off x="457200" y="6272640"/>
-            <a:ext cx="2471040" cy="363960"/>
+            <a:ext cx="2470680" cy="363600"/>
           </a:xfrm>
           <a:prstGeom prst="rect">
             <a:avLst/>
@@ -16134,14 +17960,14 @@
       </p:sp>
       <p:sp>
         <p:nvSpPr>
-          <p:cNvPr id="185" name="CustomShape 3"/>
+          <p:cNvPr id="231" name="CustomShape 3"/>
           <p:cNvSpPr/>
           <p:nvPr/>
         </p:nvSpPr>
         <p:spPr>
           <a:xfrm>
             <a:off x="457200" y="273600"/>
-            <a:ext cx="8228880" cy="1144440"/>
+            <a:ext cx="8228520" cy="1144080"/>
           </a:xfrm>
           <a:prstGeom prst="rect">
             <a:avLst/>
@@ -16160,7 +17986,7 @@
       </p:sp>
       <p:graphicFrame>
         <p:nvGraphicFramePr>
-          <p:cNvPr id="186" name="Table 4"/>
+          <p:cNvPr id="232" name="Table 4"/>
           <p:cNvGraphicFramePr/>
           <p:nvPr/>
         </p:nvGraphicFramePr>
@@ -16687,7 +18513,7 @@
       </p:graphicFrame>
       <p:graphicFrame>
         <p:nvGraphicFramePr>
-          <p:cNvPr id="187" name="Table 5"/>
+          <p:cNvPr id="233" name="Table 5"/>
           <p:cNvGraphicFramePr/>
           <p:nvPr/>
         </p:nvGraphicFramePr>
@@ -17214,14 +19040,14 @@
       </p:graphicFrame>
       <p:sp>
         <p:nvSpPr>
-          <p:cNvPr id="188" name="CustomShape 6"/>
+          <p:cNvPr id="234" name="CustomShape 6"/>
           <p:cNvSpPr/>
           <p:nvPr/>
         </p:nvSpPr>
         <p:spPr>
           <a:xfrm>
             <a:off x="457200" y="1506960"/>
-            <a:ext cx="8228880" cy="595800"/>
+            <a:ext cx="8228520" cy="595440"/>
           </a:xfrm>
           <a:prstGeom prst="rect">
             <a:avLst/>
@@ -17249,6 +19075,9 @@
             </a:pPr>
             <a:r>
               <a:rPr b="0" lang="en-US" sz="1800" spc="-1" strike="noStrike">
+                <a:solidFill>
+                  <a:srgbClr val="000000"/>
+                </a:solidFill>
                 <a:latin typeface="arial"/>
                 <a:ea typeface="Noto Sans CJK SC"/>
               </a:rPr>
@@ -17257,6 +19086,9 @@
             <a:br/>
             <a:r>
               <a:rPr b="0" lang="en-US" sz="1800" spc="-1" strike="noStrike">
+                <a:solidFill>
+                  <a:srgbClr val="000000"/>
+                </a:solidFill>
                 <a:latin typeface="arial"/>
                 <a:ea typeface="Noto Sans CJK SC"/>
               </a:rPr>
@@ -17270,14 +19102,14 @@
       </p:sp>
       <p:sp>
         <p:nvSpPr>
-          <p:cNvPr id="189" name="CustomShape 7"/>
+          <p:cNvPr id="235" name="CustomShape 7"/>
           <p:cNvSpPr/>
           <p:nvPr/>
         </p:nvSpPr>
         <p:spPr>
           <a:xfrm>
             <a:off x="457200" y="2237400"/>
-            <a:ext cx="3309480" cy="541440"/>
+            <a:ext cx="3309120" cy="541080"/>
           </a:xfrm>
           <a:prstGeom prst="rect">
             <a:avLst/>
@@ -17305,7 +19137,11 @@
             </a:pPr>
             <a:r>
               <a:rPr b="0" lang="en-US" sz="1600" spc="-1" strike="noStrike">
+                <a:solidFill>
+                  <a:srgbClr val="000000"/>
+                </a:solidFill>
                 <a:latin typeface="Arial"/>
+                <a:ea typeface="DejaVu Sans"/>
               </a:rPr>
               <a:t>Metodes kritērija guvums rezultāts:</a:t>
             </a:r>
@@ -17317,14 +19153,14 @@
       </p:sp>
       <p:sp>
         <p:nvSpPr>
-          <p:cNvPr id="190" name="CustomShape 8"/>
+          <p:cNvPr id="236" name="CustomShape 8"/>
           <p:cNvSpPr/>
           <p:nvPr/>
         </p:nvSpPr>
         <p:spPr>
           <a:xfrm>
             <a:off x="457200" y="3862800"/>
-            <a:ext cx="3309480" cy="541440"/>
+            <a:ext cx="3309120" cy="541080"/>
           </a:xfrm>
           <a:prstGeom prst="rect">
             <a:avLst/>
@@ -17352,7 +19188,11 @@
             </a:pPr>
             <a:r>
               <a:rPr b="0" lang="en-US" sz="1600" spc="-1" strike="noStrike">
+                <a:solidFill>
+                  <a:srgbClr val="000000"/>
+                </a:solidFill>
                 <a:latin typeface="Arial"/>
+                <a:ea typeface="DejaVu Sans"/>
               </a:rPr>
               <a:t>Metodes paredzošā spēka mērs rezultāts:</a:t>
             </a:r>
@@ -17394,14 +19234,14 @@
       </p:grpSpPr>
       <p:sp>
         <p:nvSpPr>
-          <p:cNvPr id="191" name="CustomShape 1"/>
+          <p:cNvPr id="237" name="CustomShape 1"/>
           <p:cNvSpPr/>
           <p:nvPr/>
         </p:nvSpPr>
         <p:spPr>
           <a:xfrm>
             <a:off x="457200" y="363960"/>
-            <a:ext cx="8228520" cy="769680"/>
+            <a:ext cx="8228160" cy="769320"/>
           </a:xfrm>
           <a:prstGeom prst="rect">
             <a:avLst/>
@@ -17455,14 +19295,14 @@
       </p:sp>
       <p:sp>
         <p:nvSpPr>
-          <p:cNvPr id="192" name="CustomShape 2"/>
+          <p:cNvPr id="238" name="CustomShape 2"/>
           <p:cNvSpPr/>
           <p:nvPr/>
         </p:nvSpPr>
         <p:spPr>
           <a:xfrm>
             <a:off x="457200" y="6272640"/>
-            <a:ext cx="2471040" cy="363960"/>
+            <a:ext cx="2470680" cy="363600"/>
           </a:xfrm>
           <a:prstGeom prst="rect">
             <a:avLst/>
@@ -17506,14 +19346,14 @@
       </p:sp>
       <p:sp>
         <p:nvSpPr>
-          <p:cNvPr id="193" name="CustomShape 3"/>
+          <p:cNvPr id="239" name="CustomShape 3"/>
           <p:cNvSpPr/>
           <p:nvPr/>
         </p:nvSpPr>
         <p:spPr>
           <a:xfrm>
             <a:off x="457200" y="273600"/>
-            <a:ext cx="8228880" cy="1144440"/>
+            <a:ext cx="8228520" cy="1144080"/>
           </a:xfrm>
           <a:prstGeom prst="rect">
             <a:avLst/>
@@ -17532,7 +19372,7 @@
       </p:sp>
       <p:graphicFrame>
         <p:nvGraphicFramePr>
-          <p:cNvPr id="194" name="Table 4"/>
+          <p:cNvPr id="240" name="Table 4"/>
           <p:cNvGraphicFramePr/>
           <p:nvPr/>
         </p:nvGraphicFramePr>
@@ -17956,7 +19796,7 @@
       </p:graphicFrame>
       <p:graphicFrame>
         <p:nvGraphicFramePr>
-          <p:cNvPr id="195" name="Table 5"/>
+          <p:cNvPr id="241" name="Table 5"/>
           <p:cNvGraphicFramePr/>
           <p:nvPr/>
         </p:nvGraphicFramePr>
@@ -18380,14 +20220,14 @@
       </p:graphicFrame>
       <p:sp>
         <p:nvSpPr>
-          <p:cNvPr id="196" name="CustomShape 6"/>
+          <p:cNvPr id="242" name="CustomShape 6"/>
           <p:cNvSpPr/>
           <p:nvPr/>
         </p:nvSpPr>
         <p:spPr>
           <a:xfrm>
             <a:off x="457200" y="1506960"/>
-            <a:ext cx="8228880" cy="595800"/>
+            <a:ext cx="8228520" cy="595440"/>
           </a:xfrm>
           <a:prstGeom prst="rect">
             <a:avLst/>
@@ -18415,6 +20255,9 @@
             </a:pPr>
             <a:r>
               <a:rPr b="0" lang="en-US" sz="1800" spc="-1" strike="noStrike">
+                <a:solidFill>
+                  <a:srgbClr val="000000"/>
+                </a:solidFill>
                 <a:latin typeface="arial"/>
                 <a:ea typeface="Noto Sans CJK SC"/>
               </a:rPr>
@@ -18423,6 +20266,9 @@
             <a:br/>
             <a:r>
               <a:rPr b="0" lang="en-US" sz="1800" spc="-1" strike="noStrike">
+                <a:solidFill>
+                  <a:srgbClr val="000000"/>
+                </a:solidFill>
                 <a:latin typeface="arial"/>
                 <a:ea typeface="Noto Sans CJK SC"/>
               </a:rPr>
@@ -18436,14 +20282,14 @@
       </p:sp>
       <p:sp>
         <p:nvSpPr>
-          <p:cNvPr id="197" name="CustomShape 7"/>
+          <p:cNvPr id="243" name="CustomShape 7"/>
           <p:cNvSpPr/>
           <p:nvPr/>
         </p:nvSpPr>
         <p:spPr>
           <a:xfrm>
             <a:off x="457200" y="2237400"/>
-            <a:ext cx="3309480" cy="541440"/>
+            <a:ext cx="3309120" cy="541080"/>
           </a:xfrm>
           <a:prstGeom prst="rect">
             <a:avLst/>
@@ -18471,7 +20317,11 @@
             </a:pPr>
             <a:r>
               <a:rPr b="0" lang="en-US" sz="1600" spc="-1" strike="noStrike">
+                <a:solidFill>
+                  <a:srgbClr val="000000"/>
+                </a:solidFill>
                 <a:latin typeface="Arial"/>
+                <a:ea typeface="DejaVu Sans"/>
               </a:rPr>
               <a:t>Metodes kritērija guvums rezultāts:</a:t>
             </a:r>
@@ -18483,14 +20333,14 @@
       </p:sp>
       <p:sp>
         <p:nvSpPr>
-          <p:cNvPr id="198" name="CustomShape 8"/>
+          <p:cNvPr id="244" name="CustomShape 8"/>
           <p:cNvSpPr/>
           <p:nvPr/>
         </p:nvSpPr>
         <p:spPr>
           <a:xfrm>
             <a:off x="457200" y="3862800"/>
-            <a:ext cx="3309480" cy="541440"/>
+            <a:ext cx="3309120" cy="541080"/>
           </a:xfrm>
           <a:prstGeom prst="rect">
             <a:avLst/>
@@ -18518,7 +20368,11 @@
             </a:pPr>
             <a:r>
               <a:rPr b="0" lang="en-US" sz="1600" spc="-1" strike="noStrike">
+                <a:solidFill>
+                  <a:srgbClr val="000000"/>
+                </a:solidFill>
                 <a:latin typeface="Arial"/>
+                <a:ea typeface="DejaVu Sans"/>
               </a:rPr>
               <a:t>Metodes paredzošā spēka mērs rezultāts:</a:t>
             </a:r>
@@ -18530,14 +20384,14 @@
       </p:sp>
       <p:sp>
         <p:nvSpPr>
-          <p:cNvPr id="199" name="CustomShape 9"/>
+          <p:cNvPr id="245" name="CustomShape 9"/>
           <p:cNvSpPr/>
           <p:nvPr/>
         </p:nvSpPr>
         <p:spPr>
           <a:xfrm>
             <a:off x="439200" y="5486400"/>
-            <a:ext cx="3309480" cy="601920"/>
+            <a:ext cx="3309120" cy="601560"/>
           </a:xfrm>
           <a:prstGeom prst="rect">
             <a:avLst/>
@@ -18565,7 +20419,11 @@
             </a:pPr>
             <a:r>
               <a:rPr b="0" lang="en-US" sz="1200" spc="-1" strike="noStrike">
+                <a:solidFill>
+                  <a:srgbClr val="000000"/>
+                </a:solidFill>
                 <a:latin typeface="Arial"/>
+                <a:ea typeface="DejaVu Sans"/>
               </a:rPr>
               <a:t>Vai modelis ķļuva labāks?</a:t>
             </a:r>
@@ -18581,7 +20439,11 @@
             </a:pPr>
             <a:r>
               <a:rPr b="0" lang="en-US" sz="1200" spc="-1" strike="noStrike">
+                <a:solidFill>
+                  <a:srgbClr val="000000"/>
+                </a:solidFill>
                 <a:latin typeface="Arial"/>
+                <a:ea typeface="DejaVu Sans"/>
               </a:rPr>
               <a:t>Kā atšķiras kritērija guvuma un paredzošā spēka mēra hipotēzes?</a:t>
             </a:r>
@@ -18623,14 +20485,14 @@
       </p:grpSpPr>
       <p:sp>
         <p:nvSpPr>
-          <p:cNvPr id="200" name="CustomShape 1"/>
+          <p:cNvPr id="246" name="CustomShape 1"/>
           <p:cNvSpPr/>
           <p:nvPr/>
         </p:nvSpPr>
         <p:spPr>
           <a:xfrm>
             <a:off x="457200" y="363960"/>
-            <a:ext cx="8228520" cy="769680"/>
+            <a:ext cx="8228160" cy="769320"/>
           </a:xfrm>
           <a:prstGeom prst="rect">
             <a:avLst/>
@@ -18694,14 +20556,14 @@
       </p:sp>
       <p:sp>
         <p:nvSpPr>
-          <p:cNvPr id="201" name="CustomShape 2"/>
+          <p:cNvPr id="247" name="CustomShape 2"/>
           <p:cNvSpPr/>
           <p:nvPr/>
         </p:nvSpPr>
         <p:spPr>
           <a:xfrm>
             <a:off x="457200" y="6272640"/>
-            <a:ext cx="2471040" cy="363960"/>
+            <a:ext cx="2470680" cy="363600"/>
           </a:xfrm>
           <a:prstGeom prst="rect">
             <a:avLst/>
@@ -18745,14 +20607,14 @@
       </p:sp>
       <p:sp>
         <p:nvSpPr>
-          <p:cNvPr id="202" name="CustomShape 3"/>
+          <p:cNvPr id="248" name="CustomShape 3"/>
           <p:cNvSpPr/>
           <p:nvPr/>
         </p:nvSpPr>
         <p:spPr>
           <a:xfrm>
             <a:off x="457200" y="273600"/>
-            <a:ext cx="8228880" cy="1144440"/>
+            <a:ext cx="8228520" cy="1144080"/>
           </a:xfrm>
           <a:prstGeom prst="rect">
             <a:avLst/>
@@ -18771,7 +20633,7 @@
       </p:sp>
       <p:pic>
         <p:nvPicPr>
-          <p:cNvPr id="203" name="" descr=""/>
+          <p:cNvPr id="249" name="" descr=""/>
           <p:cNvPicPr/>
           <p:nvPr/>
         </p:nvPicPr>
@@ -18782,7 +20644,7 @@
         <p:spPr>
           <a:xfrm>
             <a:off x="1588680" y="1604520"/>
-            <a:ext cx="5965560" cy="3976920"/>
+            <a:ext cx="5965200" cy="3976560"/>
           </a:xfrm>
           <a:prstGeom prst="rect">
             <a:avLst/>
@@ -18794,14 +20656,14 @@
       </p:pic>
       <p:sp>
         <p:nvSpPr>
-          <p:cNvPr id="204" name="CustomShape 4"/>
+          <p:cNvPr id="250" name="CustomShape 4"/>
           <p:cNvSpPr/>
           <p:nvPr/>
         </p:nvSpPr>
         <p:spPr>
           <a:xfrm>
             <a:off x="1920240" y="5432760"/>
-            <a:ext cx="1371240" cy="601920"/>
+            <a:ext cx="1370880" cy="601560"/>
           </a:xfrm>
           <a:prstGeom prst="rect">
             <a:avLst/>
@@ -18829,7 +20691,11 @@
             </a:pPr>
             <a:r>
               <a:rPr b="0" lang="en-US" sz="1200" spc="-1" strike="noStrike">
+                <a:solidFill>
+                  <a:srgbClr val="000000"/>
+                </a:solidFill>
                 <a:latin typeface="Arial"/>
+                <a:ea typeface="DejaVu Sans"/>
               </a:rPr>
               <a:t>0. iterācija - </a:t>
             </a:r>
@@ -18845,7 +20711,11 @@
             </a:pPr>
             <a:r>
               <a:rPr b="0" lang="en-US" sz="1200" spc="-1" strike="noStrike">
+                <a:solidFill>
+                  <a:srgbClr val="000000"/>
+                </a:solidFill>
                 <a:latin typeface="Arial"/>
+                <a:ea typeface="DejaVu Sans"/>
               </a:rPr>
               <a:t>Visi mainīgie modelī</a:t>
             </a:r>
@@ -18857,14 +20727,14 @@
       </p:sp>
       <p:sp>
         <p:nvSpPr>
-          <p:cNvPr id="205" name="CustomShape 5"/>
+          <p:cNvPr id="251" name="CustomShape 5"/>
           <p:cNvSpPr/>
           <p:nvPr/>
         </p:nvSpPr>
         <p:spPr>
           <a:xfrm>
             <a:off x="6217920" y="5420520"/>
-            <a:ext cx="1371240" cy="601920"/>
+            <a:ext cx="1370880" cy="601560"/>
           </a:xfrm>
           <a:prstGeom prst="rect">
             <a:avLst/>
@@ -18892,7 +20762,11 @@
             </a:pPr>
             <a:r>
               <a:rPr b="0" lang="en-US" sz="1200" spc="-1" strike="noStrike">
+                <a:solidFill>
+                  <a:srgbClr val="000000"/>
+                </a:solidFill>
                 <a:latin typeface="Arial"/>
+                <a:ea typeface="DejaVu Sans"/>
               </a:rPr>
               <a:t>12. iterācija -  Viens mainīgais modelī</a:t>
             </a:r>
@@ -18934,14 +20808,14 @@
       </p:grpSpPr>
       <p:sp>
         <p:nvSpPr>
-          <p:cNvPr id="206" name="CustomShape 1"/>
+          <p:cNvPr id="252" name="CustomShape 1"/>
           <p:cNvSpPr/>
           <p:nvPr/>
         </p:nvSpPr>
         <p:spPr>
           <a:xfrm>
             <a:off x="457200" y="1454040"/>
-            <a:ext cx="8228520" cy="2788200"/>
+            <a:ext cx="8228160" cy="2787840"/>
           </a:xfrm>
           <a:prstGeom prst="rect">
             <a:avLst/>
@@ -18962,7 +20836,7 @@
             <a:noAutofit/>
           </a:bodyPr>
           <a:p>
-            <a:pPr marL="343080" indent="-342000">
+            <a:pPr marL="343080" indent="-341640">
               <a:lnSpc>
                 <a:spcPct val="100000"/>
               </a:lnSpc>
@@ -18990,7 +20864,7 @@
             </a:endParaRPr>
           </a:p>
           <a:p>
-            <a:pPr marL="343080" indent="-342000">
+            <a:pPr marL="343080" indent="-341640">
               <a:lnSpc>
                 <a:spcPct val="100000"/>
               </a:lnSpc>
@@ -19018,7 +20892,7 @@
             </a:endParaRPr>
           </a:p>
           <a:p>
-            <a:pPr marL="343080" indent="-342000">
+            <a:pPr marL="343080" indent="-341640">
               <a:lnSpc>
                 <a:spcPct val="100000"/>
               </a:lnSpc>
@@ -19046,7 +20920,7 @@
             </a:endParaRPr>
           </a:p>
           <a:p>
-            <a:pPr lvl="1" marL="432000" indent="-215640">
+            <a:pPr lvl="1" marL="432000" indent="-215280">
               <a:lnSpc>
                 <a:spcPct val="100000"/>
               </a:lnSpc>
@@ -19075,7 +20949,7 @@
             </a:endParaRPr>
           </a:p>
           <a:p>
-            <a:pPr lvl="1" marL="432000" indent="-215640">
+            <a:pPr lvl="1" marL="432000" indent="-215280">
               <a:lnSpc>
                 <a:spcPct val="100000"/>
               </a:lnSpc>
@@ -19104,7 +20978,7 @@
             </a:endParaRPr>
           </a:p>
           <a:p>
-            <a:pPr marL="343080" indent="-342000">
+            <a:pPr marL="343080" indent="-341640">
               <a:lnSpc>
                 <a:spcPct val="100000"/>
               </a:lnSpc>
@@ -19132,7 +21006,7 @@
             </a:endParaRPr>
           </a:p>
           <a:p>
-            <a:pPr lvl="1" marL="432000" indent="-215640">
+            <a:pPr lvl="1" marL="432000" indent="-215280">
               <a:lnSpc>
                 <a:spcPct val="100000"/>
               </a:lnSpc>
@@ -19161,7 +21035,7 @@
             </a:endParaRPr>
           </a:p>
           <a:p>
-            <a:pPr lvl="1" marL="432000" indent="-215640">
+            <a:pPr lvl="1" marL="432000" indent="-215280">
               <a:lnSpc>
                 <a:spcPct val="100000"/>
               </a:lnSpc>
@@ -19190,7 +21064,7 @@
             </a:endParaRPr>
           </a:p>
           <a:p>
-            <a:pPr lvl="1" marL="432000" indent="-215640">
+            <a:pPr lvl="1" marL="432000" indent="-215280">
               <a:lnSpc>
                 <a:spcPct val="100000"/>
               </a:lnSpc>
@@ -19287,14 +21161,14 @@
       </p:sp>
       <p:sp>
         <p:nvSpPr>
-          <p:cNvPr id="207" name="CustomShape 2"/>
+          <p:cNvPr id="253" name="CustomShape 2"/>
           <p:cNvSpPr/>
           <p:nvPr/>
         </p:nvSpPr>
         <p:spPr>
           <a:xfrm>
             <a:off x="457200" y="363960"/>
-            <a:ext cx="8228520" cy="769680"/>
+            <a:ext cx="8228160" cy="769320"/>
           </a:xfrm>
           <a:prstGeom prst="rect">
             <a:avLst/>
@@ -19338,14 +21212,14 @@
       </p:sp>
       <p:sp>
         <p:nvSpPr>
-          <p:cNvPr id="208" name="CustomShape 3"/>
+          <p:cNvPr id="254" name="CustomShape 3"/>
           <p:cNvSpPr/>
           <p:nvPr/>
         </p:nvSpPr>
         <p:spPr>
           <a:xfrm>
             <a:off x="457200" y="6272640"/>
-            <a:ext cx="2471040" cy="363960"/>
+            <a:ext cx="2470680" cy="363600"/>
           </a:xfrm>
           <a:prstGeom prst="rect">
             <a:avLst/>
@@ -19419,14 +21293,14 @@
       </p:grpSpPr>
       <p:sp>
         <p:nvSpPr>
-          <p:cNvPr id="209" name="CustomShape 1"/>
+          <p:cNvPr id="255" name="CustomShape 1"/>
           <p:cNvSpPr/>
           <p:nvPr/>
         </p:nvSpPr>
         <p:spPr>
           <a:xfrm>
             <a:off x="457200" y="1454040"/>
-            <a:ext cx="8228520" cy="2788200"/>
+            <a:ext cx="8228160" cy="2787840"/>
           </a:xfrm>
           <a:prstGeom prst="rect">
             <a:avLst/>
@@ -19447,7 +21321,7 @@
             <a:noAutofit/>
           </a:bodyPr>
           <a:p>
-            <a:pPr marL="343080" indent="-342000">
+            <a:pPr marL="343080" indent="-341640">
               <a:lnSpc>
                 <a:spcPct val="100000"/>
               </a:lnSpc>
@@ -19500,7 +21374,7 @@
             </a:endParaRPr>
           </a:p>
           <a:p>
-            <a:pPr marL="343080" indent="-342000">
+            <a:pPr marL="343080" indent="-341640">
               <a:lnSpc>
                 <a:spcPct val="100000"/>
               </a:lnSpc>
@@ -19556,14 +21430,14 @@
       </p:sp>
       <p:sp>
         <p:nvSpPr>
-          <p:cNvPr id="210" name="CustomShape 2"/>
+          <p:cNvPr id="256" name="CustomShape 2"/>
           <p:cNvSpPr/>
           <p:nvPr/>
         </p:nvSpPr>
         <p:spPr>
           <a:xfrm>
             <a:off x="457200" y="363960"/>
-            <a:ext cx="8228520" cy="769680"/>
+            <a:ext cx="8228160" cy="769320"/>
           </a:xfrm>
           <a:prstGeom prst="rect">
             <a:avLst/>
@@ -19607,14 +21481,14 @@
       </p:sp>
       <p:sp>
         <p:nvSpPr>
-          <p:cNvPr id="211" name="CustomShape 3"/>
+          <p:cNvPr id="257" name="CustomShape 3"/>
           <p:cNvSpPr/>
           <p:nvPr/>
         </p:nvSpPr>
         <p:spPr>
           <a:xfrm>
             <a:off x="457200" y="6272640"/>
-            <a:ext cx="2471040" cy="363960"/>
+            <a:ext cx="2470680" cy="363600"/>
           </a:xfrm>
           <a:prstGeom prst="rect">
             <a:avLst/>
@@ -19688,14 +21562,14 @@
       </p:grpSpPr>
       <p:sp>
         <p:nvSpPr>
-          <p:cNvPr id="212" name="CustomShape 1"/>
+          <p:cNvPr id="258" name="CustomShape 1"/>
           <p:cNvSpPr/>
           <p:nvPr/>
         </p:nvSpPr>
         <p:spPr>
           <a:xfrm>
             <a:off x="457200" y="1454040"/>
-            <a:ext cx="8228520" cy="2788200"/>
+            <a:ext cx="8228160" cy="2787840"/>
           </a:xfrm>
           <a:prstGeom prst="rect">
             <a:avLst/>
@@ -19716,7 +21590,7 @@
             <a:noAutofit/>
           </a:bodyPr>
           <a:p>
-            <a:pPr marL="343080" indent="-342000">
+            <a:pPr marL="343080" indent="-341640">
               <a:lnSpc>
                 <a:spcPct val="100000"/>
               </a:lnSpc>
@@ -19769,7 +21643,7 @@
             </a:endParaRPr>
           </a:p>
           <a:p>
-            <a:pPr marL="343080" indent="-342000">
+            <a:pPr marL="343080" indent="-341640">
               <a:lnSpc>
                 <a:spcPct val="100000"/>
               </a:lnSpc>
@@ -19822,7 +21696,7 @@
             </a:endParaRPr>
           </a:p>
           <a:p>
-            <a:pPr marL="343080" indent="-342000">
+            <a:pPr marL="343080" indent="-341640">
               <a:lnSpc>
                 <a:spcPct val="100000"/>
               </a:lnSpc>
@@ -19875,7 +21749,7 @@
             </a:endParaRPr>
           </a:p>
           <a:p>
-            <a:pPr marL="343080" indent="-342000">
+            <a:pPr marL="343080" indent="-341640">
               <a:lnSpc>
                 <a:spcPct val="100000"/>
               </a:lnSpc>
@@ -19928,7 +21802,7 @@
             </a:endParaRPr>
           </a:p>
           <a:p>
-            <a:pPr marL="343080" indent="-342000">
+            <a:pPr marL="343080" indent="-341640">
               <a:lnSpc>
                 <a:spcPct val="100000"/>
               </a:lnSpc>
@@ -19981,7 +21855,7 @@
             </a:endParaRPr>
           </a:p>
           <a:p>
-            <a:pPr marL="343080" indent="-342000">
+            <a:pPr marL="343080" indent="-341640">
               <a:lnSpc>
                 <a:spcPct val="100000"/>
               </a:lnSpc>
@@ -20037,14 +21911,14 @@
       </p:sp>
       <p:sp>
         <p:nvSpPr>
-          <p:cNvPr id="213" name="CustomShape 2"/>
+          <p:cNvPr id="259" name="CustomShape 2"/>
           <p:cNvSpPr/>
           <p:nvPr/>
         </p:nvSpPr>
         <p:spPr>
           <a:xfrm>
             <a:off x="457200" y="363960"/>
-            <a:ext cx="8228520" cy="769680"/>
+            <a:ext cx="8228160" cy="769320"/>
           </a:xfrm>
           <a:prstGeom prst="rect">
             <a:avLst/>
@@ -20088,14 +21962,14 @@
       </p:sp>
       <p:sp>
         <p:nvSpPr>
-          <p:cNvPr id="214" name="CustomShape 3"/>
+          <p:cNvPr id="260" name="CustomShape 3"/>
           <p:cNvSpPr/>
           <p:nvPr/>
         </p:nvSpPr>
         <p:spPr>
           <a:xfrm>
             <a:off x="457200" y="6272640"/>
-            <a:ext cx="2471040" cy="363960"/>
+            <a:ext cx="2470680" cy="363600"/>
           </a:xfrm>
           <a:prstGeom prst="rect">
             <a:avLst/>
@@ -20169,14 +22043,14 @@
       </p:grpSpPr>
       <p:sp>
         <p:nvSpPr>
-          <p:cNvPr id="215" name="CustomShape 1"/>
+          <p:cNvPr id="261" name="CustomShape 1"/>
           <p:cNvSpPr/>
           <p:nvPr/>
         </p:nvSpPr>
         <p:spPr>
           <a:xfrm>
             <a:off x="457200" y="1454040"/>
-            <a:ext cx="8228520" cy="2788200"/>
+            <a:ext cx="8228160" cy="2787840"/>
           </a:xfrm>
           <a:prstGeom prst="rect">
             <a:avLst/>
@@ -20197,7 +22071,7 @@
             <a:noAutofit/>
           </a:bodyPr>
           <a:p>
-            <a:pPr marL="343080" indent="-342000">
+            <a:pPr marL="343080" indent="-341640">
               <a:lnSpc>
                 <a:spcPct val="100000"/>
               </a:lnSpc>
@@ -20250,7 +22124,7 @@
             </a:endParaRPr>
           </a:p>
           <a:p>
-            <a:pPr marL="343080" indent="-342000">
+            <a:pPr marL="343080" indent="-341640">
               <a:lnSpc>
                 <a:spcPct val="100000"/>
               </a:lnSpc>
@@ -20303,7 +22177,7 @@
             </a:endParaRPr>
           </a:p>
           <a:p>
-            <a:pPr marL="343080" indent="-342000">
+            <a:pPr marL="343080" indent="-341640">
               <a:lnSpc>
                 <a:spcPct val="100000"/>
               </a:lnSpc>
@@ -20356,7 +22230,7 @@
             </a:endParaRPr>
           </a:p>
           <a:p>
-            <a:pPr marL="343080" indent="-342000">
+            <a:pPr marL="343080" indent="-341640">
               <a:lnSpc>
                 <a:spcPct val="100000"/>
               </a:lnSpc>
@@ -20412,14 +22286,14 @@
       </p:sp>
       <p:sp>
         <p:nvSpPr>
-          <p:cNvPr id="216" name="CustomShape 2"/>
+          <p:cNvPr id="262" name="CustomShape 2"/>
           <p:cNvSpPr/>
           <p:nvPr/>
         </p:nvSpPr>
         <p:spPr>
           <a:xfrm>
             <a:off x="457200" y="363960"/>
-            <a:ext cx="8228520" cy="769680"/>
+            <a:ext cx="8228160" cy="769320"/>
           </a:xfrm>
           <a:prstGeom prst="rect">
             <a:avLst/>
@@ -20463,14 +22337,14 @@
       </p:sp>
       <p:sp>
         <p:nvSpPr>
-          <p:cNvPr id="217" name="CustomShape 3"/>
+          <p:cNvPr id="263" name="CustomShape 3"/>
           <p:cNvSpPr/>
           <p:nvPr/>
         </p:nvSpPr>
         <p:spPr>
           <a:xfrm>
             <a:off x="457200" y="6272640"/>
-            <a:ext cx="2471040" cy="363960"/>
+            <a:ext cx="2470680" cy="363600"/>
           </a:xfrm>
           <a:prstGeom prst="rect">
             <a:avLst/>
@@ -21427,4 +23301,230 @@
     </a:fmtScheme>
   </a:themeElements>
 </a:theme>
+</file>
+
+<file path=ppt/theme/theme5.xml><?xml version="1.0" encoding="utf-8"?>
+<a:theme xmlns:a="http://schemas.openxmlformats.org/drawingml/2006/main" name="Office Theme">
+  <a:themeElements>
+    <a:clrScheme name="Office">
+      <a:dk1>
+        <a:sysClr val="windowText" lastClr="000000"/>
+      </a:dk1>
+      <a:lt1>
+        <a:sysClr val="window" lastClr="FFFFFF"/>
+      </a:lt1>
+      <a:dk2>
+        <a:srgbClr val="005551"/>
+      </a:dk2>
+      <a:lt2>
+        <a:srgbClr val="ffffff"/>
+      </a:lt2>
+      <a:accent1>
+        <a:srgbClr val="005551"/>
+      </a:accent1>
+      <a:accent2>
+        <a:srgbClr val="bdcf3c"/>
+      </a:accent2>
+      <a:accent3>
+        <a:srgbClr val="b72e91"/>
+      </a:accent3>
+      <a:accent4>
+        <a:srgbClr val="27c4a6"/>
+      </a:accent4>
+      <a:accent5>
+        <a:srgbClr val="ffc832"/>
+      </a:accent5>
+      <a:accent6>
+        <a:srgbClr val="00b9f1"/>
+      </a:accent6>
+      <a:hlink>
+        <a:srgbClr val="8b5ba4"/>
+      </a:hlink>
+      <a:folHlink>
+        <a:srgbClr val="bfbfbf"/>
+      </a:folHlink>
+    </a:clrScheme>
+    <a:fontScheme name="Office">
+      <a:majorFont>
+        <a:latin typeface="Arial"/>
+        <a:ea typeface="DejaVu Sans"/>
+        <a:cs typeface="DejaVu Sans"/>
+      </a:majorFont>
+      <a:minorFont>
+        <a:latin typeface="Arial"/>
+        <a:ea typeface="DejaVu Sans"/>
+        <a:cs typeface="DejaVu Sans"/>
+      </a:minorFont>
+    </a:fontScheme>
+    <a:fmtScheme name="Office">
+      <a:fillStyleLst>
+        <a:solidFill>
+          <a:schemeClr val="phClr"/>
+        </a:solidFill>
+        <a:gradFill rotWithShape="1">
+          <a:gsLst>
+            <a:gs pos="0">
+              <a:schemeClr val="phClr">
+                <a:tint val="50000"/>
+                <a:satMod val="300000"/>
+              </a:schemeClr>
+            </a:gs>
+            <a:gs pos="35000">
+              <a:schemeClr val="phClr">
+                <a:tint val="37000"/>
+                <a:satMod val="300000"/>
+              </a:schemeClr>
+            </a:gs>
+            <a:gs pos="100000">
+              <a:schemeClr val="phClr">
+                <a:tint val="15000"/>
+                <a:satMod val="350000"/>
+              </a:schemeClr>
+            </a:gs>
+          </a:gsLst>
+          <a:lin ang="16200000" scaled="1"/>
+        </a:gradFill>
+        <a:gradFill rotWithShape="1">
+          <a:gsLst>
+            <a:gs pos="0">
+              <a:schemeClr val="phClr">
+                <a:shade val="51000"/>
+                <a:satMod val="130000"/>
+              </a:schemeClr>
+            </a:gs>
+            <a:gs pos="80000">
+              <a:schemeClr val="phClr">
+                <a:shade val="93000"/>
+                <a:satMod val="130000"/>
+              </a:schemeClr>
+            </a:gs>
+            <a:gs pos="100000">
+              <a:schemeClr val="phClr">
+                <a:shade val="94000"/>
+                <a:satMod val="135000"/>
+              </a:schemeClr>
+            </a:gs>
+          </a:gsLst>
+          <a:lin ang="16200000" scaled="0"/>
+        </a:gradFill>
+      </a:fillStyleLst>
+      <a:lnStyleLst>
+        <a:ln w="9525" cap="flat" cmpd="sng" algn="ctr">
+          <a:solidFill>
+            <a:schemeClr val="phClr">
+              <a:shade val="95000"/>
+              <a:satMod val="105000"/>
+            </a:schemeClr>
+          </a:solidFill>
+          <a:prstDash val="solid"/>
+          <a:miter/>
+        </a:ln>
+        <a:ln w="25400" cap="flat" cmpd="sng" algn="ctr">
+          <a:solidFill>
+            <a:schemeClr val="phClr"/>
+          </a:solidFill>
+          <a:prstDash val="solid"/>
+          <a:miter/>
+        </a:ln>
+        <a:ln w="38100" cap="flat" cmpd="sng" algn="ctr">
+          <a:solidFill>
+            <a:schemeClr val="phClr"/>
+          </a:solidFill>
+          <a:prstDash val="solid"/>
+          <a:miter/>
+        </a:ln>
+      </a:lnStyleLst>
+      <a:effectStyleLst>
+        <a:effectStyle>
+          <a:effectLst>
+            <a:outerShdw blurRad="40000" dist="20000" dir="5400000" rotWithShape="0">
+              <a:srgbClr val="000000">
+                <a:alpha val="38000"/>
+              </a:srgbClr>
+            </a:outerShdw>
+          </a:effectLst>
+        </a:effectStyle>
+        <a:effectStyle>
+          <a:effectLst>
+            <a:outerShdw blurRad="40000" dist="23000" dir="5400000" rotWithShape="0">
+              <a:srgbClr val="000000">
+                <a:alpha val="35000"/>
+              </a:srgbClr>
+            </a:outerShdw>
+          </a:effectLst>
+        </a:effectStyle>
+        <a:effectStyle>
+          <a:effectLst>
+            <a:outerShdw blurRad="40000" dist="23000" dir="5400000" rotWithShape="0">
+              <a:srgbClr val="000000">
+                <a:alpha val="35000"/>
+              </a:srgbClr>
+            </a:outerShdw>
+          </a:effectLst>
+          <a:scene3d>
+            <a:camera prst="orthographicFront">
+              <a:rot lat="0" lon="0" rev="0"/>
+            </a:camera>
+            <a:lightRig rig="threePt" dir="t">
+              <a:rot lat="0" lon="0" rev="1200000"/>
+            </a:lightRig>
+          </a:scene3d>
+          <a:sp3d>
+            <a:bevelT w="63500" h="25400"/>
+          </a:sp3d>
+        </a:effectStyle>
+      </a:effectStyleLst>
+      <a:bgFillStyleLst>
+        <a:solidFill>
+          <a:schemeClr val="phClr"/>
+        </a:solidFill>
+        <a:gradFill rotWithShape="1">
+          <a:gsLst>
+            <a:gs pos="0">
+              <a:schemeClr val="phClr">
+                <a:tint val="40000"/>
+                <a:satMod val="350000"/>
+              </a:schemeClr>
+            </a:gs>
+            <a:gs pos="40000">
+              <a:schemeClr val="phClr">
+                <a:tint val="45000"/>
+                <a:shade val="99000"/>
+                <a:satMod val="350000"/>
+              </a:schemeClr>
+            </a:gs>
+            <a:gs pos="100000">
+              <a:schemeClr val="phClr">
+                <a:shade val="20000"/>
+                <a:satMod val="255000"/>
+              </a:schemeClr>
+            </a:gs>
+          </a:gsLst>
+          <a:path path="circle">
+            <a:fillToRect l="50000" t="-80000" r="50000" b="180000"/>
+          </a:path>
+        </a:gradFill>
+        <a:gradFill rotWithShape="1">
+          <a:gsLst>
+            <a:gs pos="0">
+              <a:schemeClr val="phClr">
+                <a:tint val="80000"/>
+                <a:satMod val="300000"/>
+              </a:schemeClr>
+            </a:gs>
+            <a:gs pos="100000">
+              <a:schemeClr val="phClr">
+                <a:shade val="30000"/>
+                <a:satMod val="200000"/>
+              </a:schemeClr>
+            </a:gs>
+          </a:gsLst>
+          <a:path path="circle">
+            <a:fillToRect l="50000" t="50000" r="50000" b="50000"/>
+          </a:path>
+        </a:gradFill>
+      </a:bgFillStyleLst>
+    </a:fmtScheme>
+  </a:themeElements>
+</a:theme>
 </file>